--- a/SDN/SDN入门之旅.pptx
+++ b/SDN/SDN入门之旅.pptx
@@ -118,7 +118,7 @@
   </p:defaultTextStyle>
   <p:extLst>
     <p:ext uri="{521415D9-36F7-43E2-AB2F-B90AF26B5E84}">
-      <p14:sectionLst xmlns="" xmlns:p14="http://schemas.microsoft.com/office/powerpoint/2010/main">
+      <p14:sectionLst xmlns:p14="http://schemas.microsoft.com/office/powerpoint/2010/main" xmlns="">
         <p14:section name="封面" id="{972EC65A-60A7-44FD-BCE6-5D48DACA9F5C}">
           <p14:sldIdLst>
             <p14:sldId id="292"/>
@@ -256,7 +256,7 @@
       </p14:sectionLst>
     </p:ext>
     <p:ext uri="{EFAFB233-063F-42B5-8137-9DF3F51BA10A}">
-      <p15:sldGuideLst xmlns="" xmlns:p15="http://schemas.microsoft.com/office/powerpoint/2012/main">
+      <p15:sldGuideLst xmlns:p15="http://schemas.microsoft.com/office/powerpoint/2012/main" xmlns="">
         <p15:guide id="1" orient="horz" pos="3748" userDrawn="1">
           <p15:clr>
             <a:srgbClr val="A4A3A4"/>
@@ -356,7 +356,7 @@
             <a:fld id="{DA0D49B4-D9C2-456E-8C06-A1E83D0C7B6A}" type="datetimeFigureOut">
               <a:rPr lang="zh-CN" altLang="en-US" smtClean="0"/>
               <a:pPr/>
-              <a:t>2018/7/3</a:t>
+              <a:t>2018/7/4</a:t>
             </a:fld>
             <a:endParaRPr lang="zh-CN" altLang="en-US"/>
           </a:p>
@@ -524,7 +524,7 @@
     </p:spTree>
     <p:extLst>
       <p:ext uri="{BB962C8B-B14F-4D97-AF65-F5344CB8AC3E}">
-        <p14:creationId xmlns="" xmlns:p14="http://schemas.microsoft.com/office/powerpoint/2010/main" val="3407794156"/>
+        <p14:creationId xmlns:p14="http://schemas.microsoft.com/office/powerpoint/2010/main" xmlns="" val="3407794156"/>
       </p:ext>
     </p:extLst>
   </p:cSld>
@@ -804,7 +804,7 @@
             <a:fld id="{530820CF-B880-4189-942D-D702A7CBA730}" type="datetimeFigureOut">
               <a:rPr lang="zh-CN" altLang="en-US" smtClean="0"/>
               <a:pPr/>
-              <a:t>2018/7/3</a:t>
+              <a:t>2018/7/4</a:t>
             </a:fld>
             <a:endParaRPr lang="zh-CN" altLang="en-US"/>
           </a:p>
@@ -859,7 +859,7 @@
     <a:masterClrMapping/>
   </p:clrMapOvr>
   <mc:AlternateContent xmlns:mc="http://schemas.openxmlformats.org/markup-compatibility/2006">
-    <mc:Choice xmlns="" xmlns:p14="http://schemas.microsoft.com/office/powerpoint/2010/main" Requires="p14">
+    <mc:Choice xmlns:p14="http://schemas.microsoft.com/office/powerpoint/2010/main" xmlns="" Requires="p14">
       <p:transition spd="slow" p14:dur="1500">
         <p:random/>
       </p:transition>
@@ -981,7 +981,7 @@
             <a:fld id="{530820CF-B880-4189-942D-D702A7CBA730}" type="datetimeFigureOut">
               <a:rPr lang="zh-CN" altLang="en-US" smtClean="0"/>
               <a:pPr/>
-              <a:t>2018/7/3</a:t>
+              <a:t>2018/7/4</a:t>
             </a:fld>
             <a:endParaRPr lang="zh-CN" altLang="en-US"/>
           </a:p>
@@ -1036,7 +1036,7 @@
     <a:masterClrMapping/>
   </p:clrMapOvr>
   <mc:AlternateContent xmlns:mc="http://schemas.openxmlformats.org/markup-compatibility/2006">
-    <mc:Choice xmlns="" xmlns:p14="http://schemas.microsoft.com/office/powerpoint/2010/main" Requires="p14">
+    <mc:Choice xmlns:p14="http://schemas.microsoft.com/office/powerpoint/2010/main" xmlns="" Requires="p14">
       <p:transition spd="slow" p14:dur="1500">
         <p:random/>
       </p:transition>
@@ -1168,7 +1168,7 @@
             <a:fld id="{530820CF-B880-4189-942D-D702A7CBA730}" type="datetimeFigureOut">
               <a:rPr lang="zh-CN" altLang="en-US" smtClean="0"/>
               <a:pPr/>
-              <a:t>2018/7/3</a:t>
+              <a:t>2018/7/4</a:t>
             </a:fld>
             <a:endParaRPr lang="zh-CN" altLang="en-US"/>
           </a:p>
@@ -1223,7 +1223,7 @@
     <a:masterClrMapping/>
   </p:clrMapOvr>
   <mc:AlternateContent xmlns:mc="http://schemas.openxmlformats.org/markup-compatibility/2006">
-    <mc:Choice xmlns="" xmlns:p14="http://schemas.microsoft.com/office/powerpoint/2010/main" Requires="p14">
+    <mc:Choice xmlns:p14="http://schemas.microsoft.com/office/powerpoint/2010/main" xmlns="" Requires="p14">
       <p:transition spd="slow" p14:dur="1500">
         <p:random/>
       </p:transition>
@@ -1272,7 +1272,7 @@
             <a:fld id="{68BCBD30-92A3-41D3-B856-2D8D66AD7106}" type="datetime1">
               <a:rPr lang="zh-CN" altLang="en-US" smtClean="0"/>
               <a:pPr/>
-              <a:t>2018/7/3</a:t>
+              <a:t>2018/7/4</a:t>
             </a:fld>
             <a:endParaRPr lang="zh-CN" altLang="en-US"/>
           </a:p>
@@ -1324,7 +1324,7 @@
     </p:spTree>
     <p:extLst>
       <p:ext uri="{BB962C8B-B14F-4D97-AF65-F5344CB8AC3E}">
-        <p14:creationId xmlns="" xmlns:p14="http://schemas.microsoft.com/office/powerpoint/2010/main" val="2039279208"/>
+        <p14:creationId xmlns:p14="http://schemas.microsoft.com/office/powerpoint/2010/main" xmlns="" val="2039279208"/>
       </p:ext>
     </p:extLst>
   </p:cSld>
@@ -1332,7 +1332,7 @@
     <a:masterClrMapping/>
   </p:clrMapOvr>
   <mc:AlternateContent xmlns:mc="http://schemas.openxmlformats.org/markup-compatibility/2006">
-    <mc:Choice xmlns="" xmlns:p14="http://schemas.microsoft.com/office/powerpoint/2010/main" Requires="p14">
+    <mc:Choice xmlns:p14="http://schemas.microsoft.com/office/powerpoint/2010/main" xmlns="" Requires="p14">
       <p:transition spd="slow" p14:dur="1500">
         <p:random/>
       </p:transition>
@@ -1381,7 +1381,7 @@
             <a:fld id="{7A3E1FB8-671C-42D5-8780-4A37A3F9ABBB}" type="datetime1">
               <a:rPr lang="zh-CN" altLang="en-US" smtClean="0"/>
               <a:pPr/>
-              <a:t>2018/7/3</a:t>
+              <a:t>2018/7/4</a:t>
             </a:fld>
             <a:endParaRPr lang="zh-CN" altLang="en-US"/>
           </a:p>
@@ -1691,7 +1691,7 @@
     </p:spTree>
     <p:extLst>
       <p:ext uri="{BB962C8B-B14F-4D97-AF65-F5344CB8AC3E}">
-        <p14:creationId xmlns="" xmlns:p14="http://schemas.microsoft.com/office/powerpoint/2010/main" val="1612432978"/>
+        <p14:creationId xmlns:p14="http://schemas.microsoft.com/office/powerpoint/2010/main" xmlns="" val="1612432978"/>
       </p:ext>
     </p:extLst>
   </p:cSld>
@@ -1699,7 +1699,7 @@
     <a:masterClrMapping/>
   </p:clrMapOvr>
   <mc:AlternateContent xmlns:mc="http://schemas.openxmlformats.org/markup-compatibility/2006">
-    <mc:Choice xmlns="" xmlns:p14="http://schemas.microsoft.com/office/powerpoint/2010/main" Requires="p14">
+    <mc:Choice xmlns:p14="http://schemas.microsoft.com/office/powerpoint/2010/main" xmlns="" Requires="p14">
       <p:transition spd="slow" p14:dur="1500">
         <p:random/>
       </p:transition>
@@ -1821,7 +1821,7 @@
             <a:fld id="{530820CF-B880-4189-942D-D702A7CBA730}" type="datetimeFigureOut">
               <a:rPr lang="zh-CN" altLang="en-US" smtClean="0"/>
               <a:pPr/>
-              <a:t>2018/7/3</a:t>
+              <a:t>2018/7/4</a:t>
             </a:fld>
             <a:endParaRPr lang="zh-CN" altLang="en-US"/>
           </a:p>
@@ -1876,7 +1876,7 @@
     <a:masterClrMapping/>
   </p:clrMapOvr>
   <mc:AlternateContent xmlns:mc="http://schemas.openxmlformats.org/markup-compatibility/2006">
-    <mc:Choice xmlns="" xmlns:p14="http://schemas.microsoft.com/office/powerpoint/2010/main" Requires="p14">
+    <mc:Choice xmlns:p14="http://schemas.microsoft.com/office/powerpoint/2010/main" xmlns="" Requires="p14">
       <p:transition spd="slow" p14:dur="1500">
         <p:random/>
       </p:transition>
@@ -2075,7 +2075,7 @@
             <a:fld id="{530820CF-B880-4189-942D-D702A7CBA730}" type="datetimeFigureOut">
               <a:rPr lang="zh-CN" altLang="en-US" smtClean="0"/>
               <a:pPr/>
-              <a:t>2018/7/3</a:t>
+              <a:t>2018/7/4</a:t>
             </a:fld>
             <a:endParaRPr lang="zh-CN" altLang="en-US"/>
           </a:p>
@@ -2130,7 +2130,7 @@
     <a:masterClrMapping/>
   </p:clrMapOvr>
   <mc:AlternateContent xmlns:mc="http://schemas.openxmlformats.org/markup-compatibility/2006">
-    <mc:Choice xmlns="" xmlns:p14="http://schemas.microsoft.com/office/powerpoint/2010/main" Requires="p14">
+    <mc:Choice xmlns:p14="http://schemas.microsoft.com/office/powerpoint/2010/main" xmlns="" Requires="p14">
       <p:transition spd="slow" p14:dur="1500">
         <p:random/>
       </p:transition>
@@ -2369,7 +2369,7 @@
             <a:fld id="{530820CF-B880-4189-942D-D702A7CBA730}" type="datetimeFigureOut">
               <a:rPr lang="zh-CN" altLang="en-US" smtClean="0"/>
               <a:pPr/>
-              <a:t>2018/7/3</a:t>
+              <a:t>2018/7/4</a:t>
             </a:fld>
             <a:endParaRPr lang="zh-CN" altLang="en-US"/>
           </a:p>
@@ -2424,7 +2424,7 @@
     <a:masterClrMapping/>
   </p:clrMapOvr>
   <mc:AlternateContent xmlns:mc="http://schemas.openxmlformats.org/markup-compatibility/2006">
-    <mc:Choice xmlns="" xmlns:p14="http://schemas.microsoft.com/office/powerpoint/2010/main" Requires="p14">
+    <mc:Choice xmlns:p14="http://schemas.microsoft.com/office/powerpoint/2010/main" xmlns="" Requires="p14">
       <p:transition spd="slow" p14:dur="1500">
         <p:random/>
       </p:transition>
@@ -2797,7 +2797,7 @@
             <a:fld id="{530820CF-B880-4189-942D-D702A7CBA730}" type="datetimeFigureOut">
               <a:rPr lang="zh-CN" altLang="en-US" smtClean="0"/>
               <a:pPr/>
-              <a:t>2018/7/3</a:t>
+              <a:t>2018/7/4</a:t>
             </a:fld>
             <a:endParaRPr lang="zh-CN" altLang="en-US"/>
           </a:p>
@@ -2852,7 +2852,7 @@
     <a:masterClrMapping/>
   </p:clrMapOvr>
   <mc:AlternateContent xmlns:mc="http://schemas.openxmlformats.org/markup-compatibility/2006">
-    <mc:Choice xmlns="" xmlns:p14="http://schemas.microsoft.com/office/powerpoint/2010/main" Requires="p14">
+    <mc:Choice xmlns:p14="http://schemas.microsoft.com/office/powerpoint/2010/main" xmlns="" Requires="p14">
       <p:transition spd="slow" p14:dur="1500">
         <p:random/>
       </p:transition>
@@ -2923,7 +2923,7 @@
             <a:fld id="{530820CF-B880-4189-942D-D702A7CBA730}" type="datetimeFigureOut">
               <a:rPr lang="zh-CN" altLang="en-US" smtClean="0"/>
               <a:pPr/>
-              <a:t>2018/7/3</a:t>
+              <a:t>2018/7/4</a:t>
             </a:fld>
             <a:endParaRPr lang="zh-CN" altLang="en-US"/>
           </a:p>
@@ -2978,7 +2978,7 @@
     <a:masterClrMapping/>
   </p:clrMapOvr>
   <mc:AlternateContent xmlns:mc="http://schemas.openxmlformats.org/markup-compatibility/2006">
-    <mc:Choice xmlns="" xmlns:p14="http://schemas.microsoft.com/office/powerpoint/2010/main" Requires="p14">
+    <mc:Choice xmlns:p14="http://schemas.microsoft.com/office/powerpoint/2010/main" xmlns="" Requires="p14">
       <p:transition spd="slow" p14:dur="1500">
         <p:random/>
       </p:transition>
@@ -3027,7 +3027,7 @@
             <a:fld id="{530820CF-B880-4189-942D-D702A7CBA730}" type="datetimeFigureOut">
               <a:rPr lang="zh-CN" altLang="en-US" smtClean="0"/>
               <a:pPr/>
-              <a:t>2018/7/3</a:t>
+              <a:t>2018/7/4</a:t>
             </a:fld>
             <a:endParaRPr lang="zh-CN" altLang="en-US"/>
           </a:p>
@@ -3082,7 +3082,7 @@
     <a:masterClrMapping/>
   </p:clrMapOvr>
   <mc:AlternateContent xmlns:mc="http://schemas.openxmlformats.org/markup-compatibility/2006">
-    <mc:Choice xmlns="" xmlns:p14="http://schemas.microsoft.com/office/powerpoint/2010/main" Requires="p14">
+    <mc:Choice xmlns:p14="http://schemas.microsoft.com/office/powerpoint/2010/main" xmlns="" Requires="p14">
       <p:transition spd="slow" p14:dur="1500">
         <p:random/>
       </p:transition>
@@ -3311,7 +3311,7 @@
             <a:fld id="{530820CF-B880-4189-942D-D702A7CBA730}" type="datetimeFigureOut">
               <a:rPr lang="zh-CN" altLang="en-US" smtClean="0"/>
               <a:pPr/>
-              <a:t>2018/7/3</a:t>
+              <a:t>2018/7/4</a:t>
             </a:fld>
             <a:endParaRPr lang="zh-CN" altLang="en-US"/>
           </a:p>
@@ -3366,7 +3366,7 @@
     <a:masterClrMapping/>
   </p:clrMapOvr>
   <mc:AlternateContent xmlns:mc="http://schemas.openxmlformats.org/markup-compatibility/2006">
-    <mc:Choice xmlns="" xmlns:p14="http://schemas.microsoft.com/office/powerpoint/2010/main" Requires="p14">
+    <mc:Choice xmlns:p14="http://schemas.microsoft.com/office/powerpoint/2010/main" xmlns="" Requires="p14">
       <p:transition spd="slow" p14:dur="1500">
         <p:random/>
       </p:transition>
@@ -3572,7 +3572,7 @@
             <a:fld id="{530820CF-B880-4189-942D-D702A7CBA730}" type="datetimeFigureOut">
               <a:rPr lang="zh-CN" altLang="en-US" smtClean="0"/>
               <a:pPr/>
-              <a:t>2018/7/3</a:t>
+              <a:t>2018/7/4</a:t>
             </a:fld>
             <a:endParaRPr lang="zh-CN" altLang="en-US"/>
           </a:p>
@@ -3627,7 +3627,7 @@
     <a:masterClrMapping/>
   </p:clrMapOvr>
   <mc:AlternateContent xmlns:mc="http://schemas.openxmlformats.org/markup-compatibility/2006">
-    <mc:Choice xmlns="" xmlns:p14="http://schemas.microsoft.com/office/powerpoint/2010/main" Requires="p14">
+    <mc:Choice xmlns:p14="http://schemas.microsoft.com/office/powerpoint/2010/main" xmlns="" Requires="p14">
       <p:transition spd="slow" p14:dur="1500">
         <p:random/>
       </p:transition>
@@ -3796,7 +3796,7 @@
             <a:fld id="{530820CF-B880-4189-942D-D702A7CBA730}" type="datetimeFigureOut">
               <a:rPr lang="zh-CN" altLang="en-US" smtClean="0"/>
               <a:pPr/>
-              <a:t>2018/7/3</a:t>
+              <a:t>2018/7/4</a:t>
             </a:fld>
             <a:endParaRPr lang="zh-CN" altLang="en-US" dirty="0"/>
           </a:p>
@@ -3902,7 +3902,7 @@
     <p:sldLayoutId id="2147483662" r:id="rId13"/>
   </p:sldLayoutIdLst>
   <mc:AlternateContent xmlns:mc="http://schemas.openxmlformats.org/markup-compatibility/2006">
-    <mc:Choice xmlns="" xmlns:p14="http://schemas.microsoft.com/office/powerpoint/2010/main" Requires="p14">
+    <mc:Choice xmlns:p14="http://schemas.microsoft.com/office/powerpoint/2010/main" xmlns="" Requires="p14">
       <p:transition spd="slow" p14:dur="1500">
         <p:random/>
       </p:transition>
@@ -4231,16 +4231,7 @@
                 </a:solidFill>
                 <a:ea typeface="微软雅黑" panose="020B0503020204020204" pitchFamily="34" charset="-122"/>
               </a:rPr>
-              <a:t>I</a:t>
-            </a:r>
-            <a:r>
-              <a:rPr lang="en-US" altLang="zh-CN" sz="5333" b="1" dirty="0" smtClean="0">
-                <a:solidFill>
-                  <a:srgbClr val="1C2B38"/>
-                </a:solidFill>
-                <a:ea typeface="微软雅黑" panose="020B0503020204020204" pitchFamily="34" charset="-122"/>
-              </a:rPr>
-              <a:t>ntroduction</a:t>
+              <a:t>Introduction</a:t>
             </a:r>
             <a:endParaRPr lang="zh-CN" altLang="en-US" sz="5333" b="1" dirty="0">
               <a:solidFill>
@@ -4330,7 +4321,7 @@
     </p:spTree>
     <p:extLst>
       <p:ext uri="{BB962C8B-B14F-4D97-AF65-F5344CB8AC3E}">
-        <p14:creationId xmlns="" xmlns:p14="http://schemas.microsoft.com/office/powerpoint/2010/main" val="2059511690"/>
+        <p14:creationId xmlns:p14="http://schemas.microsoft.com/office/powerpoint/2010/main" xmlns="" val="2059511690"/>
       </p:ext>
     </p:extLst>
   </p:cSld>
@@ -4338,7 +4329,7 @@
     <a:masterClrMapping/>
   </p:clrMapOvr>
   <mc:AlternateContent xmlns:mc="http://schemas.openxmlformats.org/markup-compatibility/2006">
-    <mc:Choice xmlns="" xmlns:p14="http://schemas.microsoft.com/office/powerpoint/2010/main" Requires="p14">
+    <mc:Choice xmlns:p14="http://schemas.microsoft.com/office/powerpoint/2010/main" xmlns="" Requires="p14">
       <p:transition p14:dur="0"/>
     </mc:Choice>
     <mc:Fallback>
@@ -4551,11 +4542,7 @@
             </a:r>
             <a:r>
               <a:rPr lang="zh-CN" altLang="en-US" dirty="0" smtClean="0"/>
-              <a:t>官</a:t>
-            </a:r>
-            <a:r>
-              <a:rPr lang="zh-CN" altLang="en-US" dirty="0" smtClean="0"/>
-              <a:t>网</a:t>
+              <a:t>官网</a:t>
             </a:r>
             <a:r>
               <a:rPr lang="en-US" altLang="zh-CN" dirty="0" smtClean="0"/>
@@ -4567,13 +4554,7 @@
               <a:rPr lang="en-US" altLang="zh-CN" dirty="0" smtClean="0">
                 <a:hlinkClick r:id="rId2"/>
               </a:rPr>
-              <a:t>https://www.opennetworking.org</a:t>
-            </a:r>
-            <a:r>
-              <a:rPr lang="en-US" altLang="zh-CN" dirty="0" smtClean="0">
-                <a:hlinkClick r:id="rId2"/>
-              </a:rPr>
-              <a:t>/</a:t>
+              <a:t>https://www.opennetworking.org/</a:t>
             </a:r>
             <a:endParaRPr lang="en-US" altLang="zh-CN" dirty="0" smtClean="0"/>
           </a:p>
@@ -4616,11 +4597,7 @@
           <a:p>
             <a:r>
               <a:rPr lang="en-US" altLang="zh-CN" dirty="0" smtClean="0"/>
-              <a:t>SDN</a:t>
-            </a:r>
-            <a:r>
-              <a:rPr lang="en-US" altLang="zh-CN" dirty="0" smtClean="0"/>
-              <a:t>: Software Defined Networks </a:t>
+              <a:t>SDN: Software Defined Networks </a:t>
             </a:r>
             <a:r>
               <a:rPr lang="zh-CN" altLang="en-US" dirty="0" smtClean="0"/>
@@ -4644,22 +4621,13 @@
             </a:r>
             <a:r>
               <a:rPr lang="en-US" altLang="zh-CN" dirty="0" smtClean="0"/>
-              <a:t>, Ken </a:t>
-            </a:r>
-            <a:r>
-              <a:rPr lang="en-US" altLang="zh-CN" dirty="0" smtClean="0"/>
-              <a:t>Gray (Juniper Networks)</a:t>
-            </a:r>
-            <a:endParaRPr lang="en-US" altLang="zh-CN" dirty="0" smtClean="0"/>
+              <a:t>, Ken Gray (Juniper Networks)</a:t>
+            </a:r>
           </a:p>
           <a:p>
             <a:r>
               <a:rPr lang="zh-CN" altLang="en-US" dirty="0" smtClean="0"/>
-              <a:t>深度</a:t>
-            </a:r>
-            <a:r>
-              <a:rPr lang="zh-CN" altLang="en-US" dirty="0" smtClean="0"/>
-              <a:t>解析</a:t>
+              <a:t>深度解析</a:t>
             </a:r>
             <a:r>
               <a:rPr lang="en-US" altLang="zh-CN" dirty="0" smtClean="0"/>
@@ -4667,27 +4635,15 @@
             </a:r>
             <a:r>
               <a:rPr lang="zh-CN" altLang="en-US" dirty="0" smtClean="0"/>
-              <a:t>：利益、战略、技术、</a:t>
+              <a:t>：利益、战略、技术、实践</a:t>
+            </a:r>
+            <a:r>
+              <a:rPr lang="en-US" altLang="zh-CN" dirty="0" smtClean="0"/>
+              <a:t> -</a:t>
             </a:r>
             <a:r>
               <a:rPr lang="zh-CN" altLang="en-US" dirty="0" smtClean="0"/>
-              <a:t>实践</a:t>
-            </a:r>
-            <a:r>
-              <a:rPr lang="en-US" altLang="zh-CN" dirty="0" smtClean="0"/>
-              <a:t> </a:t>
-            </a:r>
-            <a:r>
-              <a:rPr lang="en-US" altLang="zh-CN" dirty="0" smtClean="0"/>
-              <a:t>-</a:t>
-            </a:r>
-            <a:r>
-              <a:rPr lang="zh-CN" altLang="en-US" dirty="0" smtClean="0"/>
-              <a:t> 张卫</a:t>
-            </a:r>
-            <a:r>
-              <a:rPr lang="zh-CN" altLang="en-US" dirty="0" smtClean="0"/>
-              <a:t>峰 </a:t>
+              <a:t> 张卫峰 </a:t>
             </a:r>
             <a:r>
               <a:rPr lang="en-US" altLang="zh-CN" dirty="0" smtClean="0"/>
@@ -4701,14 +4657,13 @@
               <a:rPr lang="en-US" altLang="zh-CN" dirty="0" smtClean="0"/>
               <a:t>)</a:t>
             </a:r>
-            <a:endParaRPr lang="en-US" altLang="zh-CN" dirty="0" smtClean="0"/>
           </a:p>
         </p:txBody>
       </p:sp>
     </p:spTree>
     <p:extLst>
       <p:ext uri="{BB962C8B-B14F-4D97-AF65-F5344CB8AC3E}">
-        <p14:creationId xmlns="" xmlns:p14="http://schemas.microsoft.com/office/powerpoint/2010/main" val="3221807754"/>
+        <p14:creationId xmlns:p14="http://schemas.microsoft.com/office/powerpoint/2010/main" xmlns="" val="3221807754"/>
       </p:ext>
     </p:extLst>
   </p:cSld>
@@ -4716,7 +4671,7 @@
     <a:masterClrMapping/>
   </p:clrMapOvr>
   <mc:AlternateContent xmlns:mc="http://schemas.openxmlformats.org/markup-compatibility/2006">
-    <mc:Choice xmlns="" xmlns:p14="http://schemas.microsoft.com/office/powerpoint/2010/main" Requires="p14">
+    <mc:Choice xmlns:p14="http://schemas.microsoft.com/office/powerpoint/2010/main" xmlns="" Requires="p14">
       <p:transition p14:dur="0"/>
     </mc:Choice>
     <mc:Fallback>
@@ -4857,7 +4812,7 @@
               </a:ln>
               <a:extLst>
                 <a:ext uri="{91240B29-F687-4F45-9708-019B960494DF}">
-                  <a14:hiddenLine xmlns="" xmlns:a14="http://schemas.microsoft.com/office/drawing/2010/main" w="9525">
+                  <a14:hiddenLine xmlns:a14="http://schemas.microsoft.com/office/drawing/2010/main" xmlns="" w="9525">
                     <a:solidFill>
                       <a:srgbClr val="000000"/>
                     </a:solidFill>
@@ -4906,7 +4861,7 @@
               </a:ln>
               <a:extLst>
                 <a:ext uri="{91240B29-F687-4F45-9708-019B960494DF}">
-                  <a14:hiddenLine xmlns="" xmlns:a14="http://schemas.microsoft.com/office/drawing/2010/main" w="9525">
+                  <a14:hiddenLine xmlns:a14="http://schemas.microsoft.com/office/drawing/2010/main" xmlns="" w="9525">
                     <a:solidFill>
                       <a:srgbClr val="000000"/>
                     </a:solidFill>
@@ -4955,7 +4910,7 @@
               </a:ln>
               <a:extLst>
                 <a:ext uri="{91240B29-F687-4F45-9708-019B960494DF}">
-                  <a14:hiddenLine xmlns="" xmlns:a14="http://schemas.microsoft.com/office/drawing/2010/main" w="9525">
+                  <a14:hiddenLine xmlns:a14="http://schemas.microsoft.com/office/drawing/2010/main" xmlns="" w="9525">
                     <a:solidFill>
                       <a:srgbClr val="000000"/>
                     </a:solidFill>
@@ -5004,7 +4959,7 @@
               </a:ln>
               <a:extLst>
                 <a:ext uri="{91240B29-F687-4F45-9708-019B960494DF}">
-                  <a14:hiddenLine xmlns="" xmlns:a14="http://schemas.microsoft.com/office/drawing/2010/main" w="9525">
+                  <a14:hiddenLine xmlns:a14="http://schemas.microsoft.com/office/drawing/2010/main" xmlns="" w="9525">
                     <a:solidFill>
                       <a:srgbClr val="000000"/>
                     </a:solidFill>
@@ -5053,7 +5008,7 @@
               </a:ln>
               <a:extLst>
                 <a:ext uri="{91240B29-F687-4F45-9708-019B960494DF}">
-                  <a14:hiddenLine xmlns="" xmlns:a14="http://schemas.microsoft.com/office/drawing/2010/main" w="9525">
+                  <a14:hiddenLine xmlns:a14="http://schemas.microsoft.com/office/drawing/2010/main" xmlns="" w="9525">
                     <a:solidFill>
                       <a:srgbClr val="000000"/>
                     </a:solidFill>
@@ -5102,7 +5057,7 @@
               </a:ln>
               <a:extLst>
                 <a:ext uri="{91240B29-F687-4F45-9708-019B960494DF}">
-                  <a14:hiddenLine xmlns="" xmlns:a14="http://schemas.microsoft.com/office/drawing/2010/main" w="9525">
+                  <a14:hiddenLine xmlns:a14="http://schemas.microsoft.com/office/drawing/2010/main" xmlns="" w="9525">
                     <a:solidFill>
                       <a:srgbClr val="000000"/>
                     </a:solidFill>
@@ -5168,7 +5123,7 @@
               </a:ln>
               <a:extLst>
                 <a:ext uri="{91240B29-F687-4F45-9708-019B960494DF}">
-                  <a14:hiddenLine xmlns="" xmlns:a14="http://schemas.microsoft.com/office/drawing/2010/main" w="9525">
+                  <a14:hiddenLine xmlns:a14="http://schemas.microsoft.com/office/drawing/2010/main" xmlns="" w="9525">
                     <a:solidFill>
                       <a:srgbClr val="000000"/>
                     </a:solidFill>
@@ -5217,7 +5172,7 @@
               </a:ln>
               <a:extLst>
                 <a:ext uri="{91240B29-F687-4F45-9708-019B960494DF}">
-                  <a14:hiddenLine xmlns="" xmlns:a14="http://schemas.microsoft.com/office/drawing/2010/main" w="9525">
+                  <a14:hiddenLine xmlns:a14="http://schemas.microsoft.com/office/drawing/2010/main" xmlns="" w="9525">
                     <a:solidFill>
                       <a:srgbClr val="000000"/>
                     </a:solidFill>
@@ -5266,7 +5221,7 @@
               </a:ln>
               <a:extLst>
                 <a:ext uri="{91240B29-F687-4F45-9708-019B960494DF}">
-                  <a14:hiddenLine xmlns="" xmlns:a14="http://schemas.microsoft.com/office/drawing/2010/main" w="9525">
+                  <a14:hiddenLine xmlns:a14="http://schemas.microsoft.com/office/drawing/2010/main" xmlns="" w="9525">
                     <a:solidFill>
                       <a:srgbClr val="000000"/>
                     </a:solidFill>
@@ -5315,7 +5270,7 @@
               </a:ln>
               <a:extLst>
                 <a:ext uri="{91240B29-F687-4F45-9708-019B960494DF}">
-                  <a14:hiddenLine xmlns="" xmlns:a14="http://schemas.microsoft.com/office/drawing/2010/main" w="9525">
+                  <a14:hiddenLine xmlns:a14="http://schemas.microsoft.com/office/drawing/2010/main" xmlns="" w="9525">
                     <a:solidFill>
                       <a:srgbClr val="000000"/>
                     </a:solidFill>
@@ -5364,7 +5319,7 @@
               </a:ln>
               <a:extLst>
                 <a:ext uri="{91240B29-F687-4F45-9708-019B960494DF}">
-                  <a14:hiddenLine xmlns="" xmlns:a14="http://schemas.microsoft.com/office/drawing/2010/main" w="9525">
+                  <a14:hiddenLine xmlns:a14="http://schemas.microsoft.com/office/drawing/2010/main" xmlns="" w="9525">
                     <a:solidFill>
                       <a:srgbClr val="000000"/>
                     </a:solidFill>
@@ -5413,7 +5368,7 @@
               </a:ln>
               <a:extLst>
                 <a:ext uri="{91240B29-F687-4F45-9708-019B960494DF}">
-                  <a14:hiddenLine xmlns="" xmlns:a14="http://schemas.microsoft.com/office/drawing/2010/main" w="9525">
+                  <a14:hiddenLine xmlns:a14="http://schemas.microsoft.com/office/drawing/2010/main" xmlns="" w="9525">
                     <a:solidFill>
                       <a:srgbClr val="000000"/>
                     </a:solidFill>
@@ -5502,17 +5457,7 @@
                 <a:latin typeface="微软雅黑" panose="020B0503020204020204" pitchFamily="34" charset="-122"/>
                 <a:ea typeface="微软雅黑" panose="020B0503020204020204" pitchFamily="34" charset="-122"/>
               </a:rPr>
-              <a:t> 的定义</a:t>
-            </a:r>
-            <a:r>
-              <a:rPr lang="zh-CN" altLang="en-US" sz="2400" dirty="0" smtClean="0">
-                <a:solidFill>
-                  <a:schemeClr val="bg1"/>
-                </a:solidFill>
-                <a:latin typeface="微软雅黑" panose="020B0503020204020204" pitchFamily="34" charset="-122"/>
-                <a:ea typeface="微软雅黑" panose="020B0503020204020204" pitchFamily="34" charset="-122"/>
-              </a:rPr>
-              <a:t>和架构</a:t>
+              <a:t> 的定义和架构</a:t>
             </a:r>
             <a:endParaRPr lang="en-US" altLang="zh-CN" sz="2400" dirty="0" smtClean="0">
               <a:solidFill>
@@ -5724,7 +5669,7 @@
                 <a:latin typeface="微软雅黑" panose="020B0503020204020204" pitchFamily="34" charset="-122"/>
                 <a:ea typeface="微软雅黑" panose="020B0503020204020204" pitchFamily="34" charset="-122"/>
               </a:rPr>
-              <a:t>动手实验</a:t>
+              <a:t>动手搭建</a:t>
             </a:r>
             <a:r>
               <a:rPr lang="en-US" altLang="zh-CN" sz="2400" dirty="0" smtClean="0">
@@ -5735,6 +5680,16 @@
                 <a:ea typeface="微软雅黑" panose="020B0503020204020204" pitchFamily="34" charset="-122"/>
               </a:rPr>
               <a:t>SDN</a:t>
+            </a:r>
+            <a:r>
+              <a:rPr lang="zh-CN" altLang="en-US" sz="2400" dirty="0" smtClean="0">
+                <a:solidFill>
+                  <a:schemeClr val="bg1"/>
+                </a:solidFill>
+                <a:latin typeface="微软雅黑" panose="020B0503020204020204" pitchFamily="34" charset="-122"/>
+                <a:ea typeface="微软雅黑" panose="020B0503020204020204" pitchFamily="34" charset="-122"/>
+              </a:rPr>
+              <a:t>实验环境</a:t>
             </a:r>
             <a:endParaRPr lang="en-US" altLang="zh-CN" sz="2400" dirty="0" smtClean="0">
               <a:solidFill>
@@ -5820,20 +5775,13 @@
               </a:rPr>
               <a:t> ODL</a:t>
             </a:r>
-            <a:endParaRPr lang="en-US" altLang="zh-CN" sz="2400" dirty="0" smtClean="0">
-              <a:solidFill>
-                <a:schemeClr val="bg1"/>
-              </a:solidFill>
-              <a:latin typeface="微软雅黑" panose="020B0503020204020204" pitchFamily="34" charset="-122"/>
-              <a:ea typeface="微软雅黑" panose="020B0503020204020204" pitchFamily="34" charset="-122"/>
-            </a:endParaRPr>
           </a:p>
         </p:txBody>
       </p:sp>
     </p:spTree>
     <p:extLst>
       <p:ext uri="{BB962C8B-B14F-4D97-AF65-F5344CB8AC3E}">
-        <p14:creationId xmlns="" xmlns:p14="http://schemas.microsoft.com/office/powerpoint/2010/main" val="3635060294"/>
+        <p14:creationId xmlns:p14="http://schemas.microsoft.com/office/powerpoint/2010/main" xmlns="" val="3635060294"/>
       </p:ext>
     </p:extLst>
   </p:cSld>
@@ -5841,7 +5789,7 @@
     <a:masterClrMapping/>
   </p:clrMapOvr>
   <mc:AlternateContent xmlns:mc="http://schemas.openxmlformats.org/markup-compatibility/2006">
-    <mc:Choice xmlns="" xmlns:p14="http://schemas.microsoft.com/office/powerpoint/2010/main" Requires="p14">
+    <mc:Choice xmlns:p14="http://schemas.microsoft.com/office/powerpoint/2010/main" xmlns="" Requires="p14">
       <p:transition p14:dur="0"/>
     </mc:Choice>
     <mc:Fallback>
@@ -6034,18 +5982,7 @@
                 <a:ea typeface="Arial Unicode MS" pitchFamily="34" charset="-122"/>
                 <a:cs typeface="Arial Unicode MS" pitchFamily="34" charset="-122"/>
               </a:rPr>
-              <a:t>的</a:t>
-            </a:r>
-            <a:r>
-              <a:rPr lang="zh-CN" altLang="en-US" sz="2667" b="1" dirty="0" smtClean="0">
-                <a:solidFill>
-                  <a:srgbClr val="FC611F"/>
-                </a:solidFill>
-                <a:latin typeface="Arial Unicode MS" pitchFamily="34" charset="-122"/>
-                <a:ea typeface="Arial Unicode MS" pitchFamily="34" charset="-122"/>
-                <a:cs typeface="Arial Unicode MS" pitchFamily="34" charset="-122"/>
-              </a:rPr>
-              <a:t>发展历史</a:t>
+              <a:t>的发展历史</a:t>
             </a:r>
             <a:endParaRPr lang="zh-CN" altLang="en-US" sz="2667" b="1" dirty="0">
               <a:solidFill>
@@ -6160,11 +6097,7 @@
             </a:r>
             <a:r>
               <a:rPr lang="zh-CN" altLang="en-US" sz="1200" dirty="0" smtClean="0"/>
-              <a:t>的核心思想就是控制与转发分离，将软件应用到网络控制中，并起到主导作用，而不是由固定模式的协议控制网络</a:t>
-            </a:r>
-            <a:r>
-              <a:rPr lang="zh-CN" altLang="en-US" sz="1200" dirty="0" smtClean="0"/>
-              <a:t>。</a:t>
+              <a:t>的核心思想就是控制与转发分离，将软件应用到网络控制中，并起到主导作用，而不是由固定模式的协议控制网络。</a:t>
             </a:r>
             <a:endParaRPr lang="en-US" altLang="zh-CN" sz="1200" dirty="0" smtClean="0"/>
           </a:p>
@@ -6175,15 +6108,7 @@
             </a:r>
             <a:r>
               <a:rPr lang="zh-CN" altLang="en-US" sz="1200" dirty="0" smtClean="0"/>
-              <a:t>的</a:t>
-            </a:r>
-            <a:r>
-              <a:rPr lang="zh-CN" altLang="en-US" sz="1200" dirty="0" smtClean="0"/>
-              <a:t>提出在</a:t>
-            </a:r>
-            <a:r>
-              <a:rPr lang="zh-CN" altLang="en-US" sz="1200" dirty="0" smtClean="0"/>
-              <a:t>业界引起了轩然大波，尤其是一直被网络设备商压制的网络用户，将其视为摆脱网络设备商牵制，翻身做主人的机会，于是</a:t>
+              <a:t>的提出在业界引起了轩然大波，尤其是一直被网络设备商压制的网络用户，将其视为摆脱网络设备商牵制，翻身做主人的机会，于是</a:t>
             </a:r>
             <a:r>
               <a:rPr lang="en-US" altLang="zh-CN" sz="1200" dirty="0" smtClean="0"/>
@@ -6199,11 +6124,7 @@
             </a:r>
             <a:r>
               <a:rPr lang="zh-CN" altLang="en-US" sz="1200" dirty="0" smtClean="0"/>
-              <a:t>就此诞生了</a:t>
-            </a:r>
-            <a:r>
-              <a:rPr lang="zh-CN" altLang="en-US" sz="1200" dirty="0" smtClean="0"/>
-              <a:t>。</a:t>
+              <a:t>就此诞生了。</a:t>
             </a:r>
             <a:endParaRPr lang="en-US" altLang="zh-CN" sz="1200" dirty="0" smtClean="0"/>
           </a:p>
@@ -6238,11 +6159,7 @@
             </a:r>
             <a:r>
               <a:rPr lang="zh-CN" altLang="en-US" sz="1200" dirty="0" smtClean="0"/>
-              <a:t>的工作重点是制定唯一的南向接口</a:t>
-            </a:r>
-            <a:r>
-              <a:rPr lang="zh-CN" altLang="en-US" sz="1200" dirty="0" smtClean="0"/>
-              <a:t>标准</a:t>
+              <a:t>的工作重点是制定唯一的南向接口标准</a:t>
             </a:r>
             <a:r>
               <a:rPr lang="en-US" altLang="zh-CN" sz="1200" dirty="0" err="1" smtClean="0"/>
@@ -6259,7 +6176,7 @@
     </p:spTree>
     <p:extLst>
       <p:ext uri="{BB962C8B-B14F-4D97-AF65-F5344CB8AC3E}">
-        <p14:creationId xmlns="" xmlns:p14="http://schemas.microsoft.com/office/powerpoint/2010/main" val="3767679558"/>
+        <p14:creationId xmlns:p14="http://schemas.microsoft.com/office/powerpoint/2010/main" xmlns="" val="3767679558"/>
       </p:ext>
     </p:extLst>
   </p:cSld>
@@ -6267,7 +6184,7 @@
     <a:masterClrMapping/>
   </p:clrMapOvr>
   <mc:AlternateContent xmlns:mc="http://schemas.openxmlformats.org/markup-compatibility/2006">
-    <mc:Choice xmlns="" xmlns:p14="http://schemas.microsoft.com/office/powerpoint/2010/main" Requires="p14">
+    <mc:Choice xmlns:p14="http://schemas.microsoft.com/office/powerpoint/2010/main" xmlns="" Requires="p14">
       <p:transition spd="slow" p14:dur="1200">
         <p14:prism/>
       </p:transition>
@@ -6464,29 +6381,7 @@
                 <a:ea typeface="Arial Unicode MS" pitchFamily="34" charset="-122"/>
                 <a:cs typeface="Arial Unicode MS" pitchFamily="34" charset="-122"/>
               </a:rPr>
-              <a:t>的</a:t>
-            </a:r>
-            <a:r>
-              <a:rPr lang="zh-CN" altLang="en-US" sz="2667" b="1" dirty="0" smtClean="0">
-                <a:solidFill>
-                  <a:srgbClr val="FC611F"/>
-                </a:solidFill>
-                <a:latin typeface="Arial Unicode MS" pitchFamily="34" charset="-122"/>
-                <a:ea typeface="Arial Unicode MS" pitchFamily="34" charset="-122"/>
-                <a:cs typeface="Arial Unicode MS" pitchFamily="34" charset="-122"/>
-              </a:rPr>
-              <a:t>发展</a:t>
-            </a:r>
-            <a:r>
-              <a:rPr lang="zh-CN" altLang="en-US" sz="2667" b="1" dirty="0" smtClean="0">
-                <a:solidFill>
-                  <a:srgbClr val="FC611F"/>
-                </a:solidFill>
-                <a:latin typeface="Arial Unicode MS" pitchFamily="34" charset="-122"/>
-                <a:ea typeface="Arial Unicode MS" pitchFamily="34" charset="-122"/>
-                <a:cs typeface="Arial Unicode MS" pitchFamily="34" charset="-122"/>
-              </a:rPr>
-              <a:t>历史 </a:t>
+              <a:t>的发展历史 </a:t>
             </a:r>
             <a:r>
               <a:rPr lang="en-US" altLang="zh-CN" sz="2667" b="1" dirty="0" smtClean="0">
@@ -6579,7 +6474,7 @@
     </p:spTree>
     <p:extLst>
       <p:ext uri="{BB962C8B-B14F-4D97-AF65-F5344CB8AC3E}">
-        <p14:creationId xmlns="" xmlns:p14="http://schemas.microsoft.com/office/powerpoint/2010/main" val="3767679558"/>
+        <p14:creationId xmlns:p14="http://schemas.microsoft.com/office/powerpoint/2010/main" xmlns="" val="3767679558"/>
       </p:ext>
     </p:extLst>
   </p:cSld>
@@ -6587,7 +6482,7 @@
     <a:masterClrMapping/>
   </p:clrMapOvr>
   <mc:AlternateContent xmlns:mc="http://schemas.openxmlformats.org/markup-compatibility/2006">
-    <mc:Choice xmlns="" xmlns:p14="http://schemas.microsoft.com/office/powerpoint/2010/main" Requires="p14">
+    <mc:Choice xmlns:p14="http://schemas.microsoft.com/office/powerpoint/2010/main" xmlns="" Requires="p14">
       <p:transition spd="slow" p14:dur="1200">
         <p14:prism/>
       </p:transition>
@@ -6821,19 +6716,7 @@
             </a:r>
             <a:r>
               <a:rPr lang="zh-CN" altLang="en-US" sz="1200" dirty="0" smtClean="0"/>
-              <a:t>从用户的角度制定协议，必然可以维护用户的利益，但是其间也出一些问题。</a:t>
-            </a:r>
-            <a:r>
-              <a:rPr lang="zh-CN" altLang="en-US" sz="1200" dirty="0" smtClean="0"/>
-              <a:t>网络</a:t>
-            </a:r>
-            <a:r>
-              <a:rPr lang="zh-CN" altLang="en-US" sz="1200" dirty="0" smtClean="0"/>
-              <a:t>设备的研发十分复杂，是一个系统化工程，需要结合方方面面考虑，需要丰富的实战经验，而这些正是网络用户所缺乏的，因此直接</a:t>
-            </a:r>
-            <a:r>
-              <a:rPr lang="zh-CN" altLang="en-US" sz="1200" dirty="0" smtClean="0"/>
-              <a:t>导致</a:t>
+              <a:t>从用户的角度制定协议，必然可以维护用户的利益，但是其间也出一些问题。网络设备的研发十分复杂，是一个系统化工程，需要结合方方面面考虑，需要丰富的实战经验，而这些正是网络用户所缺乏的，因此直接导致</a:t>
             </a:r>
             <a:r>
               <a:rPr lang="en-US" altLang="zh-CN" sz="1200" dirty="0" err="1" smtClean="0"/>
@@ -6841,15 +6724,7 @@
             </a:r>
             <a:r>
               <a:rPr lang="zh-CN" altLang="en-US" sz="1200" dirty="0" smtClean="0"/>
-              <a:t>协议过于理想化</a:t>
-            </a:r>
-            <a:r>
-              <a:rPr lang="zh-CN" altLang="en-US" sz="1200" dirty="0" smtClean="0"/>
-              <a:t>，无法</a:t>
-            </a:r>
-            <a:r>
-              <a:rPr lang="zh-CN" altLang="en-US" sz="1200" dirty="0" smtClean="0"/>
-              <a:t>实现大规模商用。这种情况下</a:t>
+              <a:t>协议过于理想化，无法实现大规模商用。这种情况下</a:t>
             </a:r>
             <a:r>
               <a:rPr lang="en-US" altLang="zh-CN" sz="1200" dirty="0" smtClean="0"/>
@@ -6905,11 +6780,7 @@
             </a:r>
             <a:r>
               <a:rPr lang="zh-CN" altLang="en-US" sz="1200" dirty="0" smtClean="0"/>
-              <a:t>中争得一席之地，才能为以后的发展留下生机</a:t>
-            </a:r>
-            <a:r>
-              <a:rPr lang="zh-CN" altLang="en-US" sz="1200" dirty="0" smtClean="0"/>
-              <a:t>。</a:t>
+              <a:t>中争得一席之地，才能为以后的发展留下生机。</a:t>
             </a:r>
             <a:endParaRPr lang="zh-CN" altLang="en-US" sz="1200" dirty="0"/>
           </a:p>
@@ -6951,7 +6822,7 @@
     </p:spTree>
     <p:extLst>
       <p:ext uri="{BB962C8B-B14F-4D97-AF65-F5344CB8AC3E}">
-        <p14:creationId xmlns="" xmlns:p14="http://schemas.microsoft.com/office/powerpoint/2010/main" val="3221807754"/>
+        <p14:creationId xmlns:p14="http://schemas.microsoft.com/office/powerpoint/2010/main" xmlns="" val="3221807754"/>
       </p:ext>
     </p:extLst>
   </p:cSld>
@@ -6959,7 +6830,7 @@
     <a:masterClrMapping/>
   </p:clrMapOvr>
   <mc:AlternateContent xmlns:mc="http://schemas.openxmlformats.org/markup-compatibility/2006">
-    <mc:Choice xmlns="" xmlns:p14="http://schemas.microsoft.com/office/powerpoint/2010/main" Requires="p14">
+    <mc:Choice xmlns:p14="http://schemas.microsoft.com/office/powerpoint/2010/main" xmlns="" Requires="p14">
       <p:transition p14:dur="0"/>
     </mc:Choice>
     <mc:Fallback>
@@ -7307,7 +7178,7 @@
     </p:spTree>
     <p:extLst>
       <p:ext uri="{BB962C8B-B14F-4D97-AF65-F5344CB8AC3E}">
-        <p14:creationId xmlns="" xmlns:p14="http://schemas.microsoft.com/office/powerpoint/2010/main" val="3221807754"/>
+        <p14:creationId xmlns:p14="http://schemas.microsoft.com/office/powerpoint/2010/main" xmlns="" val="3221807754"/>
       </p:ext>
     </p:extLst>
   </p:cSld>
@@ -7315,7 +7186,7 @@
     <a:masterClrMapping/>
   </p:clrMapOvr>
   <mc:AlternateContent xmlns:mc="http://schemas.openxmlformats.org/markup-compatibility/2006">
-    <mc:Choice xmlns="" xmlns:p14="http://schemas.microsoft.com/office/powerpoint/2010/main" Requires="p14">
+    <mc:Choice xmlns:p14="http://schemas.microsoft.com/office/powerpoint/2010/main" xmlns="" Requires="p14">
       <p:transition p14:dur="0"/>
     </mc:Choice>
     <mc:Fallback>
@@ -7672,7 +7543,7 @@
     </p:spTree>
     <p:extLst>
       <p:ext uri="{BB962C8B-B14F-4D97-AF65-F5344CB8AC3E}">
-        <p14:creationId xmlns="" xmlns:p14="http://schemas.microsoft.com/office/powerpoint/2010/main" val="3221807754"/>
+        <p14:creationId xmlns:p14="http://schemas.microsoft.com/office/powerpoint/2010/main" xmlns="" val="3221807754"/>
       </p:ext>
     </p:extLst>
   </p:cSld>
@@ -7680,7 +7551,7 @@
     <a:masterClrMapping/>
   </p:clrMapOvr>
   <mc:AlternateContent xmlns:mc="http://schemas.openxmlformats.org/markup-compatibility/2006">
-    <mc:Choice xmlns="" xmlns:p14="http://schemas.microsoft.com/office/powerpoint/2010/main" Requires="p14">
+    <mc:Choice xmlns:p14="http://schemas.microsoft.com/office/powerpoint/2010/main" xmlns="" Requires="p14">
       <p:transition p14:dur="0"/>
     </mc:Choice>
     <mc:Fallback>
@@ -7917,7 +7788,7 @@
     </p:spTree>
     <p:extLst>
       <p:ext uri="{BB962C8B-B14F-4D97-AF65-F5344CB8AC3E}">
-        <p14:creationId xmlns="" xmlns:p14="http://schemas.microsoft.com/office/powerpoint/2010/main" val="3620799539"/>
+        <p14:creationId xmlns:p14="http://schemas.microsoft.com/office/powerpoint/2010/main" xmlns="" val="3620799539"/>
       </p:ext>
     </p:extLst>
   </p:cSld>
@@ -7925,7 +7796,7 @@
     <a:masterClrMapping/>
   </p:clrMapOvr>
   <mc:AlternateContent xmlns:mc="http://schemas.openxmlformats.org/markup-compatibility/2006">
-    <mc:Choice xmlns="" xmlns:p14="http://schemas.microsoft.com/office/powerpoint/2010/main" Requires="p14">
+    <mc:Choice xmlns:p14="http://schemas.microsoft.com/office/powerpoint/2010/main" xmlns="" Requires="p14">
       <p:transition p14:dur="0"/>
     </mc:Choice>
     <mc:Fallback>
@@ -8077,7 +7948,7 @@
         <p:spPr>
           <a:xfrm>
             <a:off x="687690" y="440667"/>
-            <a:ext cx="3336607" cy="523220"/>
+            <a:ext cx="6265566" cy="523220"/>
           </a:xfrm>
           <a:prstGeom prst="rect">
             <a:avLst/>
@@ -8099,7 +7970,19 @@
             </a:r>
             <a:r>
               <a:rPr lang="zh-CN" altLang="en-US" sz="2800" dirty="0" smtClean="0"/>
-              <a:t>网络</a:t>
+              <a:t>实验网络 </a:t>
+            </a:r>
+            <a:r>
+              <a:rPr lang="en-US" altLang="zh-CN" sz="2800" dirty="0" smtClean="0"/>
+              <a:t>–</a:t>
+            </a:r>
+            <a:r>
+              <a:rPr lang="zh-CN" altLang="en-US" sz="2800" dirty="0" smtClean="0"/>
+              <a:t> 基于</a:t>
+            </a:r>
+            <a:r>
+              <a:rPr lang="en-US" altLang="zh-CN" sz="2800" dirty="0" err="1" smtClean="0"/>
+              <a:t>Mininet</a:t>
             </a:r>
             <a:endParaRPr lang="zh-CN" altLang="en-US" sz="2667" b="1" dirty="0">
               <a:solidFill>
@@ -8178,10 +8061,126 @@
           </a:p>
         </p:txBody>
       </p:sp>
+      <p:pic>
+        <p:nvPicPr>
+          <p:cNvPr id="1026" name="Picture 2"/>
+          <p:cNvPicPr>
+            <a:picLocks noChangeAspect="1" noChangeArrowheads="1"/>
+          </p:cNvPicPr>
+          <p:nvPr/>
+        </p:nvPicPr>
+        <p:blipFill>
+          <a:blip r:embed="rId2"/>
+          <a:srcRect/>
+          <a:stretch>
+            <a:fillRect/>
+          </a:stretch>
+        </p:blipFill>
+        <p:spPr bwMode="auto">
+          <a:xfrm>
+            <a:off x="452398" y="1857364"/>
+            <a:ext cx="4214842" cy="4857784"/>
+          </a:xfrm>
+          <a:prstGeom prst="rect">
+            <a:avLst/>
+          </a:prstGeom>
+          <a:noFill/>
+          <a:ln w="9525">
+            <a:noFill/>
+            <a:miter lim="800000"/>
+            <a:headEnd/>
+            <a:tailEnd/>
+          </a:ln>
+          <a:effectLst/>
+        </p:spPr>
+      </p:pic>
+      <p:sp>
+        <p:nvSpPr>
+          <p:cNvPr id="11" name="TextBox 10"/>
+          <p:cNvSpPr txBox="1"/>
+          <p:nvPr/>
+        </p:nvSpPr>
+        <p:spPr>
+          <a:xfrm>
+            <a:off x="5524496" y="1857364"/>
+            <a:ext cx="6357982" cy="1200329"/>
+          </a:xfrm>
+          <a:prstGeom prst="rect">
+            <a:avLst/>
+          </a:prstGeom>
+          <a:noFill/>
+        </p:spPr>
+        <p:txBody>
+          <a:bodyPr wrap="square" rtlCol="0">
+            <a:spAutoFit/>
+          </a:bodyPr>
+          <a:lstStyle/>
+          <a:p>
+            <a:r>
+              <a:rPr lang="zh-CN" altLang="en-US" dirty="0" smtClean="0"/>
+              <a:t>实验环境：</a:t>
+            </a:r>
+            <a:endParaRPr lang="en-US" altLang="zh-CN" dirty="0" smtClean="0"/>
+          </a:p>
+          <a:p>
+            <a:r>
+              <a:rPr lang="en-US" b="1" dirty="0" err="1" smtClean="0"/>
+              <a:t>ubuntu</a:t>
+            </a:r>
+            <a:r>
+              <a:rPr lang="en-US" b="1" dirty="0" smtClean="0"/>
+              <a:t>-releases/1</a:t>
+            </a:r>
+            <a:r>
+              <a:rPr lang="en-US" altLang="zh-CN" b="1" dirty="0" smtClean="0"/>
+              <a:t>6</a:t>
+            </a:r>
+            <a:r>
+              <a:rPr lang="en-US" b="1" dirty="0" smtClean="0"/>
+              <a:t>.04</a:t>
+            </a:r>
+            <a:r>
+              <a:rPr lang="zh-CN" altLang="en-US" b="1" dirty="0" smtClean="0"/>
+              <a:t>  </a:t>
+            </a:r>
+            <a:endParaRPr lang="en-US" altLang="zh-CN" b="1" dirty="0" smtClean="0"/>
+          </a:p>
+          <a:p>
+            <a:r>
+              <a:rPr lang="en-US" altLang="zh-CN" dirty="0" smtClean="0"/>
+              <a:t>(</a:t>
+            </a:r>
+            <a:r>
+              <a:rPr lang="zh-CN" altLang="en-US" dirty="0" smtClean="0"/>
+              <a:t>镜像下载</a:t>
+            </a:r>
+            <a:r>
+              <a:rPr lang="en-US" altLang="zh-CN" dirty="0" smtClean="0"/>
+              <a:t>http</a:t>
+            </a:r>
+            <a:r>
+              <a:rPr lang="en-US" altLang="zh-CN" smtClean="0"/>
+              <a:t>://</a:t>
+            </a:r>
+            <a:r>
+              <a:rPr lang="en-US" altLang="zh-CN" smtClean="0"/>
+              <a:t>mirrors.zju.edu.cn/ubuntu-releases/16.04</a:t>
+            </a:r>
+            <a:r>
+              <a:rPr lang="en-US" altLang="zh-CN" dirty="0" smtClean="0"/>
+              <a:t>/)</a:t>
+            </a:r>
+            <a:endParaRPr lang="en-US" dirty="0" smtClean="0"/>
+          </a:p>
+          <a:p>
+            <a:endParaRPr lang="zh-CN" altLang="en-US" dirty="0"/>
+          </a:p>
+        </p:txBody>
+      </p:sp>
     </p:spTree>
     <p:extLst>
       <p:ext uri="{BB962C8B-B14F-4D97-AF65-F5344CB8AC3E}">
-        <p14:creationId xmlns="" xmlns:p14="http://schemas.microsoft.com/office/powerpoint/2010/main" val="3620799539"/>
+        <p14:creationId xmlns:p14="http://schemas.microsoft.com/office/powerpoint/2010/main" xmlns="" val="3620799539"/>
       </p:ext>
     </p:extLst>
   </p:cSld>
@@ -8189,7 +8188,7 @@
     <a:masterClrMapping/>
   </p:clrMapOvr>
   <mc:AlternateContent xmlns:mc="http://schemas.openxmlformats.org/markup-compatibility/2006">
-    <mc:Choice xmlns="" xmlns:p14="http://schemas.microsoft.com/office/powerpoint/2010/main" Requires="p14">
+    <mc:Choice xmlns:p14="http://schemas.microsoft.com/office/powerpoint/2010/main" xmlns="" Requires="p14">
       <p:transition p14:dur="0"/>
     </mc:Choice>
     <mc:Fallback>
@@ -8778,7 +8777,7 @@
   <a:extraClrSchemeLst/>
   <a:extLst>
     <a:ext uri="{05A4C25C-085E-4340-85A3-A5531E510DB2}">
-      <thm15:themeFamily xmlns="" xmlns:thm15="http://schemas.microsoft.com/office/thememl/2012/main" name="Office Theme" id="{62F939B6-93AF-4DB8-9C6B-D6C7DFDC589F}" vid="{4A3C46E8-61CC-4603-A589-7422A47A8E4A}"/>
+      <thm15:themeFamily xmlns:thm15="http://schemas.microsoft.com/office/thememl/2012/main" xmlns="" name="Office Theme" id="{62F939B6-93AF-4DB8-9C6B-D6C7DFDC589F}" vid="{4A3C46E8-61CC-4603-A589-7422A47A8E4A}"/>
     </a:ext>
   </a:extLst>
 </a:theme>

--- a/SDN/SDN入门之旅.pptx
+++ b/SDN/SDN入门之旅.pptx
@@ -356,7 +356,7 @@
             <a:fld id="{DA0D49B4-D9C2-456E-8C06-A1E83D0C7B6A}" type="datetimeFigureOut">
               <a:rPr lang="zh-CN" altLang="en-US" smtClean="0"/>
               <a:pPr/>
-              <a:t>2018/7/4</a:t>
+              <a:t>2018/7/5</a:t>
             </a:fld>
             <a:endParaRPr lang="zh-CN" altLang="en-US"/>
           </a:p>
@@ -804,7 +804,7 @@
             <a:fld id="{530820CF-B880-4189-942D-D702A7CBA730}" type="datetimeFigureOut">
               <a:rPr lang="zh-CN" altLang="en-US" smtClean="0"/>
               <a:pPr/>
-              <a:t>2018/7/4</a:t>
+              <a:t>2018/7/5</a:t>
             </a:fld>
             <a:endParaRPr lang="zh-CN" altLang="en-US"/>
           </a:p>
@@ -981,7 +981,7 @@
             <a:fld id="{530820CF-B880-4189-942D-D702A7CBA730}" type="datetimeFigureOut">
               <a:rPr lang="zh-CN" altLang="en-US" smtClean="0"/>
               <a:pPr/>
-              <a:t>2018/7/4</a:t>
+              <a:t>2018/7/5</a:t>
             </a:fld>
             <a:endParaRPr lang="zh-CN" altLang="en-US"/>
           </a:p>
@@ -1168,7 +1168,7 @@
             <a:fld id="{530820CF-B880-4189-942D-D702A7CBA730}" type="datetimeFigureOut">
               <a:rPr lang="zh-CN" altLang="en-US" smtClean="0"/>
               <a:pPr/>
-              <a:t>2018/7/4</a:t>
+              <a:t>2018/7/5</a:t>
             </a:fld>
             <a:endParaRPr lang="zh-CN" altLang="en-US"/>
           </a:p>
@@ -1272,7 +1272,7 @@
             <a:fld id="{68BCBD30-92A3-41D3-B856-2D8D66AD7106}" type="datetime1">
               <a:rPr lang="zh-CN" altLang="en-US" smtClean="0"/>
               <a:pPr/>
-              <a:t>2018/7/4</a:t>
+              <a:t>2018/7/5</a:t>
             </a:fld>
             <a:endParaRPr lang="zh-CN" altLang="en-US"/>
           </a:p>
@@ -1381,7 +1381,7 @@
             <a:fld id="{7A3E1FB8-671C-42D5-8780-4A37A3F9ABBB}" type="datetime1">
               <a:rPr lang="zh-CN" altLang="en-US" smtClean="0"/>
               <a:pPr/>
-              <a:t>2018/7/4</a:t>
+              <a:t>2018/7/5</a:t>
             </a:fld>
             <a:endParaRPr lang="zh-CN" altLang="en-US"/>
           </a:p>
@@ -1821,7 +1821,7 @@
             <a:fld id="{530820CF-B880-4189-942D-D702A7CBA730}" type="datetimeFigureOut">
               <a:rPr lang="zh-CN" altLang="en-US" smtClean="0"/>
               <a:pPr/>
-              <a:t>2018/7/4</a:t>
+              <a:t>2018/7/5</a:t>
             </a:fld>
             <a:endParaRPr lang="zh-CN" altLang="en-US"/>
           </a:p>
@@ -2075,7 +2075,7 @@
             <a:fld id="{530820CF-B880-4189-942D-D702A7CBA730}" type="datetimeFigureOut">
               <a:rPr lang="zh-CN" altLang="en-US" smtClean="0"/>
               <a:pPr/>
-              <a:t>2018/7/4</a:t>
+              <a:t>2018/7/5</a:t>
             </a:fld>
             <a:endParaRPr lang="zh-CN" altLang="en-US"/>
           </a:p>
@@ -2369,7 +2369,7 @@
             <a:fld id="{530820CF-B880-4189-942D-D702A7CBA730}" type="datetimeFigureOut">
               <a:rPr lang="zh-CN" altLang="en-US" smtClean="0"/>
               <a:pPr/>
-              <a:t>2018/7/4</a:t>
+              <a:t>2018/7/5</a:t>
             </a:fld>
             <a:endParaRPr lang="zh-CN" altLang="en-US"/>
           </a:p>
@@ -2797,7 +2797,7 @@
             <a:fld id="{530820CF-B880-4189-942D-D702A7CBA730}" type="datetimeFigureOut">
               <a:rPr lang="zh-CN" altLang="en-US" smtClean="0"/>
               <a:pPr/>
-              <a:t>2018/7/4</a:t>
+              <a:t>2018/7/5</a:t>
             </a:fld>
             <a:endParaRPr lang="zh-CN" altLang="en-US"/>
           </a:p>
@@ -2923,7 +2923,7 @@
             <a:fld id="{530820CF-B880-4189-942D-D702A7CBA730}" type="datetimeFigureOut">
               <a:rPr lang="zh-CN" altLang="en-US" smtClean="0"/>
               <a:pPr/>
-              <a:t>2018/7/4</a:t>
+              <a:t>2018/7/5</a:t>
             </a:fld>
             <a:endParaRPr lang="zh-CN" altLang="en-US"/>
           </a:p>
@@ -3027,7 +3027,7 @@
             <a:fld id="{530820CF-B880-4189-942D-D702A7CBA730}" type="datetimeFigureOut">
               <a:rPr lang="zh-CN" altLang="en-US" smtClean="0"/>
               <a:pPr/>
-              <a:t>2018/7/4</a:t>
+              <a:t>2018/7/5</a:t>
             </a:fld>
             <a:endParaRPr lang="zh-CN" altLang="en-US"/>
           </a:p>
@@ -3311,7 +3311,7 @@
             <a:fld id="{530820CF-B880-4189-942D-D702A7CBA730}" type="datetimeFigureOut">
               <a:rPr lang="zh-CN" altLang="en-US" smtClean="0"/>
               <a:pPr/>
-              <a:t>2018/7/4</a:t>
+              <a:t>2018/7/5</a:t>
             </a:fld>
             <a:endParaRPr lang="zh-CN" altLang="en-US"/>
           </a:p>
@@ -3572,7 +3572,7 @@
             <a:fld id="{530820CF-B880-4189-942D-D702A7CBA730}" type="datetimeFigureOut">
               <a:rPr lang="zh-CN" altLang="en-US" smtClean="0"/>
               <a:pPr/>
-              <a:t>2018/7/4</a:t>
+              <a:t>2018/7/5</a:t>
             </a:fld>
             <a:endParaRPr lang="zh-CN" altLang="en-US"/>
           </a:p>
@@ -3796,7 +3796,7 @@
             <a:fld id="{530820CF-B880-4189-942D-D702A7CBA730}" type="datetimeFigureOut">
               <a:rPr lang="zh-CN" altLang="en-US" smtClean="0"/>
               <a:pPr/>
-              <a:t>2018/7/4</a:t>
+              <a:t>2018/7/5</a:t>
             </a:fld>
             <a:endParaRPr lang="zh-CN" altLang="en-US" dirty="0"/>
           </a:p>
@@ -7978,7 +7978,7 @@
             </a:r>
             <a:r>
               <a:rPr lang="zh-CN" altLang="en-US" sz="2800" dirty="0" smtClean="0"/>
-              <a:t> 基于</a:t>
+              <a:t> </a:t>
             </a:r>
             <a:r>
               <a:rPr lang="en-US" altLang="zh-CN" sz="2800" dirty="0" err="1" smtClean="0"/>
@@ -8040,8 +8040,8 @@
         </p:nvSpPr>
         <p:spPr>
           <a:xfrm>
-            <a:off x="380960" y="1357298"/>
-            <a:ext cx="4061881" cy="369332"/>
+            <a:off x="380960" y="1071546"/>
+            <a:ext cx="6612259" cy="830997"/>
           </a:xfrm>
           <a:prstGeom prst="rect">
             <a:avLst/>
@@ -8054,23 +8054,152 @@
           <a:lstStyle/>
           <a:p>
             <a:r>
+              <a:rPr lang="en-US" sz="1200" dirty="0" err="1" smtClean="0"/>
+              <a:t>Mininet</a:t>
+            </a:r>
+            <a:r>
+              <a:rPr lang="en-US" sz="1200" dirty="0" smtClean="0"/>
+              <a:t> is a </a:t>
+            </a:r>
+            <a:r>
+              <a:rPr lang="en-US" sz="1200" i="1" dirty="0" smtClean="0"/>
+              <a:t>network emulator</a:t>
+            </a:r>
+            <a:r>
+              <a:rPr lang="en-US" sz="1200" dirty="0" smtClean="0"/>
+              <a:t> which creates a network of virtual hosts, switches, controllers, and links.</a:t>
+            </a:r>
+          </a:p>
+          <a:p>
+            <a:r>
+              <a:rPr lang="en-US" altLang="zh-CN" dirty="0" smtClean="0">
+                <a:hlinkClick r:id="rId2"/>
+              </a:rPr>
+              <a:t>https://github.com/mininet/mininet/wiki</a:t>
+            </a:r>
+            <a:endParaRPr lang="en-US" altLang="zh-CN" dirty="0" smtClean="0"/>
+          </a:p>
+          <a:p>
+            <a:endParaRPr lang="zh-CN" altLang="en-US" dirty="0"/>
+          </a:p>
+        </p:txBody>
+      </p:sp>
+      <p:sp>
+        <p:nvSpPr>
+          <p:cNvPr id="11" name="TextBox 10"/>
+          <p:cNvSpPr txBox="1"/>
+          <p:nvPr/>
+        </p:nvSpPr>
+        <p:spPr>
+          <a:xfrm>
+            <a:off x="452398" y="2000240"/>
+            <a:ext cx="6357982" cy="1292662"/>
+          </a:xfrm>
+          <a:prstGeom prst="rect">
+            <a:avLst/>
+          </a:prstGeom>
+          <a:noFill/>
+        </p:spPr>
+        <p:txBody>
+          <a:bodyPr wrap="square" rtlCol="0">
+            <a:spAutoFit/>
+          </a:bodyPr>
+          <a:lstStyle/>
+          <a:p>
+            <a:r>
+              <a:rPr lang="zh-CN" altLang="en-US" dirty="0" smtClean="0"/>
+              <a:t>实验环境</a:t>
+            </a:r>
+            <a:r>
               <a:rPr lang="en-US" altLang="zh-CN" dirty="0" smtClean="0"/>
-              <a:t>https://github.com/mininet/mininet/wiki</a:t>
-            </a:r>
+              <a:t>( </a:t>
+            </a:r>
+            <a:r>
+              <a:rPr lang="zh-CN" altLang="en-US" dirty="0" smtClean="0"/>
+              <a:t>使用源码安装</a:t>
+            </a:r>
+            <a:r>
+              <a:rPr lang="en-US" altLang="zh-CN" dirty="0" smtClean="0"/>
+              <a:t>)</a:t>
+            </a:r>
+            <a:r>
+              <a:rPr lang="zh-CN" altLang="en-US" dirty="0" smtClean="0"/>
+              <a:t>：</a:t>
+            </a:r>
+            <a:endParaRPr lang="en-US" altLang="zh-CN" dirty="0" smtClean="0"/>
+          </a:p>
+          <a:p>
+            <a:r>
+              <a:rPr lang="en-US" altLang="zh-CN" sz="1400" dirty="0" smtClean="0"/>
+              <a:t>1.</a:t>
+            </a:r>
+            <a:r>
+              <a:rPr lang="zh-CN" altLang="en-US" sz="1400" dirty="0" smtClean="0"/>
+              <a:t> 虚拟机上安装</a:t>
+            </a:r>
+            <a:r>
+              <a:rPr lang="en-US" altLang="zh-CN" sz="1400" dirty="0" err="1" smtClean="0"/>
+              <a:t>ubuntu</a:t>
+            </a:r>
+            <a:r>
+              <a:rPr lang="en-US" altLang="zh-CN" sz="1400" dirty="0" smtClean="0"/>
+              <a:t>(</a:t>
+            </a:r>
+            <a:r>
+              <a:rPr lang="zh-CN" altLang="en-US" sz="1400" dirty="0" smtClean="0"/>
+              <a:t>官方推荐</a:t>
+            </a:r>
+            <a:r>
+              <a:rPr lang="en-US" altLang="zh-CN" sz="1400" dirty="0" smtClean="0"/>
+              <a:t>)</a:t>
+            </a:r>
+          </a:p>
+          <a:p>
+            <a:r>
+              <a:rPr lang="en-US" altLang="zh-CN" sz="1400" dirty="0" smtClean="0"/>
+              <a:t>(</a:t>
+            </a:r>
+            <a:r>
+              <a:rPr lang="zh-CN" altLang="en-US" sz="1400" dirty="0" smtClean="0"/>
+              <a:t>镜像下载</a:t>
+            </a:r>
+            <a:r>
+              <a:rPr lang="en-US" altLang="zh-CN" sz="1400" dirty="0" smtClean="0">
+                <a:hlinkClick r:id="rId3"/>
+              </a:rPr>
+              <a:t>http://mirrors.zju.edu.cn/ubuntu-releases/14.04/</a:t>
+            </a:r>
+            <a:r>
+              <a:rPr lang="en-US" altLang="zh-CN" sz="1400" dirty="0" smtClean="0"/>
+              <a:t>)</a:t>
+            </a:r>
+          </a:p>
+          <a:p>
+            <a:r>
+              <a:rPr lang="en-US" altLang="zh-CN" sz="1400" dirty="0" smtClean="0"/>
+              <a:t>2. </a:t>
+            </a:r>
+            <a:r>
+              <a:rPr lang="zh-CN" altLang="en-US" sz="1400" dirty="0" smtClean="0"/>
+              <a:t>通过源码进行安装</a:t>
+            </a:r>
+            <a:endParaRPr lang="en-US" sz="1400" dirty="0" smtClean="0"/>
+          </a:p>
+          <a:p>
             <a:endParaRPr lang="zh-CN" altLang="en-US" dirty="0"/>
           </a:p>
         </p:txBody>
       </p:sp>
       <p:pic>
         <p:nvPicPr>
-          <p:cNvPr id="1026" name="Picture 2"/>
+          <p:cNvPr id="2" name="Picture 2"/>
           <p:cNvPicPr>
             <a:picLocks noChangeAspect="1" noChangeArrowheads="1"/>
           </p:cNvPicPr>
           <p:nvPr/>
         </p:nvPicPr>
         <p:blipFill>
-          <a:blip r:embed="rId2"/>
+          <a:blip r:embed="rId4"/>
           <a:srcRect/>
           <a:stretch>
             <a:fillRect/>
@@ -8078,8 +8207,8 @@
         </p:blipFill>
         <p:spPr bwMode="auto">
           <a:xfrm>
-            <a:off x="452398" y="1857364"/>
-            <a:ext cx="4214842" cy="4857784"/>
+            <a:off x="452398" y="5572140"/>
+            <a:ext cx="3954428" cy="1047747"/>
           </a:xfrm>
           <a:prstGeom prst="rect">
             <a:avLst/>
@@ -8094,89 +8223,72 @@
           <a:effectLst/>
         </p:spPr>
       </p:pic>
-      <p:sp>
-        <p:nvSpPr>
-          <p:cNvPr id="11" name="TextBox 10"/>
-          <p:cNvSpPr txBox="1"/>
+      <p:pic>
+        <p:nvPicPr>
+          <p:cNvPr id="4" name="Picture 2"/>
+          <p:cNvPicPr>
+            <a:picLocks noChangeAspect="1" noChangeArrowheads="1"/>
+          </p:cNvPicPr>
           <p:nvPr/>
-        </p:nvSpPr>
-        <p:spPr>
+        </p:nvPicPr>
+        <p:blipFill>
+          <a:blip r:embed="rId5"/>
+          <a:srcRect/>
+          <a:stretch>
+            <a:fillRect/>
+          </a:stretch>
+        </p:blipFill>
+        <p:spPr bwMode="auto">
           <a:xfrm>
-            <a:off x="5524496" y="1857364"/>
-            <a:ext cx="6357982" cy="1200329"/>
+            <a:off x="523836" y="3000372"/>
+            <a:ext cx="6572250" cy="209550"/>
           </a:xfrm>
           <a:prstGeom prst="rect">
             <a:avLst/>
           </a:prstGeom>
           <a:noFill/>
+          <a:ln w="9525">
+            <a:noFill/>
+            <a:miter lim="800000"/>
+            <a:headEnd/>
+            <a:tailEnd/>
+          </a:ln>
+          <a:effectLst/>
         </p:spPr>
-        <p:txBody>
-          <a:bodyPr wrap="square" rtlCol="0">
-            <a:spAutoFit/>
-          </a:bodyPr>
-          <a:lstStyle/>
-          <a:p>
-            <a:r>
-              <a:rPr lang="zh-CN" altLang="en-US" dirty="0" smtClean="0"/>
-              <a:t>实验环境：</a:t>
-            </a:r>
-            <a:endParaRPr lang="en-US" altLang="zh-CN" dirty="0" smtClean="0"/>
-          </a:p>
-          <a:p>
-            <a:r>
-              <a:rPr lang="en-US" b="1" dirty="0" err="1" smtClean="0"/>
-              <a:t>ubuntu</a:t>
-            </a:r>
-            <a:r>
-              <a:rPr lang="en-US" b="1" dirty="0" smtClean="0"/>
-              <a:t>-releases/1</a:t>
-            </a:r>
-            <a:r>
-              <a:rPr lang="en-US" altLang="zh-CN" b="1" dirty="0" smtClean="0"/>
-              <a:t>6</a:t>
-            </a:r>
-            <a:r>
-              <a:rPr lang="en-US" b="1" dirty="0" smtClean="0"/>
-              <a:t>.04</a:t>
-            </a:r>
-            <a:r>
-              <a:rPr lang="zh-CN" altLang="en-US" b="1" dirty="0" smtClean="0"/>
-              <a:t>  </a:t>
-            </a:r>
-            <a:endParaRPr lang="en-US" altLang="zh-CN" b="1" dirty="0" smtClean="0"/>
-          </a:p>
-          <a:p>
-            <a:r>
-              <a:rPr lang="en-US" altLang="zh-CN" dirty="0" smtClean="0"/>
-              <a:t>(</a:t>
-            </a:r>
-            <a:r>
-              <a:rPr lang="zh-CN" altLang="en-US" dirty="0" smtClean="0"/>
-              <a:t>镜像下载</a:t>
-            </a:r>
-            <a:r>
-              <a:rPr lang="en-US" altLang="zh-CN" dirty="0" smtClean="0"/>
-              <a:t>http</a:t>
-            </a:r>
-            <a:r>
-              <a:rPr lang="en-US" altLang="zh-CN" smtClean="0"/>
-              <a:t>://</a:t>
-            </a:r>
-            <a:r>
-              <a:rPr lang="en-US" altLang="zh-CN" smtClean="0"/>
-              <a:t>mirrors.zju.edu.cn/ubuntu-releases/16.04</a:t>
-            </a:r>
-            <a:r>
-              <a:rPr lang="en-US" altLang="zh-CN" dirty="0" smtClean="0"/>
-              <a:t>/)</a:t>
-            </a:r>
-            <a:endParaRPr lang="en-US" dirty="0" smtClean="0"/>
-          </a:p>
-          <a:p>
-            <a:endParaRPr lang="zh-CN" altLang="en-US" dirty="0"/>
-          </a:p>
-        </p:txBody>
-      </p:sp>
+      </p:pic>
+      <p:pic>
+        <p:nvPicPr>
+          <p:cNvPr id="5" name="Picture 3"/>
+          <p:cNvPicPr>
+            <a:picLocks noChangeAspect="1" noChangeArrowheads="1"/>
+          </p:cNvPicPr>
+          <p:nvPr/>
+        </p:nvPicPr>
+        <p:blipFill>
+          <a:blip r:embed="rId6"/>
+          <a:srcRect/>
+          <a:stretch>
+            <a:fillRect/>
+          </a:stretch>
+        </p:blipFill>
+        <p:spPr bwMode="auto">
+          <a:xfrm>
+            <a:off x="523837" y="3214686"/>
+            <a:ext cx="6572296" cy="1785950"/>
+          </a:xfrm>
+          <a:prstGeom prst="rect">
+            <a:avLst/>
+          </a:prstGeom>
+          <a:noFill/>
+          <a:ln w="9525">
+            <a:noFill/>
+            <a:miter lim="800000"/>
+            <a:headEnd/>
+            <a:tailEnd/>
+          </a:ln>
+          <a:effectLst/>
+        </p:spPr>
+      </p:pic>
     </p:spTree>
     <p:extLst>
       <p:ext uri="{BB962C8B-B14F-4D97-AF65-F5344CB8AC3E}">

--- a/SDN/SDN入门之旅.pptx
+++ b/SDN/SDN入门之旅.pptx
@@ -12,11 +12,11 @@
     <p:sldId id="258" r:id="rId3"/>
     <p:sldId id="330" r:id="rId4"/>
     <p:sldId id="346" r:id="rId5"/>
-    <p:sldId id="345" r:id="rId6"/>
-    <p:sldId id="342" r:id="rId7"/>
-    <p:sldId id="343" r:id="rId8"/>
-    <p:sldId id="268" r:id="rId9"/>
-    <p:sldId id="347" r:id="rId10"/>
+    <p:sldId id="342" r:id="rId6"/>
+    <p:sldId id="343" r:id="rId7"/>
+    <p:sldId id="268" r:id="rId8"/>
+    <p:sldId id="347" r:id="rId9"/>
+    <p:sldId id="345" r:id="rId10"/>
     <p:sldId id="341" r:id="rId11"/>
   </p:sldIdLst>
   <p:sldSz cx="12192000" cy="6858000"/>
@@ -118,7 +118,7 @@
   </p:defaultTextStyle>
   <p:extLst>
     <p:ext uri="{521415D9-36F7-43E2-AB2F-B90AF26B5E84}">
-      <p14:sectionLst xmlns:p14="http://schemas.microsoft.com/office/powerpoint/2010/main" xmlns="">
+      <p14:sectionLst xmlns="" xmlns:p14="http://schemas.microsoft.com/office/powerpoint/2010/main">
         <p14:section name="封面" id="{972EC65A-60A7-44FD-BCE6-5D48DACA9F5C}">
           <p14:sldIdLst>
             <p14:sldId id="292"/>
@@ -256,7 +256,7 @@
       </p14:sectionLst>
     </p:ext>
     <p:ext uri="{EFAFB233-063F-42B5-8137-9DF3F51BA10A}">
-      <p15:sldGuideLst xmlns:p15="http://schemas.microsoft.com/office/powerpoint/2012/main" xmlns="">
+      <p15:sldGuideLst xmlns="" xmlns:p15="http://schemas.microsoft.com/office/powerpoint/2012/main">
         <p15:guide id="1" orient="horz" pos="3748" userDrawn="1">
           <p15:clr>
             <a:srgbClr val="A4A3A4"/>
@@ -356,7 +356,7 @@
             <a:fld id="{DA0D49B4-D9C2-456E-8C06-A1E83D0C7B6A}" type="datetimeFigureOut">
               <a:rPr lang="zh-CN" altLang="en-US" smtClean="0"/>
               <a:pPr/>
-              <a:t>2018/7/5</a:t>
+              <a:t>2018/7/6</a:t>
             </a:fld>
             <a:endParaRPr lang="zh-CN" altLang="en-US"/>
           </a:p>
@@ -524,7 +524,7 @@
     </p:spTree>
     <p:extLst>
       <p:ext uri="{BB962C8B-B14F-4D97-AF65-F5344CB8AC3E}">
-        <p14:creationId xmlns:p14="http://schemas.microsoft.com/office/powerpoint/2010/main" xmlns="" val="3407794156"/>
+        <p14:creationId xmlns="" xmlns:p14="http://schemas.microsoft.com/office/powerpoint/2010/main" val="3407794156"/>
       </p:ext>
     </p:extLst>
   </p:cSld>
@@ -804,7 +804,7 @@
             <a:fld id="{530820CF-B880-4189-942D-D702A7CBA730}" type="datetimeFigureOut">
               <a:rPr lang="zh-CN" altLang="en-US" smtClean="0"/>
               <a:pPr/>
-              <a:t>2018/7/5</a:t>
+              <a:t>2018/7/6</a:t>
             </a:fld>
             <a:endParaRPr lang="zh-CN" altLang="en-US"/>
           </a:p>
@@ -859,7 +859,7 @@
     <a:masterClrMapping/>
   </p:clrMapOvr>
   <mc:AlternateContent xmlns:mc="http://schemas.openxmlformats.org/markup-compatibility/2006">
-    <mc:Choice xmlns:p14="http://schemas.microsoft.com/office/powerpoint/2010/main" xmlns="" Requires="p14">
+    <mc:Choice xmlns="" xmlns:p14="http://schemas.microsoft.com/office/powerpoint/2010/main" Requires="p14">
       <p:transition spd="slow" p14:dur="1500">
         <p:random/>
       </p:transition>
@@ -981,7 +981,7 @@
             <a:fld id="{530820CF-B880-4189-942D-D702A7CBA730}" type="datetimeFigureOut">
               <a:rPr lang="zh-CN" altLang="en-US" smtClean="0"/>
               <a:pPr/>
-              <a:t>2018/7/5</a:t>
+              <a:t>2018/7/6</a:t>
             </a:fld>
             <a:endParaRPr lang="zh-CN" altLang="en-US"/>
           </a:p>
@@ -1036,7 +1036,7 @@
     <a:masterClrMapping/>
   </p:clrMapOvr>
   <mc:AlternateContent xmlns:mc="http://schemas.openxmlformats.org/markup-compatibility/2006">
-    <mc:Choice xmlns:p14="http://schemas.microsoft.com/office/powerpoint/2010/main" xmlns="" Requires="p14">
+    <mc:Choice xmlns="" xmlns:p14="http://schemas.microsoft.com/office/powerpoint/2010/main" Requires="p14">
       <p:transition spd="slow" p14:dur="1500">
         <p:random/>
       </p:transition>
@@ -1168,7 +1168,7 @@
             <a:fld id="{530820CF-B880-4189-942D-D702A7CBA730}" type="datetimeFigureOut">
               <a:rPr lang="zh-CN" altLang="en-US" smtClean="0"/>
               <a:pPr/>
-              <a:t>2018/7/5</a:t>
+              <a:t>2018/7/6</a:t>
             </a:fld>
             <a:endParaRPr lang="zh-CN" altLang="en-US"/>
           </a:p>
@@ -1223,7 +1223,7 @@
     <a:masterClrMapping/>
   </p:clrMapOvr>
   <mc:AlternateContent xmlns:mc="http://schemas.openxmlformats.org/markup-compatibility/2006">
-    <mc:Choice xmlns:p14="http://schemas.microsoft.com/office/powerpoint/2010/main" xmlns="" Requires="p14">
+    <mc:Choice xmlns="" xmlns:p14="http://schemas.microsoft.com/office/powerpoint/2010/main" Requires="p14">
       <p:transition spd="slow" p14:dur="1500">
         <p:random/>
       </p:transition>
@@ -1272,7 +1272,7 @@
             <a:fld id="{68BCBD30-92A3-41D3-B856-2D8D66AD7106}" type="datetime1">
               <a:rPr lang="zh-CN" altLang="en-US" smtClean="0"/>
               <a:pPr/>
-              <a:t>2018/7/5</a:t>
+              <a:t>2018/7/6</a:t>
             </a:fld>
             <a:endParaRPr lang="zh-CN" altLang="en-US"/>
           </a:p>
@@ -1324,7 +1324,7 @@
     </p:spTree>
     <p:extLst>
       <p:ext uri="{BB962C8B-B14F-4D97-AF65-F5344CB8AC3E}">
-        <p14:creationId xmlns:p14="http://schemas.microsoft.com/office/powerpoint/2010/main" xmlns="" val="2039279208"/>
+        <p14:creationId xmlns="" xmlns:p14="http://schemas.microsoft.com/office/powerpoint/2010/main" val="2039279208"/>
       </p:ext>
     </p:extLst>
   </p:cSld>
@@ -1332,7 +1332,7 @@
     <a:masterClrMapping/>
   </p:clrMapOvr>
   <mc:AlternateContent xmlns:mc="http://schemas.openxmlformats.org/markup-compatibility/2006">
-    <mc:Choice xmlns:p14="http://schemas.microsoft.com/office/powerpoint/2010/main" xmlns="" Requires="p14">
+    <mc:Choice xmlns="" xmlns:p14="http://schemas.microsoft.com/office/powerpoint/2010/main" Requires="p14">
       <p:transition spd="slow" p14:dur="1500">
         <p:random/>
       </p:transition>
@@ -1381,7 +1381,7 @@
             <a:fld id="{7A3E1FB8-671C-42D5-8780-4A37A3F9ABBB}" type="datetime1">
               <a:rPr lang="zh-CN" altLang="en-US" smtClean="0"/>
               <a:pPr/>
-              <a:t>2018/7/5</a:t>
+              <a:t>2018/7/6</a:t>
             </a:fld>
             <a:endParaRPr lang="zh-CN" altLang="en-US"/>
           </a:p>
@@ -1691,7 +1691,7 @@
     </p:spTree>
     <p:extLst>
       <p:ext uri="{BB962C8B-B14F-4D97-AF65-F5344CB8AC3E}">
-        <p14:creationId xmlns:p14="http://schemas.microsoft.com/office/powerpoint/2010/main" xmlns="" val="1612432978"/>
+        <p14:creationId xmlns="" xmlns:p14="http://schemas.microsoft.com/office/powerpoint/2010/main" val="1612432978"/>
       </p:ext>
     </p:extLst>
   </p:cSld>
@@ -1699,7 +1699,7 @@
     <a:masterClrMapping/>
   </p:clrMapOvr>
   <mc:AlternateContent xmlns:mc="http://schemas.openxmlformats.org/markup-compatibility/2006">
-    <mc:Choice xmlns:p14="http://schemas.microsoft.com/office/powerpoint/2010/main" xmlns="" Requires="p14">
+    <mc:Choice xmlns="" xmlns:p14="http://schemas.microsoft.com/office/powerpoint/2010/main" Requires="p14">
       <p:transition spd="slow" p14:dur="1500">
         <p:random/>
       </p:transition>
@@ -1821,7 +1821,7 @@
             <a:fld id="{530820CF-B880-4189-942D-D702A7CBA730}" type="datetimeFigureOut">
               <a:rPr lang="zh-CN" altLang="en-US" smtClean="0"/>
               <a:pPr/>
-              <a:t>2018/7/5</a:t>
+              <a:t>2018/7/6</a:t>
             </a:fld>
             <a:endParaRPr lang="zh-CN" altLang="en-US"/>
           </a:p>
@@ -1876,7 +1876,7 @@
     <a:masterClrMapping/>
   </p:clrMapOvr>
   <mc:AlternateContent xmlns:mc="http://schemas.openxmlformats.org/markup-compatibility/2006">
-    <mc:Choice xmlns:p14="http://schemas.microsoft.com/office/powerpoint/2010/main" xmlns="" Requires="p14">
+    <mc:Choice xmlns="" xmlns:p14="http://schemas.microsoft.com/office/powerpoint/2010/main" Requires="p14">
       <p:transition spd="slow" p14:dur="1500">
         <p:random/>
       </p:transition>
@@ -2075,7 +2075,7 @@
             <a:fld id="{530820CF-B880-4189-942D-D702A7CBA730}" type="datetimeFigureOut">
               <a:rPr lang="zh-CN" altLang="en-US" smtClean="0"/>
               <a:pPr/>
-              <a:t>2018/7/5</a:t>
+              <a:t>2018/7/6</a:t>
             </a:fld>
             <a:endParaRPr lang="zh-CN" altLang="en-US"/>
           </a:p>
@@ -2130,7 +2130,7 @@
     <a:masterClrMapping/>
   </p:clrMapOvr>
   <mc:AlternateContent xmlns:mc="http://schemas.openxmlformats.org/markup-compatibility/2006">
-    <mc:Choice xmlns:p14="http://schemas.microsoft.com/office/powerpoint/2010/main" xmlns="" Requires="p14">
+    <mc:Choice xmlns="" xmlns:p14="http://schemas.microsoft.com/office/powerpoint/2010/main" Requires="p14">
       <p:transition spd="slow" p14:dur="1500">
         <p:random/>
       </p:transition>
@@ -2369,7 +2369,7 @@
             <a:fld id="{530820CF-B880-4189-942D-D702A7CBA730}" type="datetimeFigureOut">
               <a:rPr lang="zh-CN" altLang="en-US" smtClean="0"/>
               <a:pPr/>
-              <a:t>2018/7/5</a:t>
+              <a:t>2018/7/6</a:t>
             </a:fld>
             <a:endParaRPr lang="zh-CN" altLang="en-US"/>
           </a:p>
@@ -2424,7 +2424,7 @@
     <a:masterClrMapping/>
   </p:clrMapOvr>
   <mc:AlternateContent xmlns:mc="http://schemas.openxmlformats.org/markup-compatibility/2006">
-    <mc:Choice xmlns:p14="http://schemas.microsoft.com/office/powerpoint/2010/main" xmlns="" Requires="p14">
+    <mc:Choice xmlns="" xmlns:p14="http://schemas.microsoft.com/office/powerpoint/2010/main" Requires="p14">
       <p:transition spd="slow" p14:dur="1500">
         <p:random/>
       </p:transition>
@@ -2797,7 +2797,7 @@
             <a:fld id="{530820CF-B880-4189-942D-D702A7CBA730}" type="datetimeFigureOut">
               <a:rPr lang="zh-CN" altLang="en-US" smtClean="0"/>
               <a:pPr/>
-              <a:t>2018/7/5</a:t>
+              <a:t>2018/7/6</a:t>
             </a:fld>
             <a:endParaRPr lang="zh-CN" altLang="en-US"/>
           </a:p>
@@ -2852,7 +2852,7 @@
     <a:masterClrMapping/>
   </p:clrMapOvr>
   <mc:AlternateContent xmlns:mc="http://schemas.openxmlformats.org/markup-compatibility/2006">
-    <mc:Choice xmlns:p14="http://schemas.microsoft.com/office/powerpoint/2010/main" xmlns="" Requires="p14">
+    <mc:Choice xmlns="" xmlns:p14="http://schemas.microsoft.com/office/powerpoint/2010/main" Requires="p14">
       <p:transition spd="slow" p14:dur="1500">
         <p:random/>
       </p:transition>
@@ -2923,7 +2923,7 @@
             <a:fld id="{530820CF-B880-4189-942D-D702A7CBA730}" type="datetimeFigureOut">
               <a:rPr lang="zh-CN" altLang="en-US" smtClean="0"/>
               <a:pPr/>
-              <a:t>2018/7/5</a:t>
+              <a:t>2018/7/6</a:t>
             </a:fld>
             <a:endParaRPr lang="zh-CN" altLang="en-US"/>
           </a:p>
@@ -2978,7 +2978,7 @@
     <a:masterClrMapping/>
   </p:clrMapOvr>
   <mc:AlternateContent xmlns:mc="http://schemas.openxmlformats.org/markup-compatibility/2006">
-    <mc:Choice xmlns:p14="http://schemas.microsoft.com/office/powerpoint/2010/main" xmlns="" Requires="p14">
+    <mc:Choice xmlns="" xmlns:p14="http://schemas.microsoft.com/office/powerpoint/2010/main" Requires="p14">
       <p:transition spd="slow" p14:dur="1500">
         <p:random/>
       </p:transition>
@@ -3027,7 +3027,7 @@
             <a:fld id="{530820CF-B880-4189-942D-D702A7CBA730}" type="datetimeFigureOut">
               <a:rPr lang="zh-CN" altLang="en-US" smtClean="0"/>
               <a:pPr/>
-              <a:t>2018/7/5</a:t>
+              <a:t>2018/7/6</a:t>
             </a:fld>
             <a:endParaRPr lang="zh-CN" altLang="en-US"/>
           </a:p>
@@ -3082,7 +3082,7 @@
     <a:masterClrMapping/>
   </p:clrMapOvr>
   <mc:AlternateContent xmlns:mc="http://schemas.openxmlformats.org/markup-compatibility/2006">
-    <mc:Choice xmlns:p14="http://schemas.microsoft.com/office/powerpoint/2010/main" xmlns="" Requires="p14">
+    <mc:Choice xmlns="" xmlns:p14="http://schemas.microsoft.com/office/powerpoint/2010/main" Requires="p14">
       <p:transition spd="slow" p14:dur="1500">
         <p:random/>
       </p:transition>
@@ -3311,7 +3311,7 @@
             <a:fld id="{530820CF-B880-4189-942D-D702A7CBA730}" type="datetimeFigureOut">
               <a:rPr lang="zh-CN" altLang="en-US" smtClean="0"/>
               <a:pPr/>
-              <a:t>2018/7/5</a:t>
+              <a:t>2018/7/6</a:t>
             </a:fld>
             <a:endParaRPr lang="zh-CN" altLang="en-US"/>
           </a:p>
@@ -3366,7 +3366,7 @@
     <a:masterClrMapping/>
   </p:clrMapOvr>
   <mc:AlternateContent xmlns:mc="http://schemas.openxmlformats.org/markup-compatibility/2006">
-    <mc:Choice xmlns:p14="http://schemas.microsoft.com/office/powerpoint/2010/main" xmlns="" Requires="p14">
+    <mc:Choice xmlns="" xmlns:p14="http://schemas.microsoft.com/office/powerpoint/2010/main" Requires="p14">
       <p:transition spd="slow" p14:dur="1500">
         <p:random/>
       </p:transition>
@@ -3572,7 +3572,7 @@
             <a:fld id="{530820CF-B880-4189-942D-D702A7CBA730}" type="datetimeFigureOut">
               <a:rPr lang="zh-CN" altLang="en-US" smtClean="0"/>
               <a:pPr/>
-              <a:t>2018/7/5</a:t>
+              <a:t>2018/7/6</a:t>
             </a:fld>
             <a:endParaRPr lang="zh-CN" altLang="en-US"/>
           </a:p>
@@ -3627,7 +3627,7 @@
     <a:masterClrMapping/>
   </p:clrMapOvr>
   <mc:AlternateContent xmlns:mc="http://schemas.openxmlformats.org/markup-compatibility/2006">
-    <mc:Choice xmlns:p14="http://schemas.microsoft.com/office/powerpoint/2010/main" xmlns="" Requires="p14">
+    <mc:Choice xmlns="" xmlns:p14="http://schemas.microsoft.com/office/powerpoint/2010/main" Requires="p14">
       <p:transition spd="slow" p14:dur="1500">
         <p:random/>
       </p:transition>
@@ -3796,7 +3796,7 @@
             <a:fld id="{530820CF-B880-4189-942D-D702A7CBA730}" type="datetimeFigureOut">
               <a:rPr lang="zh-CN" altLang="en-US" smtClean="0"/>
               <a:pPr/>
-              <a:t>2018/7/5</a:t>
+              <a:t>2018/7/6</a:t>
             </a:fld>
             <a:endParaRPr lang="zh-CN" altLang="en-US" dirty="0"/>
           </a:p>
@@ -3902,7 +3902,7 @@
     <p:sldLayoutId id="2147483662" r:id="rId13"/>
   </p:sldLayoutIdLst>
   <mc:AlternateContent xmlns:mc="http://schemas.openxmlformats.org/markup-compatibility/2006">
-    <mc:Choice xmlns:p14="http://schemas.microsoft.com/office/powerpoint/2010/main" xmlns="" Requires="p14">
+    <mc:Choice xmlns="" xmlns:p14="http://schemas.microsoft.com/office/powerpoint/2010/main" Requires="p14">
       <p:transition spd="slow" p14:dur="1500">
         <p:random/>
       </p:transition>
@@ -4321,7 +4321,7 @@
     </p:spTree>
     <p:extLst>
       <p:ext uri="{BB962C8B-B14F-4D97-AF65-F5344CB8AC3E}">
-        <p14:creationId xmlns:p14="http://schemas.microsoft.com/office/powerpoint/2010/main" xmlns="" val="2059511690"/>
+        <p14:creationId xmlns="" xmlns:p14="http://schemas.microsoft.com/office/powerpoint/2010/main" val="2059511690"/>
       </p:ext>
     </p:extLst>
   </p:cSld>
@@ -4329,7 +4329,7 @@
     <a:masterClrMapping/>
   </p:clrMapOvr>
   <mc:AlternateContent xmlns:mc="http://schemas.openxmlformats.org/markup-compatibility/2006">
-    <mc:Choice xmlns:p14="http://schemas.microsoft.com/office/powerpoint/2010/main" xmlns="" Requires="p14">
+    <mc:Choice xmlns="" xmlns:p14="http://schemas.microsoft.com/office/powerpoint/2010/main" Requires="p14">
       <p:transition p14:dur="0"/>
     </mc:Choice>
     <mc:Fallback>
@@ -4663,7 +4663,7 @@
     </p:spTree>
     <p:extLst>
       <p:ext uri="{BB962C8B-B14F-4D97-AF65-F5344CB8AC3E}">
-        <p14:creationId xmlns:p14="http://schemas.microsoft.com/office/powerpoint/2010/main" xmlns="" val="3221807754"/>
+        <p14:creationId xmlns="" xmlns:p14="http://schemas.microsoft.com/office/powerpoint/2010/main" val="3221807754"/>
       </p:ext>
     </p:extLst>
   </p:cSld>
@@ -4671,7 +4671,7 @@
     <a:masterClrMapping/>
   </p:clrMapOvr>
   <mc:AlternateContent xmlns:mc="http://schemas.openxmlformats.org/markup-compatibility/2006">
-    <mc:Choice xmlns:p14="http://schemas.microsoft.com/office/powerpoint/2010/main" xmlns="" Requires="p14">
+    <mc:Choice xmlns="" xmlns:p14="http://schemas.microsoft.com/office/powerpoint/2010/main" Requires="p14">
       <p:transition p14:dur="0"/>
     </mc:Choice>
     <mc:Fallback>
@@ -4812,7 +4812,7 @@
               </a:ln>
               <a:extLst>
                 <a:ext uri="{91240B29-F687-4F45-9708-019B960494DF}">
-                  <a14:hiddenLine xmlns:a14="http://schemas.microsoft.com/office/drawing/2010/main" xmlns="" w="9525">
+                  <a14:hiddenLine xmlns="" xmlns:a14="http://schemas.microsoft.com/office/drawing/2010/main" w="9525">
                     <a:solidFill>
                       <a:srgbClr val="000000"/>
                     </a:solidFill>
@@ -4861,7 +4861,7 @@
               </a:ln>
               <a:extLst>
                 <a:ext uri="{91240B29-F687-4F45-9708-019B960494DF}">
-                  <a14:hiddenLine xmlns:a14="http://schemas.microsoft.com/office/drawing/2010/main" xmlns="" w="9525">
+                  <a14:hiddenLine xmlns="" xmlns:a14="http://schemas.microsoft.com/office/drawing/2010/main" w="9525">
                     <a:solidFill>
                       <a:srgbClr val="000000"/>
                     </a:solidFill>
@@ -4910,7 +4910,7 @@
               </a:ln>
               <a:extLst>
                 <a:ext uri="{91240B29-F687-4F45-9708-019B960494DF}">
-                  <a14:hiddenLine xmlns:a14="http://schemas.microsoft.com/office/drawing/2010/main" xmlns="" w="9525">
+                  <a14:hiddenLine xmlns="" xmlns:a14="http://schemas.microsoft.com/office/drawing/2010/main" w="9525">
                     <a:solidFill>
                       <a:srgbClr val="000000"/>
                     </a:solidFill>
@@ -4959,7 +4959,7 @@
               </a:ln>
               <a:extLst>
                 <a:ext uri="{91240B29-F687-4F45-9708-019B960494DF}">
-                  <a14:hiddenLine xmlns:a14="http://schemas.microsoft.com/office/drawing/2010/main" xmlns="" w="9525">
+                  <a14:hiddenLine xmlns="" xmlns:a14="http://schemas.microsoft.com/office/drawing/2010/main" w="9525">
                     <a:solidFill>
                       <a:srgbClr val="000000"/>
                     </a:solidFill>
@@ -5008,7 +5008,7 @@
               </a:ln>
               <a:extLst>
                 <a:ext uri="{91240B29-F687-4F45-9708-019B960494DF}">
-                  <a14:hiddenLine xmlns:a14="http://schemas.microsoft.com/office/drawing/2010/main" xmlns="" w="9525">
+                  <a14:hiddenLine xmlns="" xmlns:a14="http://schemas.microsoft.com/office/drawing/2010/main" w="9525">
                     <a:solidFill>
                       <a:srgbClr val="000000"/>
                     </a:solidFill>
@@ -5057,7 +5057,7 @@
               </a:ln>
               <a:extLst>
                 <a:ext uri="{91240B29-F687-4F45-9708-019B960494DF}">
-                  <a14:hiddenLine xmlns:a14="http://schemas.microsoft.com/office/drawing/2010/main" xmlns="" w="9525">
+                  <a14:hiddenLine xmlns="" xmlns:a14="http://schemas.microsoft.com/office/drawing/2010/main" w="9525">
                     <a:solidFill>
                       <a:srgbClr val="000000"/>
                     </a:solidFill>
@@ -5123,7 +5123,7 @@
               </a:ln>
               <a:extLst>
                 <a:ext uri="{91240B29-F687-4F45-9708-019B960494DF}">
-                  <a14:hiddenLine xmlns:a14="http://schemas.microsoft.com/office/drawing/2010/main" xmlns="" w="9525">
+                  <a14:hiddenLine xmlns="" xmlns:a14="http://schemas.microsoft.com/office/drawing/2010/main" w="9525">
                     <a:solidFill>
                       <a:srgbClr val="000000"/>
                     </a:solidFill>
@@ -5172,7 +5172,7 @@
               </a:ln>
               <a:extLst>
                 <a:ext uri="{91240B29-F687-4F45-9708-019B960494DF}">
-                  <a14:hiddenLine xmlns:a14="http://schemas.microsoft.com/office/drawing/2010/main" xmlns="" w="9525">
+                  <a14:hiddenLine xmlns="" xmlns:a14="http://schemas.microsoft.com/office/drawing/2010/main" w="9525">
                     <a:solidFill>
                       <a:srgbClr val="000000"/>
                     </a:solidFill>
@@ -5221,7 +5221,7 @@
               </a:ln>
               <a:extLst>
                 <a:ext uri="{91240B29-F687-4F45-9708-019B960494DF}">
-                  <a14:hiddenLine xmlns:a14="http://schemas.microsoft.com/office/drawing/2010/main" xmlns="" w="9525">
+                  <a14:hiddenLine xmlns="" xmlns:a14="http://schemas.microsoft.com/office/drawing/2010/main" w="9525">
                     <a:solidFill>
                       <a:srgbClr val="000000"/>
                     </a:solidFill>
@@ -5270,7 +5270,7 @@
               </a:ln>
               <a:extLst>
                 <a:ext uri="{91240B29-F687-4F45-9708-019B960494DF}">
-                  <a14:hiddenLine xmlns:a14="http://schemas.microsoft.com/office/drawing/2010/main" xmlns="" w="9525">
+                  <a14:hiddenLine xmlns="" xmlns:a14="http://schemas.microsoft.com/office/drawing/2010/main" w="9525">
                     <a:solidFill>
                       <a:srgbClr val="000000"/>
                     </a:solidFill>
@@ -5319,7 +5319,7 @@
               </a:ln>
               <a:extLst>
                 <a:ext uri="{91240B29-F687-4F45-9708-019B960494DF}">
-                  <a14:hiddenLine xmlns:a14="http://schemas.microsoft.com/office/drawing/2010/main" xmlns="" w="9525">
+                  <a14:hiddenLine xmlns="" xmlns:a14="http://schemas.microsoft.com/office/drawing/2010/main" w="9525">
                     <a:solidFill>
                       <a:srgbClr val="000000"/>
                     </a:solidFill>
@@ -5368,7 +5368,7 @@
               </a:ln>
               <a:extLst>
                 <a:ext uri="{91240B29-F687-4F45-9708-019B960494DF}">
-                  <a14:hiddenLine xmlns:a14="http://schemas.microsoft.com/office/drawing/2010/main" xmlns="" w="9525">
+                  <a14:hiddenLine xmlns="" xmlns:a14="http://schemas.microsoft.com/office/drawing/2010/main" w="9525">
                     <a:solidFill>
                       <a:srgbClr val="000000"/>
                     </a:solidFill>
@@ -5403,7 +5403,7 @@
         </p:nvSpPr>
         <p:spPr>
           <a:xfrm>
-            <a:off x="3952860" y="3643314"/>
+            <a:off x="3952860" y="2714620"/>
             <a:ext cx="4861605" cy="787175"/>
           </a:xfrm>
           <a:prstGeom prst="roundRect">
@@ -5551,7 +5551,7 @@
         </p:nvSpPr>
         <p:spPr>
           <a:xfrm>
-            <a:off x="3952860" y="4643446"/>
+            <a:off x="3952860" y="3714752"/>
             <a:ext cx="4861605" cy="787175"/>
           </a:xfrm>
           <a:prstGeom prst="roundRect">
@@ -5620,6 +5620,90 @@
       <p:sp>
         <p:nvSpPr>
           <p:cNvPr id="33" name="圆角矩形 32"/>
+          <p:cNvSpPr/>
+          <p:nvPr/>
+        </p:nvSpPr>
+        <p:spPr>
+          <a:xfrm>
+            <a:off x="3952860" y="4714884"/>
+            <a:ext cx="4861605" cy="787175"/>
+          </a:xfrm>
+          <a:prstGeom prst="roundRect">
+            <a:avLst>
+              <a:gd name="adj" fmla="val 10275"/>
+            </a:avLst>
+          </a:prstGeom>
+          <a:solidFill>
+            <a:srgbClr val="464F5A"/>
+          </a:solidFill>
+          <a:ln>
+            <a:noFill/>
+          </a:ln>
+        </p:spPr>
+        <p:style>
+          <a:lnRef idx="2">
+            <a:schemeClr val="accent1">
+              <a:shade val="50000"/>
+            </a:schemeClr>
+          </a:lnRef>
+          <a:fillRef idx="1">
+            <a:schemeClr val="accent1"/>
+          </a:fillRef>
+          <a:effectRef idx="0">
+            <a:schemeClr val="accent1"/>
+          </a:effectRef>
+          <a:fontRef idx="minor">
+            <a:schemeClr val="lt1"/>
+          </a:fontRef>
+        </p:style>
+        <p:txBody>
+          <a:bodyPr rtlCol="0" anchor="ctr"/>
+          <a:lstStyle/>
+          <a:p>
+            <a:pPr algn="ctr"/>
+            <a:r>
+              <a:rPr lang="zh-CN" altLang="en-US" sz="2400" dirty="0" smtClean="0">
+                <a:solidFill>
+                  <a:schemeClr val="bg1"/>
+                </a:solidFill>
+                <a:latin typeface="微软雅黑" panose="020B0503020204020204" pitchFamily="34" charset="-122"/>
+                <a:ea typeface="微软雅黑" panose="020B0503020204020204" pitchFamily="34" charset="-122"/>
+              </a:rPr>
+              <a:t>动手搭建</a:t>
+            </a:r>
+            <a:r>
+              <a:rPr lang="en-US" altLang="zh-CN" sz="2400" dirty="0" smtClean="0">
+                <a:solidFill>
+                  <a:schemeClr val="bg1"/>
+                </a:solidFill>
+                <a:latin typeface="微软雅黑" panose="020B0503020204020204" pitchFamily="34" charset="-122"/>
+                <a:ea typeface="微软雅黑" panose="020B0503020204020204" pitchFamily="34" charset="-122"/>
+              </a:rPr>
+              <a:t>SDN</a:t>
+            </a:r>
+            <a:r>
+              <a:rPr lang="zh-CN" altLang="en-US" sz="2400" dirty="0" smtClean="0">
+                <a:solidFill>
+                  <a:schemeClr val="bg1"/>
+                </a:solidFill>
+                <a:latin typeface="微软雅黑" panose="020B0503020204020204" pitchFamily="34" charset="-122"/>
+                <a:ea typeface="微软雅黑" panose="020B0503020204020204" pitchFamily="34" charset="-122"/>
+              </a:rPr>
+              <a:t>实验环境</a:t>
+            </a:r>
+            <a:endParaRPr lang="en-US" altLang="zh-CN" sz="2400" dirty="0" smtClean="0">
+              <a:solidFill>
+                <a:schemeClr val="bg1"/>
+              </a:solidFill>
+              <a:latin typeface="微软雅黑" panose="020B0503020204020204" pitchFamily="34" charset="-122"/>
+              <a:ea typeface="微软雅黑" panose="020B0503020204020204" pitchFamily="34" charset="-122"/>
+            </a:endParaRPr>
+          </a:p>
+        </p:txBody>
+      </p:sp>
+      <p:sp>
+        <p:nvSpPr>
+          <p:cNvPr id="36" name="圆角矩形 35"/>
           <p:cNvSpPr/>
           <p:nvPr/>
         </p:nvSpPr>
@@ -5662,90 +5746,6 @@
           <a:p>
             <a:pPr algn="ctr"/>
             <a:r>
-              <a:rPr lang="zh-CN" altLang="en-US" sz="2400" dirty="0" smtClean="0">
-                <a:solidFill>
-                  <a:schemeClr val="bg1"/>
-                </a:solidFill>
-                <a:latin typeface="微软雅黑" panose="020B0503020204020204" pitchFamily="34" charset="-122"/>
-                <a:ea typeface="微软雅黑" panose="020B0503020204020204" pitchFamily="34" charset="-122"/>
-              </a:rPr>
-              <a:t>动手搭建</a:t>
-            </a:r>
-            <a:r>
-              <a:rPr lang="en-US" altLang="zh-CN" sz="2400" dirty="0" smtClean="0">
-                <a:solidFill>
-                  <a:schemeClr val="bg1"/>
-                </a:solidFill>
-                <a:latin typeface="微软雅黑" panose="020B0503020204020204" pitchFamily="34" charset="-122"/>
-                <a:ea typeface="微软雅黑" panose="020B0503020204020204" pitchFamily="34" charset="-122"/>
-              </a:rPr>
-              <a:t>SDN</a:t>
-            </a:r>
-            <a:r>
-              <a:rPr lang="zh-CN" altLang="en-US" sz="2400" dirty="0" smtClean="0">
-                <a:solidFill>
-                  <a:schemeClr val="bg1"/>
-                </a:solidFill>
-                <a:latin typeface="微软雅黑" panose="020B0503020204020204" pitchFamily="34" charset="-122"/>
-                <a:ea typeface="微软雅黑" panose="020B0503020204020204" pitchFamily="34" charset="-122"/>
-              </a:rPr>
-              <a:t>实验环境</a:t>
-            </a:r>
-            <a:endParaRPr lang="en-US" altLang="zh-CN" sz="2400" dirty="0" smtClean="0">
-              <a:solidFill>
-                <a:schemeClr val="bg1"/>
-              </a:solidFill>
-              <a:latin typeface="微软雅黑" panose="020B0503020204020204" pitchFamily="34" charset="-122"/>
-              <a:ea typeface="微软雅黑" panose="020B0503020204020204" pitchFamily="34" charset="-122"/>
-            </a:endParaRPr>
-          </a:p>
-        </p:txBody>
-      </p:sp>
-      <p:sp>
-        <p:nvSpPr>
-          <p:cNvPr id="36" name="圆角矩形 35"/>
-          <p:cNvSpPr/>
-          <p:nvPr/>
-        </p:nvSpPr>
-        <p:spPr>
-          <a:xfrm>
-            <a:off x="3952860" y="2714620"/>
-            <a:ext cx="4861605" cy="787175"/>
-          </a:xfrm>
-          <a:prstGeom prst="roundRect">
-            <a:avLst>
-              <a:gd name="adj" fmla="val 10275"/>
-            </a:avLst>
-          </a:prstGeom>
-          <a:solidFill>
-            <a:srgbClr val="464F5A"/>
-          </a:solidFill>
-          <a:ln>
-            <a:noFill/>
-          </a:ln>
-        </p:spPr>
-        <p:style>
-          <a:lnRef idx="2">
-            <a:schemeClr val="accent1">
-              <a:shade val="50000"/>
-            </a:schemeClr>
-          </a:lnRef>
-          <a:fillRef idx="1">
-            <a:schemeClr val="accent1"/>
-          </a:fillRef>
-          <a:effectRef idx="0">
-            <a:schemeClr val="accent1"/>
-          </a:effectRef>
-          <a:fontRef idx="minor">
-            <a:schemeClr val="lt1"/>
-          </a:fontRef>
-        </p:style>
-        <p:txBody>
-          <a:bodyPr rtlCol="0" anchor="ctr"/>
-          <a:lstStyle/>
-          <a:p>
-            <a:pPr algn="ctr"/>
-            <a:r>
               <a:rPr lang="en-US" altLang="zh-CN" sz="2400" dirty="0" smtClean="0">
                 <a:solidFill>
                   <a:schemeClr val="bg1"/>
@@ -5781,7 +5781,7 @@
     </p:spTree>
     <p:extLst>
       <p:ext uri="{BB962C8B-B14F-4D97-AF65-F5344CB8AC3E}">
-        <p14:creationId xmlns:p14="http://schemas.microsoft.com/office/powerpoint/2010/main" xmlns="" val="3635060294"/>
+        <p14:creationId xmlns="" xmlns:p14="http://schemas.microsoft.com/office/powerpoint/2010/main" val="3635060294"/>
       </p:ext>
     </p:extLst>
   </p:cSld>
@@ -5789,7 +5789,7 @@
     <a:masterClrMapping/>
   </p:clrMapOvr>
   <mc:AlternateContent xmlns:mc="http://schemas.openxmlformats.org/markup-compatibility/2006">
-    <mc:Choice xmlns:p14="http://schemas.microsoft.com/office/powerpoint/2010/main" xmlns="" Requires="p14">
+    <mc:Choice xmlns="" xmlns:p14="http://schemas.microsoft.com/office/powerpoint/2010/main" Requires="p14">
       <p:transition p14:dur="0"/>
     </mc:Choice>
     <mc:Fallback>
@@ -6176,7 +6176,7 @@
     </p:spTree>
     <p:extLst>
       <p:ext uri="{BB962C8B-B14F-4D97-AF65-F5344CB8AC3E}">
-        <p14:creationId xmlns:p14="http://schemas.microsoft.com/office/powerpoint/2010/main" xmlns="" val="3767679558"/>
+        <p14:creationId xmlns="" xmlns:p14="http://schemas.microsoft.com/office/powerpoint/2010/main" val="3767679558"/>
       </p:ext>
     </p:extLst>
   </p:cSld>
@@ -6184,7 +6184,7 @@
     <a:masterClrMapping/>
   </p:clrMapOvr>
   <mc:AlternateContent xmlns:mc="http://schemas.openxmlformats.org/markup-compatibility/2006">
-    <mc:Choice xmlns:p14="http://schemas.microsoft.com/office/powerpoint/2010/main" xmlns="" Requires="p14">
+    <mc:Choice xmlns="" xmlns:p14="http://schemas.microsoft.com/office/powerpoint/2010/main" Requires="p14">
       <p:transition spd="slow" p14:dur="1200">
         <p14:prism/>
       </p:transition>
@@ -6474,7 +6474,7 @@
     </p:spTree>
     <p:extLst>
       <p:ext uri="{BB962C8B-B14F-4D97-AF65-F5344CB8AC3E}">
-        <p14:creationId xmlns:p14="http://schemas.microsoft.com/office/powerpoint/2010/main" xmlns="" val="3767679558"/>
+        <p14:creationId xmlns="" xmlns:p14="http://schemas.microsoft.com/office/powerpoint/2010/main" val="3767679558"/>
       </p:ext>
     </p:extLst>
   </p:cSld>
@@ -6482,7 +6482,7 @@
     <a:masterClrMapping/>
   </p:clrMapOvr>
   <mc:AlternateContent xmlns:mc="http://schemas.openxmlformats.org/markup-compatibility/2006">
-    <mc:Choice xmlns:p14="http://schemas.microsoft.com/office/powerpoint/2010/main" xmlns="" Requires="p14">
+    <mc:Choice xmlns="" xmlns:p14="http://schemas.microsoft.com/office/powerpoint/2010/main" Requires="p14">
       <p:transition spd="slow" p14:dur="1200">
         <p14:prism/>
       </p:transition>
@@ -6638,7 +6638,7 @@
         <p:spPr>
           <a:xfrm>
             <a:off x="687690" y="440667"/>
-            <a:ext cx="3479483" cy="502766"/>
+            <a:ext cx="7980078" cy="502766"/>
           </a:xfrm>
           <a:prstGeom prst="rect">
             <a:avLst/>
@@ -6650,17 +6650,6 @@
           </a:bodyPr>
           <a:lstStyle/>
           <a:p>
-            <a:r>
-              <a:rPr lang="en-US" altLang="zh-CN" sz="2667" b="1" dirty="0" err="1" smtClean="0">
-                <a:solidFill>
-                  <a:srgbClr val="FC611F"/>
-                </a:solidFill>
-                <a:latin typeface="Arial Unicode MS" pitchFamily="34" charset="-122"/>
-                <a:ea typeface="Arial Unicode MS" pitchFamily="34" charset="-122"/>
-                <a:cs typeface="Arial Unicode MS" pitchFamily="34" charset="-122"/>
-              </a:rPr>
-              <a:t>Opendaylight</a:t>
-            </a:r>
             <a:r>
               <a:rPr lang="en-US" altLang="zh-CN" sz="2667" b="1" dirty="0" smtClean="0">
                 <a:solidFill>
@@ -6670,7 +6659,29 @@
                 <a:ea typeface="Arial Unicode MS" pitchFamily="34" charset="-122"/>
                 <a:cs typeface="Arial Unicode MS" pitchFamily="34" charset="-122"/>
               </a:rPr>
-              <a:t> (ODL)</a:t>
+              <a:t>SDN</a:t>
+            </a:r>
+            <a:r>
+              <a:rPr lang="zh-CN" altLang="en-US" sz="2667" b="1" dirty="0" smtClean="0">
+                <a:solidFill>
+                  <a:srgbClr val="FC611F"/>
+                </a:solidFill>
+                <a:latin typeface="Arial Unicode MS" pitchFamily="34" charset="-122"/>
+                <a:ea typeface="Arial Unicode MS" pitchFamily="34" charset="-122"/>
+                <a:cs typeface="Arial Unicode MS" pitchFamily="34" charset="-122"/>
+              </a:rPr>
+              <a:t>的</a:t>
+            </a:r>
+            <a:r>
+              <a:rPr lang="zh-CN" altLang="en-US" sz="2667" b="1" dirty="0" smtClean="0">
+                <a:solidFill>
+                  <a:srgbClr val="FC611F"/>
+                </a:solidFill>
+                <a:latin typeface="Arial Unicode MS" pitchFamily="34" charset="-122"/>
+                <a:ea typeface="Arial Unicode MS" pitchFamily="34" charset="-122"/>
+                <a:cs typeface="Arial Unicode MS" pitchFamily="34" charset="-122"/>
+              </a:rPr>
+              <a:t>定义</a:t>
             </a:r>
             <a:endParaRPr lang="zh-CN" altLang="en-US" sz="2667" b="1" dirty="0">
               <a:solidFill>
@@ -6683,112 +6694,9 @@
           </a:p>
         </p:txBody>
       </p:sp>
-      <p:sp>
-        <p:nvSpPr>
-          <p:cNvPr id="8" name="矩形 7"/>
-          <p:cNvSpPr/>
-          <p:nvPr/>
-        </p:nvSpPr>
-        <p:spPr>
-          <a:xfrm>
-            <a:off x="3595670" y="1142984"/>
-            <a:ext cx="7500990" cy="1569660"/>
-          </a:xfrm>
-          <a:prstGeom prst="rect">
-            <a:avLst/>
-          </a:prstGeom>
-          <a:noFill/>
-          <a:ln w="19050">
-            <a:solidFill>
-              <a:srgbClr val="FF0000"/>
-            </a:solidFill>
-          </a:ln>
-        </p:spPr>
-        <p:txBody>
-          <a:bodyPr wrap="square">
-            <a:spAutoFit/>
-          </a:bodyPr>
-          <a:lstStyle/>
-          <a:p>
-            <a:r>
-              <a:rPr lang="en-US" altLang="zh-CN" sz="1200" dirty="0" smtClean="0"/>
-              <a:t>ONF</a:t>
-            </a:r>
-            <a:r>
-              <a:rPr lang="zh-CN" altLang="en-US" sz="1200" dirty="0" smtClean="0"/>
-              <a:t>从用户的角度制定协议，必然可以维护用户的利益，但是其间也出一些问题。网络设备的研发十分复杂，是一个系统化工程，需要结合方方面面考虑，需要丰富的实战经验，而这些正是网络用户所缺乏的，因此直接导致</a:t>
-            </a:r>
-            <a:r>
-              <a:rPr lang="en-US" altLang="zh-CN" sz="1200" dirty="0" err="1" smtClean="0"/>
-              <a:t>Openflow</a:t>
-            </a:r>
-            <a:r>
-              <a:rPr lang="zh-CN" altLang="en-US" sz="1200" dirty="0" smtClean="0"/>
-              <a:t>协议过于理想化，无法实现大规模商用。这种情况下</a:t>
-            </a:r>
-            <a:r>
-              <a:rPr lang="en-US" altLang="zh-CN" sz="1200" dirty="0" smtClean="0"/>
-              <a:t>ONF</a:t>
-            </a:r>
-            <a:r>
-              <a:rPr lang="zh-CN" altLang="en-US" sz="1200" dirty="0" smtClean="0"/>
-              <a:t>不得不接受网络设备商的参与，</a:t>
-            </a:r>
-            <a:r>
-              <a:rPr lang="en-US" altLang="zh-CN" sz="1200" dirty="0" smtClean="0"/>
-              <a:t>2013</a:t>
-            </a:r>
-            <a:r>
-              <a:rPr lang="zh-CN" altLang="en-US" sz="1200" dirty="0" smtClean="0"/>
-              <a:t>以设备商和软件商为主导的另一</a:t>
-            </a:r>
-            <a:r>
-              <a:rPr lang="en-US" altLang="zh-CN" sz="1200" dirty="0" smtClean="0"/>
-              <a:t>SDN</a:t>
-            </a:r>
-            <a:r>
-              <a:rPr lang="zh-CN" altLang="en-US" sz="1200" dirty="0" smtClean="0"/>
-              <a:t>组织</a:t>
-            </a:r>
-            <a:r>
-              <a:rPr lang="en-US" altLang="zh-CN" sz="1200" dirty="0" smtClean="0"/>
-              <a:t>ODL</a:t>
-            </a:r>
-            <a:r>
-              <a:rPr lang="zh-CN" altLang="en-US" sz="1200" dirty="0" smtClean="0"/>
-              <a:t>腾空出世，网络设备商出于自身利益出发，也加入到</a:t>
-            </a:r>
-            <a:r>
-              <a:rPr lang="en-US" altLang="zh-CN" sz="1200" dirty="0" smtClean="0"/>
-              <a:t>SDN</a:t>
-            </a:r>
-            <a:r>
-              <a:rPr lang="zh-CN" altLang="en-US" sz="1200" dirty="0" smtClean="0"/>
-              <a:t>大军中。并不是网络设备商都不计较利益，不计得失地贡献自己的技术，设备商也有自己的考量，越来越多的人看好</a:t>
-            </a:r>
-            <a:r>
-              <a:rPr lang="en-US" altLang="zh-CN" sz="1200" dirty="0" smtClean="0"/>
-              <a:t>SDN</a:t>
-            </a:r>
-            <a:r>
-              <a:rPr lang="zh-CN" altLang="en-US" sz="1200" dirty="0" smtClean="0"/>
-              <a:t>，这是一股不可逆转的趋势，与其坐等网络用户摆脱自己，不如化被动为主动积极参与其中，众多设备商联手研发出统一的控制框架，其中可以嵌入一些服务与应用模块，各大设备商都争相在大框架中融入更多的自己的技术，因为贡献越多意味着影响越大，在</a:t>
-            </a:r>
-            <a:r>
-              <a:rPr lang="en-US" altLang="zh-CN" sz="1200" dirty="0" smtClean="0"/>
-              <a:t>ODL</a:t>
-            </a:r>
-            <a:r>
-              <a:rPr lang="zh-CN" altLang="en-US" sz="1200" dirty="0" smtClean="0"/>
-              <a:t>中争得一席之地，才能为以后的发展留下生机。</a:t>
-            </a:r>
-            <a:endParaRPr lang="zh-CN" altLang="en-US" sz="1200" dirty="0"/>
-          </a:p>
-        </p:txBody>
-      </p:sp>
       <p:pic>
         <p:nvPicPr>
-          <p:cNvPr id="3074" name="Picture 2"/>
+          <p:cNvPr id="1026" name="Picture 2"/>
           <p:cNvPicPr>
             <a:picLocks noChangeAspect="1" noChangeArrowheads="1"/>
           </p:cNvPicPr>
@@ -6803,8 +6711,8 @@
         </p:blipFill>
         <p:spPr bwMode="auto">
           <a:xfrm>
-            <a:off x="380960" y="1142985"/>
-            <a:ext cx="3071834" cy="5286412"/>
+            <a:off x="380960" y="1142984"/>
+            <a:ext cx="7715304" cy="3095625"/>
           </a:xfrm>
           <a:prstGeom prst="rect">
             <a:avLst/>
@@ -6819,10 +6727,125 @@
           <a:effectLst/>
         </p:spPr>
       </p:pic>
+      <p:sp>
+        <p:nvSpPr>
+          <p:cNvPr id="8" name="矩形 7"/>
+          <p:cNvSpPr/>
+          <p:nvPr/>
+        </p:nvSpPr>
+        <p:spPr>
+          <a:xfrm>
+            <a:off x="8596330" y="6357958"/>
+            <a:ext cx="3359894" cy="369332"/>
+          </a:xfrm>
+          <a:prstGeom prst="rect">
+            <a:avLst/>
+          </a:prstGeom>
+        </p:spPr>
+        <p:txBody>
+          <a:bodyPr wrap="none">
+            <a:spAutoFit/>
+          </a:bodyPr>
+          <a:lstStyle/>
+          <a:p>
+            <a:r>
+              <a:rPr lang="en-US" altLang="zh-CN" dirty="0" smtClean="0"/>
+              <a:t>https://www.opennetworking.org</a:t>
+            </a:r>
+            <a:endParaRPr lang="zh-CN" altLang="en-US" dirty="0"/>
+          </a:p>
+        </p:txBody>
+      </p:sp>
+      <p:sp>
+        <p:nvSpPr>
+          <p:cNvPr id="10" name="矩形 9"/>
+          <p:cNvSpPr/>
+          <p:nvPr/>
+        </p:nvSpPr>
+        <p:spPr>
+          <a:xfrm>
+            <a:off x="380960" y="4286256"/>
+            <a:ext cx="7667636" cy="2031325"/>
+          </a:xfrm>
+          <a:prstGeom prst="rect">
+            <a:avLst/>
+          </a:prstGeom>
+        </p:spPr>
+        <p:txBody>
+          <a:bodyPr wrap="square">
+            <a:spAutoFit/>
+          </a:bodyPr>
+          <a:lstStyle/>
+          <a:p>
+            <a:r>
+              <a:rPr lang="en-US" dirty="0" smtClean="0"/>
+              <a:t>Software-Defined Networking (SDN) is an emerging architecture that is dynamic, manageable, cost-effective, and adaptable, making it ideal for the high-bandwidth, dynamic nature of today’s applications. This architecture decouples the network control and forwarding functions</a:t>
+            </a:r>
+          </a:p>
+          <a:p>
+            <a:r>
+              <a:rPr lang="en-US" dirty="0" smtClean="0"/>
+              <a:t>enabling the network control to become directly programmable and the underlying infrastructure to be abstracted for applications and network services. The </a:t>
+            </a:r>
+            <a:r>
+              <a:rPr lang="en-US" dirty="0" err="1" smtClean="0"/>
+              <a:t>OpenFlow</a:t>
+            </a:r>
+            <a:r>
+              <a:rPr lang="en-US" dirty="0" smtClean="0"/>
+              <a:t>® protocol is a foundational element for building SDN solutions.</a:t>
+            </a:r>
+            <a:endParaRPr lang="en-US" dirty="0"/>
+          </a:p>
+        </p:txBody>
+      </p:sp>
+      <p:sp>
+        <p:nvSpPr>
+          <p:cNvPr id="11" name="矩形 10"/>
+          <p:cNvSpPr/>
+          <p:nvPr/>
+        </p:nvSpPr>
+        <p:spPr>
+          <a:xfrm>
+            <a:off x="8953520" y="4357694"/>
+            <a:ext cx="2786082" cy="923330"/>
+          </a:xfrm>
+          <a:prstGeom prst="rect">
+            <a:avLst/>
+          </a:prstGeom>
+        </p:spPr>
+        <p:txBody>
+          <a:bodyPr wrap="square">
+            <a:spAutoFit/>
+          </a:bodyPr>
+          <a:lstStyle/>
+          <a:p>
+            <a:r>
+              <a:rPr lang="zh-CN" altLang="en-US" b="1" dirty="0" smtClean="0"/>
+              <a:t>核心思想：</a:t>
+            </a:r>
+            <a:endParaRPr lang="en-US" altLang="zh-CN" b="1" dirty="0" smtClean="0"/>
+          </a:p>
+          <a:p>
+            <a:r>
+              <a:rPr lang="zh-CN" altLang="en-US" dirty="0" smtClean="0"/>
+              <a:t>控制面和转发面分离</a:t>
+            </a:r>
+            <a:endParaRPr lang="en-US" altLang="zh-CN" dirty="0" smtClean="0"/>
+          </a:p>
+          <a:p>
+            <a:r>
+              <a:rPr lang="zh-CN" altLang="en-US" dirty="0" smtClean="0"/>
+              <a:t>网络可编程</a:t>
+            </a:r>
+            <a:endParaRPr lang="en-US" dirty="0"/>
+          </a:p>
+        </p:txBody>
+      </p:sp>
     </p:spTree>
     <p:extLst>
       <p:ext uri="{BB962C8B-B14F-4D97-AF65-F5344CB8AC3E}">
-        <p14:creationId xmlns:p14="http://schemas.microsoft.com/office/powerpoint/2010/main" xmlns="" val="3221807754"/>
+        <p14:creationId xmlns="" xmlns:p14="http://schemas.microsoft.com/office/powerpoint/2010/main" val="3221807754"/>
       </p:ext>
     </p:extLst>
   </p:cSld>
@@ -6830,7 +6853,7 @@
     <a:masterClrMapping/>
   </p:clrMapOvr>
   <mc:AlternateContent xmlns:mc="http://schemas.openxmlformats.org/markup-compatibility/2006">
-    <mc:Choice xmlns:p14="http://schemas.microsoft.com/office/powerpoint/2010/main" xmlns="" Requires="p14">
+    <mc:Choice xmlns="" xmlns:p14="http://schemas.microsoft.com/office/powerpoint/2010/main" Requires="p14">
       <p:transition p14:dur="0"/>
     </mc:Choice>
     <mc:Fallback>
@@ -7014,9 +7037,20 @@
                 <a:ea typeface="Arial Unicode MS" pitchFamily="34" charset="-122"/>
                 <a:cs typeface="Arial Unicode MS" pitchFamily="34" charset="-122"/>
               </a:rPr>
-              <a:t>的定义</a:t>
-            </a:r>
-            <a:endParaRPr lang="zh-CN" altLang="en-US" sz="2667" b="1" dirty="0">
+              <a:t>的</a:t>
+            </a:r>
+            <a:r>
+              <a:rPr lang="zh-CN" altLang="en-US" sz="2667" b="1" dirty="0" smtClean="0">
+                <a:solidFill>
+                  <a:srgbClr val="FC611F"/>
+                </a:solidFill>
+                <a:latin typeface="Arial Unicode MS" pitchFamily="34" charset="-122"/>
+                <a:ea typeface="Arial Unicode MS" pitchFamily="34" charset="-122"/>
+                <a:cs typeface="Arial Unicode MS" pitchFamily="34" charset="-122"/>
+              </a:rPr>
+              <a:t>架构</a:t>
+            </a:r>
+            <a:endParaRPr lang="zh-CN" altLang="en-US" sz="2667" b="1" dirty="0" smtClean="0">
               <a:solidFill>
                 <a:srgbClr val="FC611F"/>
               </a:solidFill>
@@ -7027,9 +7061,38 @@
           </a:p>
         </p:txBody>
       </p:sp>
+      <p:sp>
+        <p:nvSpPr>
+          <p:cNvPr id="8" name="矩形 7"/>
+          <p:cNvSpPr/>
+          <p:nvPr/>
+        </p:nvSpPr>
+        <p:spPr>
+          <a:xfrm>
+            <a:off x="8596330" y="6357958"/>
+            <a:ext cx="3359894" cy="369332"/>
+          </a:xfrm>
+          <a:prstGeom prst="rect">
+            <a:avLst/>
+          </a:prstGeom>
+        </p:spPr>
+        <p:txBody>
+          <a:bodyPr wrap="none">
+            <a:spAutoFit/>
+          </a:bodyPr>
+          <a:lstStyle/>
+          <a:p>
+            <a:r>
+              <a:rPr lang="en-US" altLang="zh-CN" dirty="0" smtClean="0"/>
+              <a:t>https://www.opennetworking.org</a:t>
+            </a:r>
+            <a:endParaRPr lang="zh-CN" altLang="en-US" dirty="0"/>
+          </a:p>
+        </p:txBody>
+      </p:sp>
       <p:pic>
         <p:nvPicPr>
-          <p:cNvPr id="1026" name="Picture 2"/>
+          <p:cNvPr id="2051" name="Picture 3"/>
           <p:cNvPicPr>
             <a:picLocks noChangeAspect="1" noChangeArrowheads="1"/>
           </p:cNvPicPr>
@@ -7045,7 +7108,7 @@
         <p:spPr bwMode="auto">
           <a:xfrm>
             <a:off x="380960" y="1142984"/>
-            <a:ext cx="7715304" cy="3095625"/>
+            <a:ext cx="4357681" cy="5331289"/>
           </a:xfrm>
           <a:prstGeom prst="rect">
             <a:avLst/>
@@ -7062,123 +7125,103 @@
       </p:pic>
       <p:sp>
         <p:nvSpPr>
-          <p:cNvPr id="8" name="矩形 7"/>
+          <p:cNvPr id="10" name="矩形 9"/>
           <p:cNvSpPr/>
           <p:nvPr/>
         </p:nvSpPr>
         <p:spPr>
           <a:xfrm>
-            <a:off x="8596330" y="6357958"/>
-            <a:ext cx="3359894" cy="369332"/>
+            <a:off x="5167306" y="1071546"/>
+            <a:ext cx="6096000" cy="4832092"/>
           </a:xfrm>
           <a:prstGeom prst="rect">
             <a:avLst/>
           </a:prstGeom>
         </p:spPr>
         <p:txBody>
-          <a:bodyPr wrap="none">
+          <a:bodyPr>
             <a:spAutoFit/>
           </a:bodyPr>
           <a:lstStyle/>
           <a:p>
             <a:r>
-              <a:rPr lang="en-US" altLang="zh-CN" dirty="0" smtClean="0"/>
-              <a:t>https://www.opennetworking.org</a:t>
-            </a:r>
-            <a:endParaRPr lang="zh-CN" altLang="en-US" dirty="0"/>
-          </a:p>
-        </p:txBody>
-      </p:sp>
-      <p:sp>
-        <p:nvSpPr>
-          <p:cNvPr id="10" name="矩形 9"/>
-          <p:cNvSpPr/>
-          <p:nvPr/>
-        </p:nvSpPr>
-        <p:spPr>
-          <a:xfrm>
-            <a:off x="380960" y="4286256"/>
-            <a:ext cx="7667636" cy="2031325"/>
-          </a:xfrm>
-          <a:prstGeom prst="rect">
-            <a:avLst/>
-          </a:prstGeom>
-        </p:spPr>
-        <p:txBody>
-          <a:bodyPr wrap="square">
-            <a:spAutoFit/>
-          </a:bodyPr>
-          <a:lstStyle/>
-          <a:p>
-            <a:r>
-              <a:rPr lang="en-US" dirty="0" smtClean="0"/>
-              <a:t>Software-Defined Networking (SDN) is an emerging architecture that is dynamic, manageable, cost-effective, and adaptable, making it ideal for the high-bandwidth, dynamic nature of today’s applications. This architecture decouples the network control and forwarding functions</a:t>
-            </a:r>
-          </a:p>
-          <a:p>
-            <a:r>
-              <a:rPr lang="en-US" dirty="0" smtClean="0"/>
-              <a:t>enabling the network control to become directly programmable and the underlying infrastructure to be abstracted for applications and network services. The </a:t>
-            </a:r>
-            <a:r>
-              <a:rPr lang="en-US" dirty="0" err="1" smtClean="0"/>
-              <a:t>OpenFlow</a:t>
-            </a:r>
-            <a:r>
-              <a:rPr lang="en-US" dirty="0" smtClean="0"/>
-              <a:t>® protocol is a foundational element for building SDN solutions.</a:t>
-            </a:r>
-            <a:endParaRPr lang="en-US" dirty="0"/>
-          </a:p>
-        </p:txBody>
-      </p:sp>
-      <p:sp>
-        <p:nvSpPr>
-          <p:cNvPr id="11" name="矩形 10"/>
-          <p:cNvSpPr/>
-          <p:nvPr/>
-        </p:nvSpPr>
-        <p:spPr>
-          <a:xfrm>
-            <a:off x="8953520" y="4357694"/>
-            <a:ext cx="2786082" cy="923330"/>
-          </a:xfrm>
-          <a:prstGeom prst="rect">
-            <a:avLst/>
-          </a:prstGeom>
-        </p:spPr>
-        <p:txBody>
-          <a:bodyPr wrap="square">
-            <a:spAutoFit/>
-          </a:bodyPr>
-          <a:lstStyle/>
-          <a:p>
-            <a:r>
-              <a:rPr lang="zh-CN" altLang="en-US" dirty="0" smtClean="0"/>
-              <a:t>核心思想：</a:t>
-            </a:r>
-            <a:endParaRPr lang="en-US" altLang="zh-CN" dirty="0" smtClean="0"/>
-          </a:p>
-          <a:p>
-            <a:r>
-              <a:rPr lang="zh-CN" altLang="en-US" dirty="0" smtClean="0"/>
-              <a:t>控制面和转发面分离</a:t>
-            </a:r>
-            <a:endParaRPr lang="en-US" altLang="zh-CN" dirty="0" smtClean="0"/>
-          </a:p>
-          <a:p>
-            <a:r>
-              <a:rPr lang="zh-CN" altLang="en-US" dirty="0" smtClean="0"/>
-              <a:t>网络可编程</a:t>
-            </a:r>
-            <a:endParaRPr lang="en-US" dirty="0"/>
+              <a:rPr lang="en-US" sz="1400" b="1" dirty="0" smtClean="0"/>
+              <a:t>DIRECTLY PROGRAMMABLE</a:t>
+            </a:r>
+          </a:p>
+          <a:p>
+            <a:r>
+              <a:rPr lang="en-US" sz="1400" dirty="0" smtClean="0"/>
+              <a:t>Network control is directly programmable because it is decoupled from forwarding functions.</a:t>
+            </a:r>
+          </a:p>
+          <a:p>
+            <a:endParaRPr lang="en-US" sz="1400" b="1" dirty="0" smtClean="0"/>
+          </a:p>
+          <a:p>
+            <a:r>
+              <a:rPr lang="en-US" sz="1400" b="1" dirty="0" smtClean="0"/>
+              <a:t>AGILE</a:t>
+            </a:r>
+          </a:p>
+          <a:p>
+            <a:r>
+              <a:rPr lang="en-US" sz="1400" dirty="0" smtClean="0"/>
+              <a:t>Abstracting control from forwarding lets administrators dynamically adjust network-wide traffic flow to meet changing needs.</a:t>
+            </a:r>
+          </a:p>
+          <a:p>
+            <a:endParaRPr lang="en-US" sz="1400" b="1" dirty="0" smtClean="0"/>
+          </a:p>
+          <a:p>
+            <a:r>
+              <a:rPr lang="en-US" sz="1400" b="1" dirty="0" smtClean="0"/>
+              <a:t>CENTRALLY MANAGED</a:t>
+            </a:r>
+          </a:p>
+          <a:p>
+            <a:r>
+              <a:rPr lang="en-US" sz="1400" dirty="0" smtClean="0"/>
+              <a:t>Network intelligence is (logically) centralized in software-based SDN controllers that maintain a global view of the network, which appears to applications and policy engines as a single, logical switch.</a:t>
+            </a:r>
+          </a:p>
+          <a:p>
+            <a:endParaRPr lang="en-US" sz="1400" b="1" dirty="0" smtClean="0"/>
+          </a:p>
+          <a:p>
+            <a:r>
+              <a:rPr lang="en-US" sz="1400" b="1" dirty="0" smtClean="0"/>
+              <a:t>PROGRAMMATICALLY CONFIGURED</a:t>
+            </a:r>
+          </a:p>
+          <a:p>
+            <a:r>
+              <a:rPr lang="en-US" sz="1400" dirty="0" smtClean="0"/>
+              <a:t>SDN lets network managers configure, manage, secure, and optimize network resources very quickly via dynamic, automated SDN programs, which they can write themselves because the programs do not depend on proprietary software.</a:t>
+            </a:r>
+          </a:p>
+          <a:p>
+            <a:endParaRPr lang="en-US" sz="1400" b="1" dirty="0" smtClean="0"/>
+          </a:p>
+          <a:p>
+            <a:r>
+              <a:rPr lang="en-US" sz="1400" b="1" dirty="0" smtClean="0"/>
+              <a:t>OPEN STANDARDS-BASED AND VENDOR-NEUTRAL</a:t>
+            </a:r>
+          </a:p>
+          <a:p>
+            <a:r>
+              <a:rPr lang="en-US" sz="1400" dirty="0" smtClean="0"/>
+              <a:t>When implemented through open standards, SDN simplifies network design and operation because instructions are provided by SDN controllers instead of multiple, vendor-specific devices and protocols.</a:t>
+            </a:r>
+            <a:endParaRPr lang="en-US" sz="1400" dirty="0"/>
           </a:p>
         </p:txBody>
       </p:sp>
     </p:spTree>
     <p:extLst>
       <p:ext uri="{BB962C8B-B14F-4D97-AF65-F5344CB8AC3E}">
-        <p14:creationId xmlns:p14="http://schemas.microsoft.com/office/powerpoint/2010/main" xmlns="" val="3221807754"/>
+        <p14:creationId xmlns="" xmlns:p14="http://schemas.microsoft.com/office/powerpoint/2010/main" val="3221807754"/>
       </p:ext>
     </p:extLst>
   </p:cSld>
@@ -7186,7 +7229,7 @@
     <a:masterClrMapping/>
   </p:clrMapOvr>
   <mc:AlternateContent xmlns:mc="http://schemas.openxmlformats.org/markup-compatibility/2006">
-    <mc:Choice xmlns:p14="http://schemas.microsoft.com/office/powerpoint/2010/main" xmlns="" Requires="p14">
+    <mc:Choice xmlns="" xmlns:p14="http://schemas.microsoft.com/office/powerpoint/2010/main" Requires="p14">
       <p:transition p14:dur="0"/>
     </mc:Choice>
     <mc:Fallback>
@@ -7239,371 +7282,6 @@
               <a:rPr lang="zh-CN" altLang="en-US" smtClean="0"/>
               <a:pPr/>
               <a:t>7</a:t>
-            </a:fld>
-            <a:endParaRPr lang="zh-CN" altLang="en-US" dirty="0"/>
-          </a:p>
-        </p:txBody>
-      </p:sp>
-      <p:sp>
-        <p:nvSpPr>
-          <p:cNvPr id="35" name="矩形 34"/>
-          <p:cNvSpPr/>
-          <p:nvPr/>
-        </p:nvSpPr>
-        <p:spPr>
-          <a:xfrm>
-            <a:off x="377952" y="382016"/>
-            <a:ext cx="207264" cy="609600"/>
-          </a:xfrm>
-          <a:prstGeom prst="rect">
-            <a:avLst/>
-          </a:prstGeom>
-          <a:solidFill>
-            <a:srgbClr val="FC611F"/>
-          </a:solidFill>
-          <a:ln>
-            <a:solidFill>
-              <a:srgbClr val="FC611F"/>
-            </a:solidFill>
-          </a:ln>
-        </p:spPr>
-        <p:style>
-          <a:lnRef idx="2">
-            <a:schemeClr val="accent1">
-              <a:shade val="50000"/>
-            </a:schemeClr>
-          </a:lnRef>
-          <a:fillRef idx="1">
-            <a:schemeClr val="accent1"/>
-          </a:fillRef>
-          <a:effectRef idx="0">
-            <a:schemeClr val="accent1"/>
-          </a:effectRef>
-          <a:fontRef idx="minor">
-            <a:schemeClr val="lt1"/>
-          </a:fontRef>
-        </p:style>
-        <p:txBody>
-          <a:bodyPr rtlCol="0" anchor="ctr"/>
-          <a:lstStyle/>
-          <a:p>
-            <a:pPr algn="ctr"/>
-            <a:endParaRPr lang="zh-CN" altLang="en-US" sz="2400" dirty="0">
-              <a:ea typeface="微软雅黑" panose="020B0503020204020204" pitchFamily="34" charset="-122"/>
-            </a:endParaRPr>
-          </a:p>
-        </p:txBody>
-      </p:sp>
-      <p:cxnSp>
-        <p:nvCxnSpPr>
-          <p:cNvPr id="36" name="直接连接符 35"/>
-          <p:cNvCxnSpPr/>
-          <p:nvPr/>
-        </p:nvCxnSpPr>
-        <p:spPr>
-          <a:xfrm>
-            <a:off x="670560" y="382016"/>
-            <a:ext cx="0" cy="609600"/>
-          </a:xfrm>
-          <a:prstGeom prst="line">
-            <a:avLst/>
-          </a:prstGeom>
-          <a:ln w="38100">
-            <a:solidFill>
-              <a:srgbClr val="FC611F"/>
-            </a:solidFill>
-          </a:ln>
-        </p:spPr>
-        <p:style>
-          <a:lnRef idx="1">
-            <a:schemeClr val="accent1"/>
-          </a:lnRef>
-          <a:fillRef idx="0">
-            <a:schemeClr val="accent1"/>
-          </a:fillRef>
-          <a:effectRef idx="0">
-            <a:schemeClr val="accent1"/>
-          </a:effectRef>
-          <a:fontRef idx="minor">
-            <a:schemeClr val="tx1"/>
-          </a:fontRef>
-        </p:style>
-      </p:cxnSp>
-      <p:sp>
-        <p:nvSpPr>
-          <p:cNvPr id="37" name="矩形 36"/>
-          <p:cNvSpPr/>
-          <p:nvPr/>
-        </p:nvSpPr>
-        <p:spPr>
-          <a:xfrm>
-            <a:off x="687690" y="440667"/>
-            <a:ext cx="7980078" cy="502766"/>
-          </a:xfrm>
-          <a:prstGeom prst="rect">
-            <a:avLst/>
-          </a:prstGeom>
-        </p:spPr>
-        <p:txBody>
-          <a:bodyPr wrap="square">
-            <a:spAutoFit/>
-          </a:bodyPr>
-          <a:lstStyle/>
-          <a:p>
-            <a:r>
-              <a:rPr lang="en-US" altLang="zh-CN" sz="2667" b="1" dirty="0" smtClean="0">
-                <a:solidFill>
-                  <a:srgbClr val="FC611F"/>
-                </a:solidFill>
-                <a:latin typeface="Arial Unicode MS" pitchFamily="34" charset="-122"/>
-                <a:ea typeface="Arial Unicode MS" pitchFamily="34" charset="-122"/>
-                <a:cs typeface="Arial Unicode MS" pitchFamily="34" charset="-122"/>
-              </a:rPr>
-              <a:t>SDN</a:t>
-            </a:r>
-            <a:r>
-              <a:rPr lang="zh-CN" altLang="en-US" sz="2667" b="1" dirty="0" smtClean="0">
-                <a:solidFill>
-                  <a:srgbClr val="FC611F"/>
-                </a:solidFill>
-                <a:latin typeface="Arial Unicode MS" pitchFamily="34" charset="-122"/>
-                <a:ea typeface="Arial Unicode MS" pitchFamily="34" charset="-122"/>
-                <a:cs typeface="Arial Unicode MS" pitchFamily="34" charset="-122"/>
-              </a:rPr>
-              <a:t>的架构</a:t>
-            </a:r>
-            <a:endParaRPr lang="zh-CN" altLang="en-US" sz="2667" b="1" dirty="0">
-              <a:solidFill>
-                <a:srgbClr val="FC611F"/>
-              </a:solidFill>
-              <a:latin typeface="Arial Unicode MS" pitchFamily="34" charset="-122"/>
-              <a:ea typeface="Arial Unicode MS" pitchFamily="34" charset="-122"/>
-              <a:cs typeface="Arial Unicode MS" pitchFamily="34" charset="-122"/>
-            </a:endParaRPr>
-          </a:p>
-        </p:txBody>
-      </p:sp>
-      <p:sp>
-        <p:nvSpPr>
-          <p:cNvPr id="8" name="矩形 7"/>
-          <p:cNvSpPr/>
-          <p:nvPr/>
-        </p:nvSpPr>
-        <p:spPr>
-          <a:xfrm>
-            <a:off x="8596330" y="6357958"/>
-            <a:ext cx="3359894" cy="369332"/>
-          </a:xfrm>
-          <a:prstGeom prst="rect">
-            <a:avLst/>
-          </a:prstGeom>
-        </p:spPr>
-        <p:txBody>
-          <a:bodyPr wrap="none">
-            <a:spAutoFit/>
-          </a:bodyPr>
-          <a:lstStyle/>
-          <a:p>
-            <a:r>
-              <a:rPr lang="en-US" altLang="zh-CN" dirty="0" smtClean="0"/>
-              <a:t>https://www.opennetworking.org</a:t>
-            </a:r>
-            <a:endParaRPr lang="zh-CN" altLang="en-US" dirty="0"/>
-          </a:p>
-        </p:txBody>
-      </p:sp>
-      <p:pic>
-        <p:nvPicPr>
-          <p:cNvPr id="2051" name="Picture 3"/>
-          <p:cNvPicPr>
-            <a:picLocks noChangeAspect="1" noChangeArrowheads="1"/>
-          </p:cNvPicPr>
-          <p:nvPr/>
-        </p:nvPicPr>
-        <p:blipFill>
-          <a:blip r:embed="rId2"/>
-          <a:srcRect/>
-          <a:stretch>
-            <a:fillRect/>
-          </a:stretch>
-        </p:blipFill>
-        <p:spPr bwMode="auto">
-          <a:xfrm>
-            <a:off x="380960" y="1142984"/>
-            <a:ext cx="4357681" cy="5331289"/>
-          </a:xfrm>
-          <a:prstGeom prst="rect">
-            <a:avLst/>
-          </a:prstGeom>
-          <a:noFill/>
-          <a:ln w="9525">
-            <a:noFill/>
-            <a:miter lim="800000"/>
-            <a:headEnd/>
-            <a:tailEnd/>
-          </a:ln>
-          <a:effectLst/>
-        </p:spPr>
-      </p:pic>
-      <p:sp>
-        <p:nvSpPr>
-          <p:cNvPr id="10" name="矩形 9"/>
-          <p:cNvSpPr/>
-          <p:nvPr/>
-        </p:nvSpPr>
-        <p:spPr>
-          <a:xfrm>
-            <a:off x="5167306" y="1071546"/>
-            <a:ext cx="6096000" cy="4832092"/>
-          </a:xfrm>
-          <a:prstGeom prst="rect">
-            <a:avLst/>
-          </a:prstGeom>
-        </p:spPr>
-        <p:txBody>
-          <a:bodyPr>
-            <a:spAutoFit/>
-          </a:bodyPr>
-          <a:lstStyle/>
-          <a:p>
-            <a:r>
-              <a:rPr lang="en-US" sz="1400" b="1" dirty="0" smtClean="0"/>
-              <a:t>DIRECTLY PROGRAMMABLE</a:t>
-            </a:r>
-          </a:p>
-          <a:p>
-            <a:r>
-              <a:rPr lang="en-US" sz="1400" dirty="0" smtClean="0"/>
-              <a:t>Network control is directly programmable because it is decoupled from forwarding functions.</a:t>
-            </a:r>
-          </a:p>
-          <a:p>
-            <a:endParaRPr lang="en-US" sz="1400" b="1" dirty="0" smtClean="0"/>
-          </a:p>
-          <a:p>
-            <a:r>
-              <a:rPr lang="en-US" sz="1400" b="1" dirty="0" smtClean="0"/>
-              <a:t>AGILE</a:t>
-            </a:r>
-          </a:p>
-          <a:p>
-            <a:r>
-              <a:rPr lang="en-US" sz="1400" dirty="0" smtClean="0"/>
-              <a:t>Abstracting control from forwarding lets administrators dynamically adjust network-wide traffic flow to meet changing needs.</a:t>
-            </a:r>
-          </a:p>
-          <a:p>
-            <a:endParaRPr lang="en-US" sz="1400" b="1" dirty="0" smtClean="0"/>
-          </a:p>
-          <a:p>
-            <a:r>
-              <a:rPr lang="en-US" sz="1400" b="1" dirty="0" smtClean="0"/>
-              <a:t>CENTRALLY MANAGED</a:t>
-            </a:r>
-          </a:p>
-          <a:p>
-            <a:r>
-              <a:rPr lang="en-US" sz="1400" dirty="0" smtClean="0"/>
-              <a:t>Network intelligence is (logically) centralized in software-based SDN controllers that maintain a global view of the network, which appears to applications and policy engines as a single, logical switch.</a:t>
-            </a:r>
-          </a:p>
-          <a:p>
-            <a:endParaRPr lang="en-US" sz="1400" b="1" dirty="0" smtClean="0"/>
-          </a:p>
-          <a:p>
-            <a:r>
-              <a:rPr lang="en-US" sz="1400" b="1" dirty="0" smtClean="0"/>
-              <a:t>PROGRAMMATICALLY CONFIGURED</a:t>
-            </a:r>
-          </a:p>
-          <a:p>
-            <a:r>
-              <a:rPr lang="en-US" sz="1400" dirty="0" smtClean="0"/>
-              <a:t>SDN lets network managers configure, manage, secure, and optimize network resources very quickly via dynamic, automated SDN programs, which they can write themselves because the programs do not depend on proprietary software.</a:t>
-            </a:r>
-          </a:p>
-          <a:p>
-            <a:endParaRPr lang="en-US" sz="1400" b="1" dirty="0" smtClean="0"/>
-          </a:p>
-          <a:p>
-            <a:r>
-              <a:rPr lang="en-US" sz="1400" b="1" dirty="0" smtClean="0"/>
-              <a:t>OPEN STANDARDS-BASED AND VENDOR-NEUTRAL</a:t>
-            </a:r>
-          </a:p>
-          <a:p>
-            <a:r>
-              <a:rPr lang="en-US" sz="1400" dirty="0" smtClean="0"/>
-              <a:t>When implemented through open standards, SDN simplifies network design and operation because instructions are provided by SDN controllers instead of multiple, vendor-specific devices and protocols.</a:t>
-            </a:r>
-            <a:endParaRPr lang="en-US" sz="1400" dirty="0"/>
-          </a:p>
-        </p:txBody>
-      </p:sp>
-    </p:spTree>
-    <p:extLst>
-      <p:ext uri="{BB962C8B-B14F-4D97-AF65-F5344CB8AC3E}">
-        <p14:creationId xmlns:p14="http://schemas.microsoft.com/office/powerpoint/2010/main" xmlns="" val="3221807754"/>
-      </p:ext>
-    </p:extLst>
-  </p:cSld>
-  <p:clrMapOvr>
-    <a:masterClrMapping/>
-  </p:clrMapOvr>
-  <mc:AlternateContent xmlns:mc="http://schemas.openxmlformats.org/markup-compatibility/2006">
-    <mc:Choice xmlns:p14="http://schemas.microsoft.com/office/powerpoint/2010/main" xmlns="" Requires="p14">
-      <p:transition p14:dur="0"/>
-    </mc:Choice>
-    <mc:Fallback>
-      <p:transition/>
-    </mc:Fallback>
-  </mc:AlternateContent>
-  <p:timing>
-    <p:tnLst>
-      <p:par>
-        <p:cTn id="1" dur="indefinite" restart="never" nodeType="tmRoot"/>
-      </p:par>
-    </p:tnLst>
-  </p:timing>
-</p:sld>
-</file>
-
-<file path=ppt/slides/slide8.xml><?xml version="1.0" encoding="utf-8"?>
-<p:sld xmlns:a="http://schemas.openxmlformats.org/drawingml/2006/main" xmlns:r="http://schemas.openxmlformats.org/officeDocument/2006/relationships" xmlns:p="http://schemas.openxmlformats.org/presentationml/2006/main">
-  <p:cSld>
-    <p:spTree>
-      <p:nvGrpSpPr>
-        <p:cNvPr id="1" name=""/>
-        <p:cNvGrpSpPr/>
-        <p:nvPr/>
-      </p:nvGrpSpPr>
-      <p:grpSpPr>
-        <a:xfrm>
-          <a:off x="0" y="0"/>
-          <a:ext cx="0" cy="0"/>
-          <a:chOff x="0" y="0"/>
-          <a:chExt cx="0" cy="0"/>
-        </a:xfrm>
-      </p:grpSpPr>
-      <p:sp>
-        <p:nvSpPr>
-          <p:cNvPr id="3" name="灯片编号占位符 2"/>
-          <p:cNvSpPr>
-            <a:spLocks noGrp="1"/>
-          </p:cNvSpPr>
-          <p:nvPr>
-            <p:ph type="sldNum" sz="quarter" idx="12"/>
-          </p:nvPr>
-        </p:nvSpPr>
-        <p:spPr/>
-        <p:txBody>
-          <a:bodyPr/>
-          <a:lstStyle/>
-          <a:p>
-            <a:fld id="{58D60263-A96F-46DE-8AEE-71093E484CCF}" type="slidenum">
-              <a:rPr lang="zh-CN" altLang="en-US" smtClean="0"/>
-              <a:pPr/>
-              <a:t>8</a:t>
             </a:fld>
             <a:endParaRPr lang="zh-CN" altLang="en-US" dirty="0"/>
           </a:p>
@@ -7785,10 +7463,479 @@
           </a:fontRef>
         </p:style>
       </p:cxnSp>
+      <p:sp>
+        <p:nvSpPr>
+          <p:cNvPr id="7" name="矩形 6"/>
+          <p:cNvSpPr/>
+          <p:nvPr/>
+        </p:nvSpPr>
+        <p:spPr>
+          <a:xfrm>
+            <a:off x="309522" y="1214422"/>
+            <a:ext cx="7500990" cy="646331"/>
+          </a:xfrm>
+          <a:prstGeom prst="rect">
+            <a:avLst/>
+          </a:prstGeom>
+        </p:spPr>
+        <p:txBody>
+          <a:bodyPr wrap="square">
+            <a:spAutoFit/>
+          </a:bodyPr>
+          <a:lstStyle/>
+          <a:p>
+            <a:r>
+              <a:rPr lang="en-US" altLang="zh-CN" dirty="0" smtClean="0">
+                <a:hlinkClick r:id="rId2"/>
+              </a:rPr>
+              <a:t>https://www.opennetworking.org/software-defined-standards/specifications</a:t>
+            </a:r>
+            <a:r>
+              <a:rPr lang="en-US" altLang="zh-CN" dirty="0" smtClean="0">
+                <a:hlinkClick r:id="rId2"/>
+              </a:rPr>
+              <a:t>/</a:t>
+            </a:r>
+            <a:endParaRPr lang="en-US" altLang="zh-CN" dirty="0" smtClean="0"/>
+          </a:p>
+          <a:p>
+            <a:endParaRPr lang="zh-CN" altLang="en-US" dirty="0"/>
+          </a:p>
+        </p:txBody>
+      </p:sp>
+      <p:sp>
+        <p:nvSpPr>
+          <p:cNvPr id="8" name="矩形 7"/>
+          <p:cNvSpPr/>
+          <p:nvPr/>
+        </p:nvSpPr>
+        <p:spPr>
+          <a:xfrm>
+            <a:off x="6167438" y="1928802"/>
+            <a:ext cx="7286676" cy="2708434"/>
+          </a:xfrm>
+          <a:prstGeom prst="rect">
+            <a:avLst/>
+          </a:prstGeom>
+        </p:spPr>
+        <p:txBody>
+          <a:bodyPr wrap="square">
+            <a:spAutoFit/>
+          </a:bodyPr>
+          <a:lstStyle/>
+          <a:p>
+            <a:r>
+              <a:rPr lang="en-US" sz="1000" dirty="0" err="1" smtClean="0"/>
+              <a:t>OpenFlow</a:t>
+            </a:r>
+            <a:r>
+              <a:rPr lang="zh-CN" altLang="en-US" sz="1000" dirty="0" smtClean="0"/>
+              <a:t>协议主要是通过对不同类型消息的处理来实现控制器与交换机之间的路由控制的</a:t>
+            </a:r>
+            <a:r>
+              <a:rPr lang="zh-CN" altLang="en-US" sz="1000" dirty="0" smtClean="0"/>
+              <a:t>。</a:t>
+            </a:r>
+            <a:endParaRPr lang="en-US" altLang="zh-CN" sz="1000" dirty="0" smtClean="0"/>
+          </a:p>
+          <a:p>
+            <a:r>
+              <a:rPr lang="zh-CN" altLang="en-US" sz="1000" dirty="0" smtClean="0"/>
+              <a:t>目前</a:t>
+            </a:r>
+            <a:r>
+              <a:rPr lang="en-US" sz="1000" dirty="0" err="1" smtClean="0"/>
+              <a:t>OpenFlow</a:t>
+            </a:r>
+            <a:r>
+              <a:rPr lang="zh-CN" altLang="en-US" sz="1000" dirty="0" smtClean="0"/>
+              <a:t>协议主要支持三种消息类型，分别</a:t>
+            </a:r>
+            <a:r>
+              <a:rPr lang="zh-CN" altLang="en-US" sz="1000" dirty="0" smtClean="0"/>
+              <a:t>是</a:t>
+            </a:r>
+            <a:r>
+              <a:rPr lang="en-US" altLang="zh-CN" sz="1000" dirty="0" smtClean="0"/>
+              <a:t>:</a:t>
+            </a:r>
+          </a:p>
+          <a:p>
+            <a:r>
+              <a:rPr lang="en-US" sz="1000" dirty="0" smtClean="0"/>
+              <a:t>controller-to-</a:t>
+            </a:r>
+            <a:r>
+              <a:rPr lang="en-US" sz="1000" dirty="0" err="1" smtClean="0"/>
+              <a:t>switch、symmetric</a:t>
+            </a:r>
+            <a:r>
+              <a:rPr lang="en-US" sz="1000" dirty="0" smtClean="0"/>
+              <a:t>(</a:t>
+            </a:r>
+            <a:r>
+              <a:rPr lang="zh-CN" altLang="en-US" sz="1000" dirty="0" smtClean="0"/>
+              <a:t>对称型消息</a:t>
+            </a:r>
+            <a:r>
+              <a:rPr lang="en-US" altLang="zh-CN" sz="1000" dirty="0" smtClean="0"/>
+              <a:t>)</a:t>
+            </a:r>
+            <a:r>
+              <a:rPr lang="zh-CN" altLang="en-US" sz="1000" dirty="0" smtClean="0"/>
+              <a:t>以及</a:t>
+            </a:r>
+            <a:r>
+              <a:rPr lang="en-US" sz="1000" dirty="0" smtClean="0"/>
+              <a:t>asynchronous(</a:t>
+            </a:r>
+            <a:r>
+              <a:rPr lang="zh-CN" altLang="en-US" sz="1000" dirty="0" smtClean="0"/>
+              <a:t>异步消息类型</a:t>
+            </a:r>
+            <a:r>
+              <a:rPr lang="en-US" altLang="zh-CN" sz="1000" dirty="0" smtClean="0"/>
+              <a:t>)</a:t>
+            </a:r>
+            <a:r>
+              <a:rPr lang="zh-CN" altLang="en-US" sz="1000" dirty="0" smtClean="0"/>
+              <a:t>。</a:t>
+            </a:r>
+            <a:endParaRPr lang="en-US" altLang="zh-CN" sz="1000" dirty="0" smtClean="0"/>
+          </a:p>
+          <a:p>
+            <a:endParaRPr lang="en-US" altLang="zh-CN" sz="1000" b="1" dirty="0" smtClean="0"/>
+          </a:p>
+          <a:p>
+            <a:r>
+              <a:rPr lang="zh-CN" altLang="en-US" sz="1000" b="1" dirty="0" smtClean="0"/>
+              <a:t>流表是核心，</a:t>
+            </a:r>
+            <a:r>
+              <a:rPr lang="zh-CN" altLang="en-US" sz="1000" dirty="0" smtClean="0"/>
+              <a:t>流表由一系列连续的表项</a:t>
+            </a:r>
+            <a:r>
+              <a:rPr lang="zh-CN" altLang="en-US" sz="1000" dirty="0" smtClean="0"/>
+              <a:t>组成，每个表项包括</a:t>
+            </a:r>
+            <a:r>
+              <a:rPr lang="en-US" altLang="zh-CN" sz="1000" dirty="0" smtClean="0"/>
+              <a:t>:</a:t>
+            </a:r>
+          </a:p>
+          <a:p>
+            <a:r>
+              <a:rPr lang="zh-CN" altLang="en-US" sz="1000" dirty="0" smtClean="0"/>
+              <a:t>包头</a:t>
+            </a:r>
+            <a:r>
+              <a:rPr lang="zh-CN" altLang="en-US" sz="1000" dirty="0" smtClean="0"/>
+              <a:t>域（</a:t>
+            </a:r>
+            <a:r>
+              <a:rPr lang="en-US" altLang="zh-CN" sz="1000" dirty="0" smtClean="0"/>
+              <a:t>header </a:t>
+            </a:r>
+            <a:r>
+              <a:rPr lang="en-US" altLang="zh-CN" sz="1000" dirty="0" err="1" smtClean="0"/>
+              <a:t>fileds</a:t>
+            </a:r>
+            <a:r>
+              <a:rPr lang="zh-CN" altLang="en-US" sz="1000" dirty="0" smtClean="0"/>
+              <a:t>，匹配包头多个域）、活动</a:t>
+            </a:r>
+            <a:r>
+              <a:rPr lang="zh-CN" altLang="en-US" sz="1000" dirty="0" smtClean="0"/>
+              <a:t>计数器（</a:t>
+            </a:r>
+            <a:r>
+              <a:rPr lang="en-US" altLang="zh-CN" sz="1000" dirty="0" smtClean="0"/>
+              <a:t>counters</a:t>
+            </a:r>
+            <a:r>
+              <a:rPr lang="zh-CN" altLang="en-US" sz="1000" dirty="0" smtClean="0"/>
+              <a:t>）</a:t>
+            </a:r>
+            <a:r>
+              <a:rPr lang="zh-CN" altLang="en-US" sz="1000" dirty="0" smtClean="0"/>
+              <a:t>、</a:t>
+            </a:r>
+            <a:r>
+              <a:rPr lang="en-US" altLang="zh-CN" sz="1000" dirty="0" smtClean="0"/>
+              <a:t>0 </a:t>
+            </a:r>
+            <a:r>
+              <a:rPr lang="zh-CN" altLang="en-US" sz="1000" dirty="0" smtClean="0"/>
+              <a:t>个</a:t>
+            </a:r>
+            <a:r>
+              <a:rPr lang="zh-CN" altLang="en-US" sz="1000" dirty="0" smtClean="0"/>
+              <a:t>或多</a:t>
+            </a:r>
+            <a:r>
+              <a:rPr lang="zh-CN" altLang="en-US" sz="1000" dirty="0" smtClean="0"/>
+              <a:t>个执行行动（</a:t>
+            </a:r>
+            <a:r>
+              <a:rPr lang="en-US" altLang="zh-CN" sz="1000" dirty="0" smtClean="0"/>
+              <a:t>actions</a:t>
+            </a:r>
+            <a:r>
+              <a:rPr lang="zh-CN" altLang="en-US" sz="1000" dirty="0" smtClean="0"/>
+              <a:t>）</a:t>
+            </a:r>
+            <a:r>
+              <a:rPr lang="zh-CN" altLang="en-US" sz="1000" dirty="0" smtClean="0"/>
+              <a:t>。</a:t>
+            </a:r>
+            <a:endParaRPr lang="en-US" altLang="zh-CN" sz="1000" dirty="0" smtClean="0"/>
+          </a:p>
+          <a:p>
+            <a:endParaRPr lang="en-US" altLang="zh-CN" sz="1000" dirty="0" smtClean="0"/>
+          </a:p>
+          <a:p>
+            <a:r>
+              <a:rPr lang="zh-CN" altLang="en-US" sz="1000" dirty="0" smtClean="0"/>
+              <a:t>每个</a:t>
+            </a:r>
+            <a:r>
+              <a:rPr lang="zh-CN" altLang="en-US" sz="1000" dirty="0" smtClean="0"/>
+              <a:t>包按照优先级依次去匹配流表中表项，如果匹配则执行相关策略</a:t>
+            </a:r>
+            <a:r>
+              <a:rPr lang="zh-CN" altLang="en-US" sz="1000" dirty="0" smtClean="0"/>
+              <a:t>，否则</a:t>
+            </a:r>
+            <a:r>
+              <a:rPr lang="zh-CN" altLang="en-US" sz="1000" dirty="0" smtClean="0"/>
+              <a:t>通过</a:t>
+            </a:r>
+            <a:r>
+              <a:rPr lang="zh-CN" altLang="en-US" sz="1000" dirty="0" smtClean="0"/>
+              <a:t>安全</a:t>
+            </a:r>
+            <a:r>
+              <a:rPr lang="zh-CN" altLang="en-US" sz="1000" dirty="0" smtClean="0"/>
+              <a:t>通道将包转发</a:t>
+            </a:r>
+            <a:r>
+              <a:rPr lang="zh-CN" altLang="en-US" sz="1000" dirty="0" smtClean="0"/>
+              <a:t>到</a:t>
+            </a:r>
+            <a:endParaRPr lang="en-US" altLang="zh-CN" sz="1000" dirty="0" smtClean="0"/>
+          </a:p>
+          <a:p>
+            <a:r>
+              <a:rPr lang="zh-CN" altLang="en-US" sz="1000" dirty="0" smtClean="0"/>
+              <a:t>控制器，控制器</a:t>
+            </a:r>
+            <a:r>
+              <a:rPr lang="zh-CN" altLang="en-US" sz="1000" dirty="0" smtClean="0"/>
+              <a:t>来决策相关行为</a:t>
+            </a:r>
+            <a:r>
+              <a:rPr lang="zh-CN" altLang="en-US" sz="1000" dirty="0" smtClean="0"/>
+              <a:t>。</a:t>
+            </a:r>
+            <a:endParaRPr lang="en-US" altLang="zh-CN" sz="1000" dirty="0" smtClean="0"/>
+          </a:p>
+          <a:p>
+            <a:endParaRPr lang="en-US" altLang="zh-CN" sz="1000" dirty="0" smtClean="0"/>
+          </a:p>
+          <a:p>
+            <a:r>
+              <a:rPr lang="zh-CN" altLang="en-US" sz="1000" dirty="0" smtClean="0"/>
+              <a:t>如果拿传统网络中的技术来类比流表，那么流表就</a:t>
+            </a:r>
+            <a:r>
+              <a:rPr lang="zh-CN" altLang="en-US" sz="1000" dirty="0" smtClean="0"/>
+              <a:t>相当于路由</a:t>
+            </a:r>
+            <a:r>
+              <a:rPr lang="zh-CN" altLang="en-US" sz="1000" dirty="0" smtClean="0"/>
+              <a:t>选路中的路由表，交换机中的</a:t>
+            </a:r>
+            <a:r>
+              <a:rPr lang="en-US" altLang="zh-CN" sz="1000" dirty="0" smtClean="0"/>
+              <a:t>MAC</a:t>
+            </a:r>
+            <a:r>
+              <a:rPr lang="zh-CN" altLang="en-US" sz="1000" dirty="0" smtClean="0"/>
+              <a:t>地址表</a:t>
+            </a:r>
+            <a:r>
+              <a:rPr lang="zh-CN" altLang="en-US" sz="1000" dirty="0" smtClean="0"/>
+              <a:t>；</a:t>
+            </a:r>
+            <a:endParaRPr lang="en-US" altLang="zh-CN" sz="1000" dirty="0" smtClean="0"/>
+          </a:p>
+          <a:p>
+            <a:r>
+              <a:rPr lang="zh-CN" altLang="en-US" sz="1000" dirty="0" smtClean="0"/>
+              <a:t>有了</a:t>
+            </a:r>
+            <a:r>
+              <a:rPr lang="zh-CN" altLang="en-US" sz="1000" dirty="0" smtClean="0"/>
+              <a:t>流表，交换机才能进行转发工作</a:t>
+            </a:r>
+            <a:r>
+              <a:rPr lang="zh-CN" altLang="en-US" sz="1000" dirty="0" smtClean="0"/>
+              <a:t>，。</a:t>
+            </a:r>
+            <a:endParaRPr lang="en-US" altLang="zh-CN" sz="1000" dirty="0" smtClean="0"/>
+          </a:p>
+          <a:p>
+            <a:r>
+              <a:rPr lang="zh-CN" altLang="en-US" sz="1000" dirty="0" smtClean="0"/>
+              <a:t>流经</a:t>
+            </a:r>
+            <a:r>
+              <a:rPr lang="zh-CN" altLang="en-US" sz="1000" dirty="0" smtClean="0"/>
+              <a:t>过一个交换机之后，最后结果和传统的路由器相类似：</a:t>
+            </a:r>
+            <a:r>
+              <a:rPr lang="zh-CN" altLang="en-US" sz="1000" dirty="0" smtClean="0"/>
+              <a:t>转发，或者丢弃。</a:t>
+            </a:r>
+            <a:r>
+              <a:rPr lang="zh-CN" altLang="en-US" sz="1000" dirty="0" smtClean="0"/>
+              <a:t/>
+            </a:r>
+            <a:br>
+              <a:rPr lang="zh-CN" altLang="en-US" sz="1000" dirty="0" smtClean="0"/>
+            </a:br>
+            <a:r>
+              <a:rPr lang="zh-CN" altLang="en-US" sz="1000" dirty="0" smtClean="0"/>
+              <a:t>如果</a:t>
+            </a:r>
+            <a:r>
+              <a:rPr lang="zh-CN" altLang="en-US" sz="1000" dirty="0" smtClean="0"/>
+              <a:t>一个交换机同时拥有多张流表，那么比起传统</a:t>
+            </a:r>
+            <a:r>
+              <a:rPr lang="zh-CN" altLang="en-US" sz="1000" dirty="0" smtClean="0"/>
+              <a:t>路由器查</a:t>
+            </a:r>
+            <a:r>
+              <a:rPr lang="zh-CN" altLang="en-US" sz="1000" dirty="0" smtClean="0"/>
+              <a:t>完唯一的一张路由</a:t>
+            </a:r>
+            <a:r>
+              <a:rPr lang="zh-CN" altLang="en-US" sz="1000" dirty="0" smtClean="0"/>
+              <a:t>表以外，</a:t>
+            </a:r>
+            <a:endParaRPr lang="en-US" altLang="zh-CN" sz="1000" dirty="0" smtClean="0"/>
+          </a:p>
+          <a:p>
+            <a:r>
+              <a:rPr lang="zh-CN" altLang="en-US" sz="1000" dirty="0" smtClean="0"/>
+              <a:t>还有</a:t>
+            </a:r>
+            <a:r>
+              <a:rPr lang="zh-CN" altLang="en-US" sz="1000" dirty="0" smtClean="0"/>
+              <a:t>第三种选择：</a:t>
+            </a:r>
+            <a:r>
+              <a:rPr lang="zh-CN" altLang="en-US" sz="1000" dirty="0" smtClean="0"/>
+              <a:t>继续查下一张表。</a:t>
+            </a:r>
+            <a:endParaRPr lang="en-US" altLang="zh-CN" sz="1000" dirty="0" smtClean="0"/>
+          </a:p>
+          <a:p>
+            <a:endParaRPr lang="en-US" altLang="zh-CN" sz="1000" dirty="0" smtClean="0"/>
+          </a:p>
+          <a:p>
+            <a:r>
+              <a:rPr lang="zh-CN" altLang="en-US" sz="1000" dirty="0" smtClean="0"/>
+              <a:t>                                                                                  </a:t>
+            </a:r>
+            <a:r>
+              <a:rPr lang="en-US" altLang="zh-CN" sz="1000" dirty="0" err="1" smtClean="0"/>
+              <a:t>OpenFlow</a:t>
+            </a:r>
+            <a:r>
+              <a:rPr lang="en-US" altLang="zh-CN" sz="1000" dirty="0" smtClean="0"/>
+              <a:t> 1.3</a:t>
+            </a:r>
+            <a:r>
+              <a:rPr lang="zh-CN" altLang="en-US" sz="1000" dirty="0" smtClean="0"/>
+              <a:t>版本之后支持多流表，多控制器，计量表等等</a:t>
+            </a:r>
+            <a:endParaRPr lang="zh-CN" altLang="en-US" sz="1000" dirty="0" smtClean="0"/>
+          </a:p>
+        </p:txBody>
+      </p:sp>
+      <p:pic>
+        <p:nvPicPr>
+          <p:cNvPr id="2051" name="Picture 3"/>
+          <p:cNvPicPr>
+            <a:picLocks noChangeAspect="1" noChangeArrowheads="1"/>
+          </p:cNvPicPr>
+          <p:nvPr/>
+        </p:nvPicPr>
+        <p:blipFill>
+          <a:blip r:embed="rId3"/>
+          <a:srcRect/>
+          <a:stretch>
+            <a:fillRect/>
+          </a:stretch>
+        </p:blipFill>
+        <p:spPr bwMode="auto">
+          <a:xfrm>
+            <a:off x="309522" y="1857364"/>
+            <a:ext cx="5803912" cy="3714776"/>
+          </a:xfrm>
+          <a:prstGeom prst="rect">
+            <a:avLst/>
+          </a:prstGeom>
+          <a:noFill/>
+          <a:ln w="9525">
+            <a:noFill/>
+            <a:miter lim="800000"/>
+            <a:headEnd/>
+            <a:tailEnd/>
+          </a:ln>
+          <a:effectLst/>
+        </p:spPr>
+      </p:pic>
+      <p:pic>
+        <p:nvPicPr>
+          <p:cNvPr id="2053" name="Picture 5"/>
+          <p:cNvPicPr>
+            <a:picLocks noChangeAspect="1" noChangeArrowheads="1"/>
+          </p:cNvPicPr>
+          <p:nvPr/>
+        </p:nvPicPr>
+        <p:blipFill>
+          <a:blip r:embed="rId4"/>
+          <a:srcRect/>
+          <a:stretch>
+            <a:fillRect/>
+          </a:stretch>
+        </p:blipFill>
+        <p:spPr bwMode="auto">
+          <a:xfrm>
+            <a:off x="8596330" y="4572008"/>
+            <a:ext cx="3286148" cy="2071702"/>
+          </a:xfrm>
+          <a:prstGeom prst="rect">
+            <a:avLst/>
+          </a:prstGeom>
+          <a:noFill/>
+          <a:ln w="9525">
+            <a:noFill/>
+            <a:miter lim="800000"/>
+            <a:headEnd/>
+            <a:tailEnd/>
+          </a:ln>
+          <a:effectLst/>
+        </p:spPr>
+      </p:pic>
     </p:spTree>
     <p:extLst>
       <p:ext uri="{BB962C8B-B14F-4D97-AF65-F5344CB8AC3E}">
-        <p14:creationId xmlns:p14="http://schemas.microsoft.com/office/powerpoint/2010/main" xmlns="" val="3620799539"/>
+        <p14:creationId xmlns="" xmlns:p14="http://schemas.microsoft.com/office/powerpoint/2010/main" val="3620799539"/>
       </p:ext>
     </p:extLst>
   </p:cSld>
@@ -7796,7 +7943,7 @@
     <a:masterClrMapping/>
   </p:clrMapOvr>
   <mc:AlternateContent xmlns:mc="http://schemas.openxmlformats.org/markup-compatibility/2006">
-    <mc:Choice xmlns:p14="http://schemas.microsoft.com/office/powerpoint/2010/main" xmlns="" Requires="p14">
+    <mc:Choice xmlns="" xmlns:p14="http://schemas.microsoft.com/office/powerpoint/2010/main" Requires="p14">
       <p:transition p14:dur="0"/>
     </mc:Choice>
     <mc:Fallback>
@@ -7813,7 +7960,7 @@
 </p:sld>
 </file>
 
-<file path=ppt/slides/slide9.xml><?xml version="1.0" encoding="utf-8"?>
+<file path=ppt/slides/slide8.xml><?xml version="1.0" encoding="utf-8"?>
 <p:sld xmlns:a="http://schemas.openxmlformats.org/drawingml/2006/main" xmlns:r="http://schemas.openxmlformats.org/officeDocument/2006/relationships" xmlns:p="http://schemas.openxmlformats.org/presentationml/2006/main">
   <p:cSld>
     <p:spTree>
@@ -7848,7 +7995,7 @@
             <a:fld id="{58D60263-A96F-46DE-8AEE-71093E484CCF}" type="slidenum">
               <a:rPr lang="zh-CN" altLang="en-US" smtClean="0"/>
               <a:pPr/>
-              <a:t>9</a:t>
+              <a:t>8</a:t>
             </a:fld>
             <a:endParaRPr lang="zh-CN" altLang="en-US" dirty="0"/>
           </a:p>
@@ -8192,7 +8339,7 @@
       </p:sp>
       <p:pic>
         <p:nvPicPr>
-          <p:cNvPr id="2" name="Picture 2"/>
+          <p:cNvPr id="4" name="Picture 2"/>
           <p:cNvPicPr>
             <a:picLocks noChangeAspect="1" noChangeArrowheads="1"/>
           </p:cNvPicPr>
@@ -8207,41 +8354,8 @@
         </p:blipFill>
         <p:spPr bwMode="auto">
           <a:xfrm>
-            <a:off x="452398" y="5572140"/>
-            <a:ext cx="3954428" cy="1047747"/>
-          </a:xfrm>
-          <a:prstGeom prst="rect">
-            <a:avLst/>
-          </a:prstGeom>
-          <a:noFill/>
-          <a:ln w="9525">
-            <a:noFill/>
-            <a:miter lim="800000"/>
-            <a:headEnd/>
-            <a:tailEnd/>
-          </a:ln>
-          <a:effectLst/>
-        </p:spPr>
-      </p:pic>
-      <p:pic>
-        <p:nvPicPr>
-          <p:cNvPr id="4" name="Picture 2"/>
-          <p:cNvPicPr>
-            <a:picLocks noChangeAspect="1" noChangeArrowheads="1"/>
-          </p:cNvPicPr>
-          <p:nvPr/>
-        </p:nvPicPr>
-        <p:blipFill>
-          <a:blip r:embed="rId5"/>
-          <a:srcRect/>
-          <a:stretch>
-            <a:fillRect/>
-          </a:stretch>
-        </p:blipFill>
-        <p:spPr bwMode="auto">
-          <a:xfrm>
-            <a:off x="523836" y="3000372"/>
-            <a:ext cx="6572250" cy="209550"/>
+            <a:off x="595273" y="3000372"/>
+            <a:ext cx="4572032" cy="209550"/>
           </a:xfrm>
           <a:prstGeom prst="rect">
             <a:avLst/>
@@ -8265,6 +8379,39 @@
           <p:nvPr/>
         </p:nvPicPr>
         <p:blipFill>
+          <a:blip r:embed="rId5"/>
+          <a:srcRect/>
+          <a:stretch>
+            <a:fillRect/>
+          </a:stretch>
+        </p:blipFill>
+        <p:spPr bwMode="auto">
+          <a:xfrm>
+            <a:off x="595274" y="3214686"/>
+            <a:ext cx="4572031" cy="1500198"/>
+          </a:xfrm>
+          <a:prstGeom prst="rect">
+            <a:avLst/>
+          </a:prstGeom>
+          <a:noFill/>
+          <a:ln w="9525">
+            <a:noFill/>
+            <a:miter lim="800000"/>
+            <a:headEnd/>
+            <a:tailEnd/>
+          </a:ln>
+          <a:effectLst/>
+        </p:spPr>
+      </p:pic>
+      <p:pic>
+        <p:nvPicPr>
+          <p:cNvPr id="1026" name="Picture 2"/>
+          <p:cNvPicPr>
+            <a:picLocks noChangeAspect="1" noChangeArrowheads="1"/>
+          </p:cNvPicPr>
+          <p:nvPr/>
+        </p:nvPicPr>
+        <p:blipFill>
           <a:blip r:embed="rId6"/>
           <a:srcRect/>
           <a:stretch>
@@ -8273,8 +8420,682 @@
         </p:blipFill>
         <p:spPr bwMode="auto">
           <a:xfrm>
-            <a:off x="523837" y="3214686"/>
-            <a:ext cx="6572296" cy="1785950"/>
+            <a:off x="3595670" y="4857760"/>
+            <a:ext cx="3214710" cy="1714512"/>
+          </a:xfrm>
+          <a:prstGeom prst="rect">
+            <a:avLst/>
+          </a:prstGeom>
+          <a:noFill/>
+          <a:ln w="9525">
+            <a:noFill/>
+            <a:miter lim="800000"/>
+            <a:headEnd/>
+            <a:tailEnd/>
+          </a:ln>
+          <a:effectLst/>
+        </p:spPr>
+      </p:pic>
+      <p:pic>
+        <p:nvPicPr>
+          <p:cNvPr id="2" name="Picture 2"/>
+          <p:cNvPicPr>
+            <a:picLocks noChangeAspect="1" noChangeArrowheads="1"/>
+          </p:cNvPicPr>
+          <p:nvPr/>
+        </p:nvPicPr>
+        <p:blipFill>
+          <a:blip r:embed="rId7"/>
+          <a:srcRect/>
+          <a:stretch>
+            <a:fillRect/>
+          </a:stretch>
+        </p:blipFill>
+        <p:spPr bwMode="auto">
+          <a:xfrm>
+            <a:off x="523836" y="5643578"/>
+            <a:ext cx="2849430" cy="928694"/>
+          </a:xfrm>
+          <a:prstGeom prst="rect">
+            <a:avLst/>
+          </a:prstGeom>
+          <a:noFill/>
+          <a:ln w="9525">
+            <a:noFill/>
+            <a:miter lim="800000"/>
+            <a:headEnd/>
+            <a:tailEnd/>
+          </a:ln>
+          <a:effectLst/>
+        </p:spPr>
+      </p:pic>
+      <p:sp>
+        <p:nvSpPr>
+          <p:cNvPr id="13" name="矩形 12"/>
+          <p:cNvSpPr/>
+          <p:nvPr/>
+        </p:nvSpPr>
+        <p:spPr>
+          <a:xfrm>
+            <a:off x="1023902" y="5429264"/>
+            <a:ext cx="1980029" cy="246221"/>
+          </a:xfrm>
+          <a:prstGeom prst="rect">
+            <a:avLst/>
+          </a:prstGeom>
+        </p:spPr>
+        <p:txBody>
+          <a:bodyPr wrap="none">
+            <a:spAutoFit/>
+          </a:bodyPr>
+          <a:lstStyle/>
+          <a:p>
+            <a:r>
+              <a:rPr lang="zh-CN" altLang="en-US" sz="1000" dirty="0" smtClean="0"/>
+              <a:t>使用命令行来启动</a:t>
+            </a:r>
+            <a:r>
+              <a:rPr lang="zh-CN" altLang="en-US" sz="1000" dirty="0" smtClean="0"/>
+              <a:t>一个最小</a:t>
+            </a:r>
+            <a:r>
+              <a:rPr lang="zh-CN" altLang="en-US" sz="1000" dirty="0" smtClean="0"/>
+              <a:t>拓扑</a:t>
+            </a:r>
+            <a:endParaRPr lang="en-US" altLang="zh-CN" sz="1000" dirty="0" smtClean="0"/>
+          </a:p>
+        </p:txBody>
+      </p:sp>
+      <p:pic>
+        <p:nvPicPr>
+          <p:cNvPr id="1028" name="Picture 4"/>
+          <p:cNvPicPr>
+            <a:picLocks noChangeAspect="1" noChangeArrowheads="1"/>
+          </p:cNvPicPr>
+          <p:nvPr/>
+        </p:nvPicPr>
+        <p:blipFill>
+          <a:blip r:embed="rId8"/>
+          <a:srcRect/>
+          <a:stretch>
+            <a:fillRect/>
+          </a:stretch>
+        </p:blipFill>
+        <p:spPr bwMode="auto">
+          <a:xfrm>
+            <a:off x="6953256" y="3500438"/>
+            <a:ext cx="4857784" cy="3071834"/>
+          </a:xfrm>
+          <a:prstGeom prst="rect">
+            <a:avLst/>
+          </a:prstGeom>
+          <a:noFill/>
+          <a:ln w="9525">
+            <a:noFill/>
+            <a:miter lim="800000"/>
+            <a:headEnd/>
+            <a:tailEnd/>
+          </a:ln>
+          <a:effectLst/>
+        </p:spPr>
+      </p:pic>
+      <p:sp>
+        <p:nvSpPr>
+          <p:cNvPr id="16" name="矩形 15"/>
+          <p:cNvSpPr/>
+          <p:nvPr/>
+        </p:nvSpPr>
+        <p:spPr>
+          <a:xfrm>
+            <a:off x="6881818" y="2571744"/>
+            <a:ext cx="5453737" cy="861774"/>
+          </a:xfrm>
+          <a:prstGeom prst="rect">
+            <a:avLst/>
+          </a:prstGeom>
+        </p:spPr>
+        <p:txBody>
+          <a:bodyPr wrap="none">
+            <a:spAutoFit/>
+          </a:bodyPr>
+          <a:lstStyle/>
+          <a:p>
+            <a:r>
+              <a:rPr lang="zh-CN" altLang="en-US" sz="1000" dirty="0" smtClean="0"/>
+              <a:t>当使用默认的拓扑结构建立起</a:t>
+            </a:r>
+            <a:r>
+              <a:rPr lang="en-US" altLang="zh-CN" sz="1000" dirty="0" err="1" smtClean="0"/>
+              <a:t>Mininet</a:t>
+            </a:r>
+            <a:r>
+              <a:rPr lang="en-US" altLang="zh-CN" sz="1000" dirty="0" smtClean="0"/>
+              <a:t> </a:t>
+            </a:r>
+            <a:r>
+              <a:rPr lang="zh-CN" altLang="en-US" sz="1000" dirty="0" smtClean="0"/>
+              <a:t>仿真环境后，</a:t>
+            </a:r>
+            <a:r>
+              <a:rPr lang="en-US" altLang="zh-CN" sz="1000" dirty="0" err="1" smtClean="0"/>
+              <a:t>OpenFlow</a:t>
+            </a:r>
+            <a:r>
+              <a:rPr lang="zh-CN" altLang="en-US" sz="1000" dirty="0" smtClean="0"/>
+              <a:t>控制器和交换机就</a:t>
+            </a:r>
+            <a:r>
+              <a:rPr lang="zh-CN" altLang="en-US" sz="1000" dirty="0" smtClean="0"/>
+              <a:t>启动</a:t>
+            </a:r>
+            <a:endParaRPr lang="en-US" altLang="zh-CN" sz="1000" dirty="0" smtClean="0"/>
+          </a:p>
+          <a:p>
+            <a:r>
+              <a:rPr lang="en-US" altLang="zh-CN" sz="1000" dirty="0" err="1" smtClean="0"/>
+              <a:t>OpenFlow</a:t>
+            </a:r>
+            <a:r>
+              <a:rPr lang="zh-CN" altLang="en-US" sz="1000" dirty="0" smtClean="0"/>
+              <a:t>协议的通信</a:t>
+            </a:r>
+            <a:r>
+              <a:rPr lang="zh-CN" altLang="en-US" sz="1000" dirty="0" smtClean="0"/>
+              <a:t>，这时</a:t>
+            </a:r>
+            <a:r>
+              <a:rPr lang="zh-CN" altLang="en-US" sz="1000" dirty="0" smtClean="0"/>
+              <a:t>便可以在</a:t>
+            </a:r>
+            <a:r>
+              <a:rPr lang="en-US" altLang="zh-CN" sz="1000" dirty="0" err="1" smtClean="0"/>
+              <a:t>Wireshark</a:t>
+            </a:r>
+            <a:r>
+              <a:rPr lang="zh-CN" altLang="en-US" sz="1000" dirty="0" smtClean="0"/>
+              <a:t>的</a:t>
+            </a:r>
+            <a:r>
+              <a:rPr lang="zh-CN" altLang="en-US" sz="1000" dirty="0" smtClean="0"/>
+              <a:t>捕获窗口</a:t>
+            </a:r>
+            <a:r>
+              <a:rPr lang="zh-CN" altLang="en-US" sz="1000" dirty="0" smtClean="0"/>
+              <a:t>查看捕获的数据包了</a:t>
+            </a:r>
+            <a:r>
+              <a:rPr lang="zh-CN" altLang="en-US" sz="1000" dirty="0" smtClean="0"/>
+              <a:t>。</a:t>
+            </a:r>
+            <a:endParaRPr lang="en-US" altLang="zh-CN" sz="1000" dirty="0" smtClean="0"/>
+          </a:p>
+          <a:p>
+            <a:r>
+              <a:rPr lang="zh-CN" altLang="en-US" sz="1000" dirty="0" smtClean="0"/>
+              <a:t>控制器默认监听端口是 </a:t>
+            </a:r>
+            <a:r>
+              <a:rPr lang="en-US" altLang="zh-CN" sz="1000" dirty="0" smtClean="0"/>
+              <a:t>6633</a:t>
+            </a:r>
+            <a:endParaRPr lang="en-US" altLang="zh-CN" sz="1000" dirty="0" smtClean="0"/>
+          </a:p>
+          <a:p>
+            <a:r>
+              <a:rPr lang="zh-CN" altLang="en-US" sz="1000" dirty="0" smtClean="0"/>
+              <a:t>从中</a:t>
+            </a:r>
+            <a:r>
+              <a:rPr lang="zh-CN" altLang="en-US" sz="1000" dirty="0" smtClean="0"/>
+              <a:t>可以观察</a:t>
+            </a:r>
+            <a:r>
+              <a:rPr lang="zh-CN" altLang="en-US" sz="1000" dirty="0" smtClean="0"/>
+              <a:t>到握手</a:t>
+            </a:r>
+            <a:r>
+              <a:rPr lang="zh-CN" altLang="en-US" sz="1000" dirty="0" smtClean="0"/>
+              <a:t>（</a:t>
+            </a:r>
+            <a:r>
+              <a:rPr lang="en-US" altLang="zh-CN" sz="1000" dirty="0" smtClean="0"/>
+              <a:t>Hello</a:t>
+            </a:r>
+            <a:r>
+              <a:rPr lang="zh-CN" altLang="en-US" sz="1000" dirty="0" smtClean="0"/>
+              <a:t>）消息</a:t>
+            </a:r>
+            <a:r>
+              <a:rPr lang="zh-CN" altLang="en-US" sz="1000" dirty="0" smtClean="0"/>
+              <a:t>，特性</a:t>
+            </a:r>
+            <a:r>
+              <a:rPr lang="zh-CN" altLang="en-US" sz="1000" dirty="0" smtClean="0"/>
+              <a:t>（</a:t>
+            </a:r>
+            <a:r>
+              <a:rPr lang="en-US" altLang="zh-CN" sz="1000" dirty="0" smtClean="0"/>
+              <a:t>feature</a:t>
+            </a:r>
+            <a:r>
+              <a:rPr lang="zh-CN" altLang="en-US" sz="1000" dirty="0" smtClean="0"/>
+              <a:t>）</a:t>
+            </a:r>
+            <a:r>
+              <a:rPr lang="zh-CN" altLang="en-US" sz="1000" dirty="0" smtClean="0"/>
+              <a:t>请求和</a:t>
+            </a:r>
+            <a:r>
+              <a:rPr lang="zh-CN" altLang="en-US" sz="1000" dirty="0" smtClean="0"/>
+              <a:t>响应消息，以及若干</a:t>
+            </a:r>
+            <a:r>
+              <a:rPr lang="zh-CN" altLang="en-US" sz="1000" dirty="0" smtClean="0"/>
+              <a:t>数据包消息，</a:t>
+            </a:r>
+            <a:endParaRPr lang="en-US" altLang="zh-CN" sz="1000" dirty="0" smtClean="0"/>
+          </a:p>
+          <a:p>
+            <a:r>
+              <a:rPr lang="zh-CN" altLang="en-US" sz="1000" dirty="0" smtClean="0"/>
+              <a:t>可见</a:t>
+            </a:r>
+            <a:r>
+              <a:rPr lang="en-US" altLang="zh-CN" sz="1000" dirty="0" err="1" smtClean="0"/>
+              <a:t>OpenFlow</a:t>
+            </a:r>
+            <a:r>
+              <a:rPr lang="zh-CN" altLang="en-US" sz="1000" dirty="0" smtClean="0"/>
+              <a:t>交换机已经与</a:t>
+            </a:r>
+            <a:r>
+              <a:rPr lang="en-US" altLang="zh-CN" sz="1000" dirty="0" err="1" smtClean="0"/>
+              <a:t>OpenFlow</a:t>
+            </a:r>
+            <a:r>
+              <a:rPr lang="zh-CN" altLang="en-US" sz="1000" dirty="0" smtClean="0"/>
+              <a:t>控制器建立起了连接。</a:t>
+            </a:r>
+            <a:endParaRPr lang="zh-CN" altLang="en-US" sz="1000" dirty="0"/>
+          </a:p>
+        </p:txBody>
+      </p:sp>
+      <p:sp>
+        <p:nvSpPr>
+          <p:cNvPr id="17" name="矩形 16"/>
+          <p:cNvSpPr/>
+          <p:nvPr/>
+        </p:nvSpPr>
+        <p:spPr>
+          <a:xfrm>
+            <a:off x="881026" y="6611779"/>
+            <a:ext cx="2165978" cy="246221"/>
+          </a:xfrm>
+          <a:prstGeom prst="rect">
+            <a:avLst/>
+          </a:prstGeom>
+        </p:spPr>
+        <p:txBody>
+          <a:bodyPr wrap="none">
+            <a:spAutoFit/>
+          </a:bodyPr>
+          <a:lstStyle/>
+          <a:p>
+            <a:r>
+              <a:rPr lang="zh-CN" altLang="en-US" sz="1000" dirty="0" smtClean="0"/>
+              <a:t>也可以使用</a:t>
+            </a:r>
+            <a:r>
+              <a:rPr lang="en-US" altLang="zh-CN" sz="1000" dirty="0" smtClean="0"/>
+              <a:t>python API</a:t>
+            </a:r>
+            <a:r>
+              <a:rPr lang="zh-CN" altLang="en-US" sz="1000" dirty="0" smtClean="0"/>
+              <a:t>来自定义拓扑</a:t>
+            </a:r>
+            <a:endParaRPr lang="en-US" altLang="zh-CN" sz="1000" dirty="0" smtClean="0"/>
+          </a:p>
+        </p:txBody>
+      </p:sp>
+    </p:spTree>
+    <p:extLst>
+      <p:ext uri="{BB962C8B-B14F-4D97-AF65-F5344CB8AC3E}">
+        <p14:creationId xmlns="" xmlns:p14="http://schemas.microsoft.com/office/powerpoint/2010/main" val="3620799539"/>
+      </p:ext>
+    </p:extLst>
+  </p:cSld>
+  <p:clrMapOvr>
+    <a:masterClrMapping/>
+  </p:clrMapOvr>
+  <mc:AlternateContent xmlns:mc="http://schemas.openxmlformats.org/markup-compatibility/2006">
+    <mc:Choice xmlns="" xmlns:p14="http://schemas.microsoft.com/office/powerpoint/2010/main" Requires="p14">
+      <p:transition p14:dur="0"/>
+    </mc:Choice>
+    <mc:Fallback>
+      <p:transition/>
+    </mc:Fallback>
+  </mc:AlternateContent>
+  <p:timing>
+    <p:tnLst>
+      <p:par>
+        <p:cTn id="1" dur="indefinite" restart="never" nodeType="tmRoot"/>
+      </p:par>
+    </p:tnLst>
+  </p:timing>
+</p:sld>
+</file>
+
+<file path=ppt/slides/slide9.xml><?xml version="1.0" encoding="utf-8"?>
+<p:sld xmlns:a="http://schemas.openxmlformats.org/drawingml/2006/main" xmlns:r="http://schemas.openxmlformats.org/officeDocument/2006/relationships" xmlns:p="http://schemas.openxmlformats.org/presentationml/2006/main">
+  <p:cSld>
+    <p:spTree>
+      <p:nvGrpSpPr>
+        <p:cNvPr id="1" name=""/>
+        <p:cNvGrpSpPr/>
+        <p:nvPr/>
+      </p:nvGrpSpPr>
+      <p:grpSpPr>
+        <a:xfrm>
+          <a:off x="0" y="0"/>
+          <a:ext cx="0" cy="0"/>
+          <a:chOff x="0" y="0"/>
+          <a:chExt cx="0" cy="0"/>
+        </a:xfrm>
+      </p:grpSpPr>
+      <p:sp>
+        <p:nvSpPr>
+          <p:cNvPr id="3" name="灯片编号占位符 2"/>
+          <p:cNvSpPr>
+            <a:spLocks noGrp="1"/>
+          </p:cNvSpPr>
+          <p:nvPr>
+            <p:ph type="sldNum" sz="quarter" idx="12"/>
+          </p:nvPr>
+        </p:nvSpPr>
+        <p:spPr/>
+        <p:txBody>
+          <a:bodyPr/>
+          <a:lstStyle/>
+          <a:p>
+            <a:fld id="{58D60263-A96F-46DE-8AEE-71093E484CCF}" type="slidenum">
+              <a:rPr lang="zh-CN" altLang="en-US" smtClean="0"/>
+              <a:pPr/>
+              <a:t>9</a:t>
+            </a:fld>
+            <a:endParaRPr lang="zh-CN" altLang="en-US" dirty="0"/>
+          </a:p>
+        </p:txBody>
+      </p:sp>
+      <p:sp>
+        <p:nvSpPr>
+          <p:cNvPr id="35" name="矩形 34"/>
+          <p:cNvSpPr/>
+          <p:nvPr/>
+        </p:nvSpPr>
+        <p:spPr>
+          <a:xfrm>
+            <a:off x="377952" y="382016"/>
+            <a:ext cx="207264" cy="609600"/>
+          </a:xfrm>
+          <a:prstGeom prst="rect">
+            <a:avLst/>
+          </a:prstGeom>
+          <a:solidFill>
+            <a:srgbClr val="FC611F"/>
+          </a:solidFill>
+          <a:ln>
+            <a:solidFill>
+              <a:srgbClr val="FC611F"/>
+            </a:solidFill>
+          </a:ln>
+        </p:spPr>
+        <p:style>
+          <a:lnRef idx="2">
+            <a:schemeClr val="accent1">
+              <a:shade val="50000"/>
+            </a:schemeClr>
+          </a:lnRef>
+          <a:fillRef idx="1">
+            <a:schemeClr val="accent1"/>
+          </a:fillRef>
+          <a:effectRef idx="0">
+            <a:schemeClr val="accent1"/>
+          </a:effectRef>
+          <a:fontRef idx="minor">
+            <a:schemeClr val="lt1"/>
+          </a:fontRef>
+        </p:style>
+        <p:txBody>
+          <a:bodyPr rtlCol="0" anchor="ctr"/>
+          <a:lstStyle/>
+          <a:p>
+            <a:pPr algn="ctr"/>
+            <a:endParaRPr lang="zh-CN" altLang="en-US" sz="2400" dirty="0">
+              <a:ea typeface="微软雅黑" panose="020B0503020204020204" pitchFamily="34" charset="-122"/>
+            </a:endParaRPr>
+          </a:p>
+        </p:txBody>
+      </p:sp>
+      <p:cxnSp>
+        <p:nvCxnSpPr>
+          <p:cNvPr id="36" name="直接连接符 35"/>
+          <p:cNvCxnSpPr/>
+          <p:nvPr/>
+        </p:nvCxnSpPr>
+        <p:spPr>
+          <a:xfrm>
+            <a:off x="670560" y="382016"/>
+            <a:ext cx="0" cy="609600"/>
+          </a:xfrm>
+          <a:prstGeom prst="line">
+            <a:avLst/>
+          </a:prstGeom>
+          <a:ln w="38100">
+            <a:solidFill>
+              <a:srgbClr val="FC611F"/>
+            </a:solidFill>
+          </a:ln>
+        </p:spPr>
+        <p:style>
+          <a:lnRef idx="1">
+            <a:schemeClr val="accent1"/>
+          </a:lnRef>
+          <a:fillRef idx="0">
+            <a:schemeClr val="accent1"/>
+          </a:fillRef>
+          <a:effectRef idx="0">
+            <a:schemeClr val="accent1"/>
+          </a:effectRef>
+          <a:fontRef idx="minor">
+            <a:schemeClr val="tx1"/>
+          </a:fontRef>
+        </p:style>
+      </p:cxnSp>
+      <p:sp>
+        <p:nvSpPr>
+          <p:cNvPr id="37" name="矩形 36"/>
+          <p:cNvSpPr/>
+          <p:nvPr/>
+        </p:nvSpPr>
+        <p:spPr>
+          <a:xfrm>
+            <a:off x="687690" y="440667"/>
+            <a:ext cx="3479483" cy="913199"/>
+          </a:xfrm>
+          <a:prstGeom prst="rect">
+            <a:avLst/>
+          </a:prstGeom>
+        </p:spPr>
+        <p:txBody>
+          <a:bodyPr wrap="square">
+            <a:spAutoFit/>
+          </a:bodyPr>
+          <a:lstStyle/>
+          <a:p>
+            <a:r>
+              <a:rPr lang="en-US" altLang="zh-CN" sz="2667" b="1" dirty="0" smtClean="0">
+                <a:solidFill>
+                  <a:srgbClr val="FC611F"/>
+                </a:solidFill>
+                <a:latin typeface="Arial Unicode MS" pitchFamily="34" charset="-122"/>
+                <a:ea typeface="Arial Unicode MS" pitchFamily="34" charset="-122"/>
+                <a:cs typeface="Arial Unicode MS" pitchFamily="34" charset="-122"/>
+              </a:rPr>
+              <a:t>ONF </a:t>
+            </a:r>
+            <a:r>
+              <a:rPr lang="en-US" altLang="zh-CN" sz="2667" b="1" dirty="0" err="1" smtClean="0">
+                <a:solidFill>
+                  <a:srgbClr val="FC611F"/>
+                </a:solidFill>
+                <a:latin typeface="Arial Unicode MS" pitchFamily="34" charset="-122"/>
+                <a:ea typeface="Arial Unicode MS" pitchFamily="34" charset="-122"/>
+                <a:cs typeface="Arial Unicode MS" pitchFamily="34" charset="-122"/>
+              </a:rPr>
+              <a:t>vs</a:t>
+            </a:r>
+            <a:r>
+              <a:rPr lang="en-US" altLang="zh-CN" sz="2667" b="1" dirty="0" smtClean="0">
+                <a:solidFill>
+                  <a:srgbClr val="FC611F"/>
+                </a:solidFill>
+                <a:latin typeface="Arial Unicode MS" pitchFamily="34" charset="-122"/>
+                <a:ea typeface="Arial Unicode MS" pitchFamily="34" charset="-122"/>
+                <a:cs typeface="Arial Unicode MS" pitchFamily="34" charset="-122"/>
+              </a:rPr>
+              <a:t> ODL</a:t>
+            </a:r>
+          </a:p>
+          <a:p>
+            <a:endParaRPr lang="zh-CN" altLang="en-US" sz="2667" b="1" dirty="0">
+              <a:solidFill>
+                <a:srgbClr val="FC611F"/>
+              </a:solidFill>
+              <a:latin typeface="Arial Unicode MS" pitchFamily="34" charset="-122"/>
+              <a:ea typeface="Arial Unicode MS" pitchFamily="34" charset="-122"/>
+              <a:cs typeface="Arial Unicode MS" pitchFamily="34" charset="-122"/>
+            </a:endParaRPr>
+          </a:p>
+        </p:txBody>
+      </p:sp>
+      <p:pic>
+        <p:nvPicPr>
+          <p:cNvPr id="3074" name="Picture 2"/>
+          <p:cNvPicPr>
+            <a:picLocks noChangeAspect="1" noChangeArrowheads="1"/>
+          </p:cNvPicPr>
+          <p:nvPr/>
+        </p:nvPicPr>
+        <p:blipFill>
+          <a:blip r:embed="rId2"/>
+          <a:srcRect/>
+          <a:stretch>
+            <a:fillRect/>
+          </a:stretch>
+        </p:blipFill>
+        <p:spPr bwMode="auto">
+          <a:xfrm>
+            <a:off x="8024826" y="1071546"/>
+            <a:ext cx="3071834" cy="5429288"/>
+          </a:xfrm>
+          <a:prstGeom prst="rect">
+            <a:avLst/>
+          </a:prstGeom>
+          <a:noFill/>
+          <a:ln w="9525">
+            <a:noFill/>
+            <a:miter lim="800000"/>
+            <a:headEnd/>
+            <a:tailEnd/>
+          </a:ln>
+          <a:effectLst/>
+        </p:spPr>
+      </p:pic>
+      <p:pic>
+        <p:nvPicPr>
+          <p:cNvPr id="3075" name="Picture 3"/>
+          <p:cNvPicPr>
+            <a:picLocks noChangeAspect="1" noChangeArrowheads="1"/>
+          </p:cNvPicPr>
+          <p:nvPr/>
+        </p:nvPicPr>
+        <p:blipFill>
+          <a:blip r:embed="rId3"/>
+          <a:srcRect/>
+          <a:stretch>
+            <a:fillRect/>
+          </a:stretch>
+        </p:blipFill>
+        <p:spPr bwMode="auto">
+          <a:xfrm>
+            <a:off x="309522" y="1071546"/>
+            <a:ext cx="7643866" cy="3214710"/>
+          </a:xfrm>
+          <a:prstGeom prst="rect">
+            <a:avLst/>
+          </a:prstGeom>
+          <a:noFill/>
+          <a:ln w="9525">
+            <a:noFill/>
+            <a:miter lim="800000"/>
+            <a:headEnd/>
+            <a:tailEnd/>
+          </a:ln>
+          <a:effectLst/>
+        </p:spPr>
+      </p:pic>
+      <p:pic>
+        <p:nvPicPr>
+          <p:cNvPr id="3076" name="Picture 4"/>
+          <p:cNvPicPr>
+            <a:picLocks noChangeAspect="1" noChangeArrowheads="1"/>
+          </p:cNvPicPr>
+          <p:nvPr/>
+        </p:nvPicPr>
+        <p:blipFill>
+          <a:blip r:embed="rId4"/>
+          <a:srcRect/>
+          <a:stretch>
+            <a:fillRect/>
+          </a:stretch>
+        </p:blipFill>
+        <p:spPr bwMode="auto">
+          <a:xfrm>
+            <a:off x="309522" y="4357694"/>
+            <a:ext cx="3667125" cy="2143122"/>
+          </a:xfrm>
+          <a:prstGeom prst="rect">
+            <a:avLst/>
+          </a:prstGeom>
+          <a:noFill/>
+          <a:ln w="9525">
+            <a:noFill/>
+            <a:miter lim="800000"/>
+            <a:headEnd/>
+            <a:tailEnd/>
+          </a:ln>
+          <a:effectLst/>
+        </p:spPr>
+      </p:pic>
+      <p:pic>
+        <p:nvPicPr>
+          <p:cNvPr id="3077" name="Picture 5"/>
+          <p:cNvPicPr>
+            <a:picLocks noChangeAspect="1" noChangeArrowheads="1"/>
+          </p:cNvPicPr>
+          <p:nvPr/>
+        </p:nvPicPr>
+        <p:blipFill>
+          <a:blip r:embed="rId5"/>
+          <a:srcRect/>
+          <a:stretch>
+            <a:fillRect/>
+          </a:stretch>
+        </p:blipFill>
+        <p:spPr bwMode="auto">
+          <a:xfrm>
+            <a:off x="3952861" y="4357694"/>
+            <a:ext cx="4000528" cy="2143140"/>
           </a:xfrm>
           <a:prstGeom prst="rect">
             <a:avLst/>
@@ -8292,7 +9113,7 @@
     </p:spTree>
     <p:extLst>
       <p:ext uri="{BB962C8B-B14F-4D97-AF65-F5344CB8AC3E}">
-        <p14:creationId xmlns:p14="http://schemas.microsoft.com/office/powerpoint/2010/main" xmlns="" val="3620799539"/>
+        <p14:creationId xmlns="" xmlns:p14="http://schemas.microsoft.com/office/powerpoint/2010/main" val="3221807754"/>
       </p:ext>
     </p:extLst>
   </p:cSld>
@@ -8300,7 +9121,7 @@
     <a:masterClrMapping/>
   </p:clrMapOvr>
   <mc:AlternateContent xmlns:mc="http://schemas.openxmlformats.org/markup-compatibility/2006">
-    <mc:Choice xmlns:p14="http://schemas.microsoft.com/office/powerpoint/2010/main" xmlns="" Requires="p14">
+    <mc:Choice xmlns="" xmlns:p14="http://schemas.microsoft.com/office/powerpoint/2010/main" Requires="p14">
       <p:transition p14:dur="0"/>
     </mc:Choice>
     <mc:Fallback>
@@ -8889,7 +9710,7 @@
   <a:extraClrSchemeLst/>
   <a:extLst>
     <a:ext uri="{05A4C25C-085E-4340-85A3-A5531E510DB2}">
-      <thm15:themeFamily xmlns:thm15="http://schemas.microsoft.com/office/thememl/2012/main" xmlns="" name="Office Theme" id="{62F939B6-93AF-4DB8-9C6B-D6C7DFDC589F}" vid="{4A3C46E8-61CC-4603-A589-7422A47A8E4A}"/>
+      <thm15:themeFamily xmlns="" xmlns:thm15="http://schemas.microsoft.com/office/thememl/2012/main" name="Office Theme" id="{62F939B6-93AF-4DB8-9C6B-D6C7DFDC589F}" vid="{4A3C46E8-61CC-4603-A589-7422A47A8E4A}"/>
     </a:ext>
   </a:extLst>
 </a:theme>

--- a/SDN/SDN入门之旅.pptx
+++ b/SDN/SDN入门之旅.pptx
@@ -118,7 +118,7 @@
   </p:defaultTextStyle>
   <p:extLst>
     <p:ext uri="{521415D9-36F7-43E2-AB2F-B90AF26B5E84}">
-      <p14:sectionLst xmlns="" xmlns:p14="http://schemas.microsoft.com/office/powerpoint/2010/main">
+      <p14:sectionLst xmlns:p14="http://schemas.microsoft.com/office/powerpoint/2010/main" xmlns="">
         <p14:section name="封面" id="{972EC65A-60A7-44FD-BCE6-5D48DACA9F5C}">
           <p14:sldIdLst>
             <p14:sldId id="292"/>
@@ -256,7 +256,7 @@
       </p14:sectionLst>
     </p:ext>
     <p:ext uri="{EFAFB233-063F-42B5-8137-9DF3F51BA10A}">
-      <p15:sldGuideLst xmlns="" xmlns:p15="http://schemas.microsoft.com/office/powerpoint/2012/main">
+      <p15:sldGuideLst xmlns:p15="http://schemas.microsoft.com/office/powerpoint/2012/main" xmlns="">
         <p15:guide id="1" orient="horz" pos="3748" userDrawn="1">
           <p15:clr>
             <a:srgbClr val="A4A3A4"/>
@@ -356,7 +356,7 @@
             <a:fld id="{DA0D49B4-D9C2-456E-8C06-A1E83D0C7B6A}" type="datetimeFigureOut">
               <a:rPr lang="zh-CN" altLang="en-US" smtClean="0"/>
               <a:pPr/>
-              <a:t>2018/7/6</a:t>
+              <a:t>2018/7/23</a:t>
             </a:fld>
             <a:endParaRPr lang="zh-CN" altLang="en-US"/>
           </a:p>
@@ -524,7 +524,7 @@
     </p:spTree>
     <p:extLst>
       <p:ext uri="{BB962C8B-B14F-4D97-AF65-F5344CB8AC3E}">
-        <p14:creationId xmlns="" xmlns:p14="http://schemas.microsoft.com/office/powerpoint/2010/main" val="3407794156"/>
+        <p14:creationId xmlns:p14="http://schemas.microsoft.com/office/powerpoint/2010/main" xmlns="" val="3407794156"/>
       </p:ext>
     </p:extLst>
   </p:cSld>
@@ -804,7 +804,7 @@
             <a:fld id="{530820CF-B880-4189-942D-D702A7CBA730}" type="datetimeFigureOut">
               <a:rPr lang="zh-CN" altLang="en-US" smtClean="0"/>
               <a:pPr/>
-              <a:t>2018/7/6</a:t>
+              <a:t>2018/7/23</a:t>
             </a:fld>
             <a:endParaRPr lang="zh-CN" altLang="en-US"/>
           </a:p>
@@ -859,7 +859,7 @@
     <a:masterClrMapping/>
   </p:clrMapOvr>
   <mc:AlternateContent xmlns:mc="http://schemas.openxmlformats.org/markup-compatibility/2006">
-    <mc:Choice xmlns="" xmlns:p14="http://schemas.microsoft.com/office/powerpoint/2010/main" Requires="p14">
+    <mc:Choice xmlns:p14="http://schemas.microsoft.com/office/powerpoint/2010/main" xmlns="" Requires="p14">
       <p:transition spd="slow" p14:dur="1500">
         <p:random/>
       </p:transition>
@@ -981,7 +981,7 @@
             <a:fld id="{530820CF-B880-4189-942D-D702A7CBA730}" type="datetimeFigureOut">
               <a:rPr lang="zh-CN" altLang="en-US" smtClean="0"/>
               <a:pPr/>
-              <a:t>2018/7/6</a:t>
+              <a:t>2018/7/23</a:t>
             </a:fld>
             <a:endParaRPr lang="zh-CN" altLang="en-US"/>
           </a:p>
@@ -1036,7 +1036,7 @@
     <a:masterClrMapping/>
   </p:clrMapOvr>
   <mc:AlternateContent xmlns:mc="http://schemas.openxmlformats.org/markup-compatibility/2006">
-    <mc:Choice xmlns="" xmlns:p14="http://schemas.microsoft.com/office/powerpoint/2010/main" Requires="p14">
+    <mc:Choice xmlns:p14="http://schemas.microsoft.com/office/powerpoint/2010/main" xmlns="" Requires="p14">
       <p:transition spd="slow" p14:dur="1500">
         <p:random/>
       </p:transition>
@@ -1168,7 +1168,7 @@
             <a:fld id="{530820CF-B880-4189-942D-D702A7CBA730}" type="datetimeFigureOut">
               <a:rPr lang="zh-CN" altLang="en-US" smtClean="0"/>
               <a:pPr/>
-              <a:t>2018/7/6</a:t>
+              <a:t>2018/7/23</a:t>
             </a:fld>
             <a:endParaRPr lang="zh-CN" altLang="en-US"/>
           </a:p>
@@ -1223,7 +1223,7 @@
     <a:masterClrMapping/>
   </p:clrMapOvr>
   <mc:AlternateContent xmlns:mc="http://schemas.openxmlformats.org/markup-compatibility/2006">
-    <mc:Choice xmlns="" xmlns:p14="http://schemas.microsoft.com/office/powerpoint/2010/main" Requires="p14">
+    <mc:Choice xmlns:p14="http://schemas.microsoft.com/office/powerpoint/2010/main" xmlns="" Requires="p14">
       <p:transition spd="slow" p14:dur="1500">
         <p:random/>
       </p:transition>
@@ -1272,7 +1272,7 @@
             <a:fld id="{68BCBD30-92A3-41D3-B856-2D8D66AD7106}" type="datetime1">
               <a:rPr lang="zh-CN" altLang="en-US" smtClean="0"/>
               <a:pPr/>
-              <a:t>2018/7/6</a:t>
+              <a:t>2018/7/23</a:t>
             </a:fld>
             <a:endParaRPr lang="zh-CN" altLang="en-US"/>
           </a:p>
@@ -1324,7 +1324,7 @@
     </p:spTree>
     <p:extLst>
       <p:ext uri="{BB962C8B-B14F-4D97-AF65-F5344CB8AC3E}">
-        <p14:creationId xmlns="" xmlns:p14="http://schemas.microsoft.com/office/powerpoint/2010/main" val="2039279208"/>
+        <p14:creationId xmlns:p14="http://schemas.microsoft.com/office/powerpoint/2010/main" xmlns="" val="2039279208"/>
       </p:ext>
     </p:extLst>
   </p:cSld>
@@ -1332,7 +1332,7 @@
     <a:masterClrMapping/>
   </p:clrMapOvr>
   <mc:AlternateContent xmlns:mc="http://schemas.openxmlformats.org/markup-compatibility/2006">
-    <mc:Choice xmlns="" xmlns:p14="http://schemas.microsoft.com/office/powerpoint/2010/main" Requires="p14">
+    <mc:Choice xmlns:p14="http://schemas.microsoft.com/office/powerpoint/2010/main" xmlns="" Requires="p14">
       <p:transition spd="slow" p14:dur="1500">
         <p:random/>
       </p:transition>
@@ -1381,7 +1381,7 @@
             <a:fld id="{7A3E1FB8-671C-42D5-8780-4A37A3F9ABBB}" type="datetime1">
               <a:rPr lang="zh-CN" altLang="en-US" smtClean="0"/>
               <a:pPr/>
-              <a:t>2018/7/6</a:t>
+              <a:t>2018/7/23</a:t>
             </a:fld>
             <a:endParaRPr lang="zh-CN" altLang="en-US"/>
           </a:p>
@@ -1691,7 +1691,7 @@
     </p:spTree>
     <p:extLst>
       <p:ext uri="{BB962C8B-B14F-4D97-AF65-F5344CB8AC3E}">
-        <p14:creationId xmlns="" xmlns:p14="http://schemas.microsoft.com/office/powerpoint/2010/main" val="1612432978"/>
+        <p14:creationId xmlns:p14="http://schemas.microsoft.com/office/powerpoint/2010/main" xmlns="" val="1612432978"/>
       </p:ext>
     </p:extLst>
   </p:cSld>
@@ -1699,7 +1699,7 @@
     <a:masterClrMapping/>
   </p:clrMapOvr>
   <mc:AlternateContent xmlns:mc="http://schemas.openxmlformats.org/markup-compatibility/2006">
-    <mc:Choice xmlns="" xmlns:p14="http://schemas.microsoft.com/office/powerpoint/2010/main" Requires="p14">
+    <mc:Choice xmlns:p14="http://schemas.microsoft.com/office/powerpoint/2010/main" xmlns="" Requires="p14">
       <p:transition spd="slow" p14:dur="1500">
         <p:random/>
       </p:transition>
@@ -1821,7 +1821,7 @@
             <a:fld id="{530820CF-B880-4189-942D-D702A7CBA730}" type="datetimeFigureOut">
               <a:rPr lang="zh-CN" altLang="en-US" smtClean="0"/>
               <a:pPr/>
-              <a:t>2018/7/6</a:t>
+              <a:t>2018/7/23</a:t>
             </a:fld>
             <a:endParaRPr lang="zh-CN" altLang="en-US"/>
           </a:p>
@@ -1876,7 +1876,7 @@
     <a:masterClrMapping/>
   </p:clrMapOvr>
   <mc:AlternateContent xmlns:mc="http://schemas.openxmlformats.org/markup-compatibility/2006">
-    <mc:Choice xmlns="" xmlns:p14="http://schemas.microsoft.com/office/powerpoint/2010/main" Requires="p14">
+    <mc:Choice xmlns:p14="http://schemas.microsoft.com/office/powerpoint/2010/main" xmlns="" Requires="p14">
       <p:transition spd="slow" p14:dur="1500">
         <p:random/>
       </p:transition>
@@ -2075,7 +2075,7 @@
             <a:fld id="{530820CF-B880-4189-942D-D702A7CBA730}" type="datetimeFigureOut">
               <a:rPr lang="zh-CN" altLang="en-US" smtClean="0"/>
               <a:pPr/>
-              <a:t>2018/7/6</a:t>
+              <a:t>2018/7/23</a:t>
             </a:fld>
             <a:endParaRPr lang="zh-CN" altLang="en-US"/>
           </a:p>
@@ -2130,7 +2130,7 @@
     <a:masterClrMapping/>
   </p:clrMapOvr>
   <mc:AlternateContent xmlns:mc="http://schemas.openxmlformats.org/markup-compatibility/2006">
-    <mc:Choice xmlns="" xmlns:p14="http://schemas.microsoft.com/office/powerpoint/2010/main" Requires="p14">
+    <mc:Choice xmlns:p14="http://schemas.microsoft.com/office/powerpoint/2010/main" xmlns="" Requires="p14">
       <p:transition spd="slow" p14:dur="1500">
         <p:random/>
       </p:transition>
@@ -2369,7 +2369,7 @@
             <a:fld id="{530820CF-B880-4189-942D-D702A7CBA730}" type="datetimeFigureOut">
               <a:rPr lang="zh-CN" altLang="en-US" smtClean="0"/>
               <a:pPr/>
-              <a:t>2018/7/6</a:t>
+              <a:t>2018/7/23</a:t>
             </a:fld>
             <a:endParaRPr lang="zh-CN" altLang="en-US"/>
           </a:p>
@@ -2424,7 +2424,7 @@
     <a:masterClrMapping/>
   </p:clrMapOvr>
   <mc:AlternateContent xmlns:mc="http://schemas.openxmlformats.org/markup-compatibility/2006">
-    <mc:Choice xmlns="" xmlns:p14="http://schemas.microsoft.com/office/powerpoint/2010/main" Requires="p14">
+    <mc:Choice xmlns:p14="http://schemas.microsoft.com/office/powerpoint/2010/main" xmlns="" Requires="p14">
       <p:transition spd="slow" p14:dur="1500">
         <p:random/>
       </p:transition>
@@ -2797,7 +2797,7 @@
             <a:fld id="{530820CF-B880-4189-942D-D702A7CBA730}" type="datetimeFigureOut">
               <a:rPr lang="zh-CN" altLang="en-US" smtClean="0"/>
               <a:pPr/>
-              <a:t>2018/7/6</a:t>
+              <a:t>2018/7/23</a:t>
             </a:fld>
             <a:endParaRPr lang="zh-CN" altLang="en-US"/>
           </a:p>
@@ -2852,7 +2852,7 @@
     <a:masterClrMapping/>
   </p:clrMapOvr>
   <mc:AlternateContent xmlns:mc="http://schemas.openxmlformats.org/markup-compatibility/2006">
-    <mc:Choice xmlns="" xmlns:p14="http://schemas.microsoft.com/office/powerpoint/2010/main" Requires="p14">
+    <mc:Choice xmlns:p14="http://schemas.microsoft.com/office/powerpoint/2010/main" xmlns="" Requires="p14">
       <p:transition spd="slow" p14:dur="1500">
         <p:random/>
       </p:transition>
@@ -2923,7 +2923,7 @@
             <a:fld id="{530820CF-B880-4189-942D-D702A7CBA730}" type="datetimeFigureOut">
               <a:rPr lang="zh-CN" altLang="en-US" smtClean="0"/>
               <a:pPr/>
-              <a:t>2018/7/6</a:t>
+              <a:t>2018/7/23</a:t>
             </a:fld>
             <a:endParaRPr lang="zh-CN" altLang="en-US"/>
           </a:p>
@@ -2978,7 +2978,7 @@
     <a:masterClrMapping/>
   </p:clrMapOvr>
   <mc:AlternateContent xmlns:mc="http://schemas.openxmlformats.org/markup-compatibility/2006">
-    <mc:Choice xmlns="" xmlns:p14="http://schemas.microsoft.com/office/powerpoint/2010/main" Requires="p14">
+    <mc:Choice xmlns:p14="http://schemas.microsoft.com/office/powerpoint/2010/main" xmlns="" Requires="p14">
       <p:transition spd="slow" p14:dur="1500">
         <p:random/>
       </p:transition>
@@ -3027,7 +3027,7 @@
             <a:fld id="{530820CF-B880-4189-942D-D702A7CBA730}" type="datetimeFigureOut">
               <a:rPr lang="zh-CN" altLang="en-US" smtClean="0"/>
               <a:pPr/>
-              <a:t>2018/7/6</a:t>
+              <a:t>2018/7/23</a:t>
             </a:fld>
             <a:endParaRPr lang="zh-CN" altLang="en-US"/>
           </a:p>
@@ -3082,7 +3082,7 @@
     <a:masterClrMapping/>
   </p:clrMapOvr>
   <mc:AlternateContent xmlns:mc="http://schemas.openxmlformats.org/markup-compatibility/2006">
-    <mc:Choice xmlns="" xmlns:p14="http://schemas.microsoft.com/office/powerpoint/2010/main" Requires="p14">
+    <mc:Choice xmlns:p14="http://schemas.microsoft.com/office/powerpoint/2010/main" xmlns="" Requires="p14">
       <p:transition spd="slow" p14:dur="1500">
         <p:random/>
       </p:transition>
@@ -3311,7 +3311,7 @@
             <a:fld id="{530820CF-B880-4189-942D-D702A7CBA730}" type="datetimeFigureOut">
               <a:rPr lang="zh-CN" altLang="en-US" smtClean="0"/>
               <a:pPr/>
-              <a:t>2018/7/6</a:t>
+              <a:t>2018/7/23</a:t>
             </a:fld>
             <a:endParaRPr lang="zh-CN" altLang="en-US"/>
           </a:p>
@@ -3366,7 +3366,7 @@
     <a:masterClrMapping/>
   </p:clrMapOvr>
   <mc:AlternateContent xmlns:mc="http://schemas.openxmlformats.org/markup-compatibility/2006">
-    <mc:Choice xmlns="" xmlns:p14="http://schemas.microsoft.com/office/powerpoint/2010/main" Requires="p14">
+    <mc:Choice xmlns:p14="http://schemas.microsoft.com/office/powerpoint/2010/main" xmlns="" Requires="p14">
       <p:transition spd="slow" p14:dur="1500">
         <p:random/>
       </p:transition>
@@ -3572,7 +3572,7 @@
             <a:fld id="{530820CF-B880-4189-942D-D702A7CBA730}" type="datetimeFigureOut">
               <a:rPr lang="zh-CN" altLang="en-US" smtClean="0"/>
               <a:pPr/>
-              <a:t>2018/7/6</a:t>
+              <a:t>2018/7/23</a:t>
             </a:fld>
             <a:endParaRPr lang="zh-CN" altLang="en-US"/>
           </a:p>
@@ -3627,7 +3627,7 @@
     <a:masterClrMapping/>
   </p:clrMapOvr>
   <mc:AlternateContent xmlns:mc="http://schemas.openxmlformats.org/markup-compatibility/2006">
-    <mc:Choice xmlns="" xmlns:p14="http://schemas.microsoft.com/office/powerpoint/2010/main" Requires="p14">
+    <mc:Choice xmlns:p14="http://schemas.microsoft.com/office/powerpoint/2010/main" xmlns="" Requires="p14">
       <p:transition spd="slow" p14:dur="1500">
         <p:random/>
       </p:transition>
@@ -3796,7 +3796,7 @@
             <a:fld id="{530820CF-B880-4189-942D-D702A7CBA730}" type="datetimeFigureOut">
               <a:rPr lang="zh-CN" altLang="en-US" smtClean="0"/>
               <a:pPr/>
-              <a:t>2018/7/6</a:t>
+              <a:t>2018/7/23</a:t>
             </a:fld>
             <a:endParaRPr lang="zh-CN" altLang="en-US" dirty="0"/>
           </a:p>
@@ -3902,7 +3902,7 @@
     <p:sldLayoutId id="2147483662" r:id="rId13"/>
   </p:sldLayoutIdLst>
   <mc:AlternateContent xmlns:mc="http://schemas.openxmlformats.org/markup-compatibility/2006">
-    <mc:Choice xmlns="" xmlns:p14="http://schemas.microsoft.com/office/powerpoint/2010/main" Requires="p14">
+    <mc:Choice xmlns:p14="http://schemas.microsoft.com/office/powerpoint/2010/main" xmlns="" Requires="p14">
       <p:transition spd="slow" p14:dur="1500">
         <p:random/>
       </p:transition>
@@ -4321,7 +4321,7 @@
     </p:spTree>
     <p:extLst>
       <p:ext uri="{BB962C8B-B14F-4D97-AF65-F5344CB8AC3E}">
-        <p14:creationId xmlns="" xmlns:p14="http://schemas.microsoft.com/office/powerpoint/2010/main" val="2059511690"/>
+        <p14:creationId xmlns:p14="http://schemas.microsoft.com/office/powerpoint/2010/main" xmlns="" val="2059511690"/>
       </p:ext>
     </p:extLst>
   </p:cSld>
@@ -4329,7 +4329,7 @@
     <a:masterClrMapping/>
   </p:clrMapOvr>
   <mc:AlternateContent xmlns:mc="http://schemas.openxmlformats.org/markup-compatibility/2006">
-    <mc:Choice xmlns="" xmlns:p14="http://schemas.microsoft.com/office/powerpoint/2010/main" Requires="p14">
+    <mc:Choice xmlns:p14="http://schemas.microsoft.com/office/powerpoint/2010/main" xmlns="" Requires="p14">
       <p:transition p14:dur="0"/>
     </mc:Choice>
     <mc:Fallback>
@@ -4663,7 +4663,7 @@
     </p:spTree>
     <p:extLst>
       <p:ext uri="{BB962C8B-B14F-4D97-AF65-F5344CB8AC3E}">
-        <p14:creationId xmlns="" xmlns:p14="http://schemas.microsoft.com/office/powerpoint/2010/main" val="3221807754"/>
+        <p14:creationId xmlns:p14="http://schemas.microsoft.com/office/powerpoint/2010/main" xmlns="" val="3221807754"/>
       </p:ext>
     </p:extLst>
   </p:cSld>
@@ -4671,7 +4671,7 @@
     <a:masterClrMapping/>
   </p:clrMapOvr>
   <mc:AlternateContent xmlns:mc="http://schemas.openxmlformats.org/markup-compatibility/2006">
-    <mc:Choice xmlns="" xmlns:p14="http://schemas.microsoft.com/office/powerpoint/2010/main" Requires="p14">
+    <mc:Choice xmlns:p14="http://schemas.microsoft.com/office/powerpoint/2010/main" xmlns="" Requires="p14">
       <p:transition p14:dur="0"/>
     </mc:Choice>
     <mc:Fallback>
@@ -4812,7 +4812,7 @@
               </a:ln>
               <a:extLst>
                 <a:ext uri="{91240B29-F687-4F45-9708-019B960494DF}">
-                  <a14:hiddenLine xmlns="" xmlns:a14="http://schemas.microsoft.com/office/drawing/2010/main" w="9525">
+                  <a14:hiddenLine xmlns:a14="http://schemas.microsoft.com/office/drawing/2010/main" xmlns="" w="9525">
                     <a:solidFill>
                       <a:srgbClr val="000000"/>
                     </a:solidFill>
@@ -4861,7 +4861,7 @@
               </a:ln>
               <a:extLst>
                 <a:ext uri="{91240B29-F687-4F45-9708-019B960494DF}">
-                  <a14:hiddenLine xmlns="" xmlns:a14="http://schemas.microsoft.com/office/drawing/2010/main" w="9525">
+                  <a14:hiddenLine xmlns:a14="http://schemas.microsoft.com/office/drawing/2010/main" xmlns="" w="9525">
                     <a:solidFill>
                       <a:srgbClr val="000000"/>
                     </a:solidFill>
@@ -4910,7 +4910,7 @@
               </a:ln>
               <a:extLst>
                 <a:ext uri="{91240B29-F687-4F45-9708-019B960494DF}">
-                  <a14:hiddenLine xmlns="" xmlns:a14="http://schemas.microsoft.com/office/drawing/2010/main" w="9525">
+                  <a14:hiddenLine xmlns:a14="http://schemas.microsoft.com/office/drawing/2010/main" xmlns="" w="9525">
                     <a:solidFill>
                       <a:srgbClr val="000000"/>
                     </a:solidFill>
@@ -4959,7 +4959,7 @@
               </a:ln>
               <a:extLst>
                 <a:ext uri="{91240B29-F687-4F45-9708-019B960494DF}">
-                  <a14:hiddenLine xmlns="" xmlns:a14="http://schemas.microsoft.com/office/drawing/2010/main" w="9525">
+                  <a14:hiddenLine xmlns:a14="http://schemas.microsoft.com/office/drawing/2010/main" xmlns="" w="9525">
                     <a:solidFill>
                       <a:srgbClr val="000000"/>
                     </a:solidFill>
@@ -5008,7 +5008,7 @@
               </a:ln>
               <a:extLst>
                 <a:ext uri="{91240B29-F687-4F45-9708-019B960494DF}">
-                  <a14:hiddenLine xmlns="" xmlns:a14="http://schemas.microsoft.com/office/drawing/2010/main" w="9525">
+                  <a14:hiddenLine xmlns:a14="http://schemas.microsoft.com/office/drawing/2010/main" xmlns="" w="9525">
                     <a:solidFill>
                       <a:srgbClr val="000000"/>
                     </a:solidFill>
@@ -5057,7 +5057,7 @@
               </a:ln>
               <a:extLst>
                 <a:ext uri="{91240B29-F687-4F45-9708-019B960494DF}">
-                  <a14:hiddenLine xmlns="" xmlns:a14="http://schemas.microsoft.com/office/drawing/2010/main" w="9525">
+                  <a14:hiddenLine xmlns:a14="http://schemas.microsoft.com/office/drawing/2010/main" xmlns="" w="9525">
                     <a:solidFill>
                       <a:srgbClr val="000000"/>
                     </a:solidFill>
@@ -5123,7 +5123,7 @@
               </a:ln>
               <a:extLst>
                 <a:ext uri="{91240B29-F687-4F45-9708-019B960494DF}">
-                  <a14:hiddenLine xmlns="" xmlns:a14="http://schemas.microsoft.com/office/drawing/2010/main" w="9525">
+                  <a14:hiddenLine xmlns:a14="http://schemas.microsoft.com/office/drawing/2010/main" xmlns="" w="9525">
                     <a:solidFill>
                       <a:srgbClr val="000000"/>
                     </a:solidFill>
@@ -5172,7 +5172,7 @@
               </a:ln>
               <a:extLst>
                 <a:ext uri="{91240B29-F687-4F45-9708-019B960494DF}">
-                  <a14:hiddenLine xmlns="" xmlns:a14="http://schemas.microsoft.com/office/drawing/2010/main" w="9525">
+                  <a14:hiddenLine xmlns:a14="http://schemas.microsoft.com/office/drawing/2010/main" xmlns="" w="9525">
                     <a:solidFill>
                       <a:srgbClr val="000000"/>
                     </a:solidFill>
@@ -5221,7 +5221,7 @@
               </a:ln>
               <a:extLst>
                 <a:ext uri="{91240B29-F687-4F45-9708-019B960494DF}">
-                  <a14:hiddenLine xmlns="" xmlns:a14="http://schemas.microsoft.com/office/drawing/2010/main" w="9525">
+                  <a14:hiddenLine xmlns:a14="http://schemas.microsoft.com/office/drawing/2010/main" xmlns="" w="9525">
                     <a:solidFill>
                       <a:srgbClr val="000000"/>
                     </a:solidFill>
@@ -5270,7 +5270,7 @@
               </a:ln>
               <a:extLst>
                 <a:ext uri="{91240B29-F687-4F45-9708-019B960494DF}">
-                  <a14:hiddenLine xmlns="" xmlns:a14="http://schemas.microsoft.com/office/drawing/2010/main" w="9525">
+                  <a14:hiddenLine xmlns:a14="http://schemas.microsoft.com/office/drawing/2010/main" xmlns="" w="9525">
                     <a:solidFill>
                       <a:srgbClr val="000000"/>
                     </a:solidFill>
@@ -5319,7 +5319,7 @@
               </a:ln>
               <a:extLst>
                 <a:ext uri="{91240B29-F687-4F45-9708-019B960494DF}">
-                  <a14:hiddenLine xmlns="" xmlns:a14="http://schemas.microsoft.com/office/drawing/2010/main" w="9525">
+                  <a14:hiddenLine xmlns:a14="http://schemas.microsoft.com/office/drawing/2010/main" xmlns="" w="9525">
                     <a:solidFill>
                       <a:srgbClr val="000000"/>
                     </a:solidFill>
@@ -5368,7 +5368,7 @@
               </a:ln>
               <a:extLst>
                 <a:ext uri="{91240B29-F687-4F45-9708-019B960494DF}">
-                  <a14:hiddenLine xmlns="" xmlns:a14="http://schemas.microsoft.com/office/drawing/2010/main" w="9525">
+                  <a14:hiddenLine xmlns:a14="http://schemas.microsoft.com/office/drawing/2010/main" xmlns="" w="9525">
                     <a:solidFill>
                       <a:srgbClr val="000000"/>
                     </a:solidFill>
@@ -5781,7 +5781,7 @@
     </p:spTree>
     <p:extLst>
       <p:ext uri="{BB962C8B-B14F-4D97-AF65-F5344CB8AC3E}">
-        <p14:creationId xmlns="" xmlns:p14="http://schemas.microsoft.com/office/powerpoint/2010/main" val="3635060294"/>
+        <p14:creationId xmlns:p14="http://schemas.microsoft.com/office/powerpoint/2010/main" xmlns="" val="3635060294"/>
       </p:ext>
     </p:extLst>
   </p:cSld>
@@ -5789,7 +5789,7 @@
     <a:masterClrMapping/>
   </p:clrMapOvr>
   <mc:AlternateContent xmlns:mc="http://schemas.openxmlformats.org/markup-compatibility/2006">
-    <mc:Choice xmlns="" xmlns:p14="http://schemas.microsoft.com/office/powerpoint/2010/main" Requires="p14">
+    <mc:Choice xmlns:p14="http://schemas.microsoft.com/office/powerpoint/2010/main" xmlns="" Requires="p14">
       <p:transition p14:dur="0"/>
     </mc:Choice>
     <mc:Fallback>
@@ -6176,7 +6176,7 @@
     </p:spTree>
     <p:extLst>
       <p:ext uri="{BB962C8B-B14F-4D97-AF65-F5344CB8AC3E}">
-        <p14:creationId xmlns="" xmlns:p14="http://schemas.microsoft.com/office/powerpoint/2010/main" val="3767679558"/>
+        <p14:creationId xmlns:p14="http://schemas.microsoft.com/office/powerpoint/2010/main" xmlns="" val="3767679558"/>
       </p:ext>
     </p:extLst>
   </p:cSld>
@@ -6184,7 +6184,7 @@
     <a:masterClrMapping/>
   </p:clrMapOvr>
   <mc:AlternateContent xmlns:mc="http://schemas.openxmlformats.org/markup-compatibility/2006">
-    <mc:Choice xmlns="" xmlns:p14="http://schemas.microsoft.com/office/powerpoint/2010/main" Requires="p14">
+    <mc:Choice xmlns:p14="http://schemas.microsoft.com/office/powerpoint/2010/main" xmlns="" Requires="p14">
       <p:transition spd="slow" p14:dur="1200">
         <p14:prism/>
       </p:transition>
@@ -6474,7 +6474,7 @@
     </p:spTree>
     <p:extLst>
       <p:ext uri="{BB962C8B-B14F-4D97-AF65-F5344CB8AC3E}">
-        <p14:creationId xmlns="" xmlns:p14="http://schemas.microsoft.com/office/powerpoint/2010/main" val="3767679558"/>
+        <p14:creationId xmlns:p14="http://schemas.microsoft.com/office/powerpoint/2010/main" xmlns="" val="3767679558"/>
       </p:ext>
     </p:extLst>
   </p:cSld>
@@ -6482,7 +6482,7 @@
     <a:masterClrMapping/>
   </p:clrMapOvr>
   <mc:AlternateContent xmlns:mc="http://schemas.openxmlformats.org/markup-compatibility/2006">
-    <mc:Choice xmlns="" xmlns:p14="http://schemas.microsoft.com/office/powerpoint/2010/main" Requires="p14">
+    <mc:Choice xmlns:p14="http://schemas.microsoft.com/office/powerpoint/2010/main" xmlns="" Requires="p14">
       <p:transition spd="slow" p14:dur="1200">
         <p14:prism/>
       </p:transition>
@@ -6670,18 +6670,7 @@
                 <a:ea typeface="Arial Unicode MS" pitchFamily="34" charset="-122"/>
                 <a:cs typeface="Arial Unicode MS" pitchFamily="34" charset="-122"/>
               </a:rPr>
-              <a:t>的</a:t>
-            </a:r>
-            <a:r>
-              <a:rPr lang="zh-CN" altLang="en-US" sz="2667" b="1" dirty="0" smtClean="0">
-                <a:solidFill>
-                  <a:srgbClr val="FC611F"/>
-                </a:solidFill>
-                <a:latin typeface="Arial Unicode MS" pitchFamily="34" charset="-122"/>
-                <a:ea typeface="Arial Unicode MS" pitchFamily="34" charset="-122"/>
-                <a:cs typeface="Arial Unicode MS" pitchFamily="34" charset="-122"/>
-              </a:rPr>
-              <a:t>定义</a:t>
+              <a:t>的定义</a:t>
             </a:r>
             <a:endParaRPr lang="zh-CN" altLang="en-US" sz="2667" b="1" dirty="0">
               <a:solidFill>
@@ -6735,8 +6724,8 @@
         </p:nvSpPr>
         <p:spPr>
           <a:xfrm>
-            <a:off x="8596330" y="6357958"/>
-            <a:ext cx="3359894" cy="369332"/>
+            <a:off x="8370441" y="6357958"/>
+            <a:ext cx="3821559" cy="369332"/>
           </a:xfrm>
           <a:prstGeom prst="rect">
             <a:avLst/>
@@ -6749,8 +6738,16 @@
           <a:lstStyle/>
           <a:p>
             <a:r>
+              <a:rPr lang="zh-CN" altLang="en-US" dirty="0" smtClean="0"/>
+              <a:t>摘自</a:t>
+            </a:r>
+            <a:r>
               <a:rPr lang="en-US" altLang="zh-CN" dirty="0" smtClean="0"/>
-              <a:t>https://www.opennetworking.org</a:t>
+              <a:t>https</a:t>
+            </a:r>
+            <a:r>
+              <a:rPr lang="en-US" altLang="zh-CN" dirty="0" smtClean="0"/>
+              <a:t>://www.opennetworking.org</a:t>
             </a:r>
             <a:endParaRPr lang="zh-CN" altLang="en-US" dirty="0"/>
           </a:p>
@@ -6779,7 +6776,18 @@
           <a:p>
             <a:r>
               <a:rPr lang="en-US" dirty="0" smtClean="0"/>
-              <a:t>Software-Defined Networking (SDN) is an emerging architecture that is dynamic, manageable, cost-effective, and adaptable, making it ideal for the high-bandwidth, dynamic nature of today’s applications. This architecture decouples the network control and forwarding functions</a:t>
+              <a:t>Software-Defined Networking (SDN) is an emerging architecture that is dynamic, manageable, cost-effective, and adaptable, making it ideal for the high-bandwidth, dynamic nature of today’s applications. </a:t>
+            </a:r>
+            <a:endParaRPr lang="en-US" dirty="0" smtClean="0"/>
+          </a:p>
+          <a:p>
+            <a:r>
+              <a:rPr lang="en-US" dirty="0" smtClean="0"/>
+              <a:t>This </a:t>
+            </a:r>
+            <a:r>
+              <a:rPr lang="en-US" dirty="0" smtClean="0"/>
+              <a:t>architecture decouples the network control and forwarding functions</a:t>
             </a:r>
           </a:p>
           <a:p>
@@ -6828,15 +6836,37 @@
           </a:p>
           <a:p>
             <a:r>
+              <a:rPr lang="zh-CN" altLang="en-US" dirty="0" smtClean="0">
+                <a:latin typeface="Arial"/>
+                <a:cs typeface="Arial"/>
+              </a:rPr>
+              <a:t>■</a:t>
+            </a:r>
+            <a:r>
               <a:rPr lang="zh-CN" altLang="en-US" dirty="0" smtClean="0"/>
-              <a:t>控制面和转发面分离</a:t>
+              <a:t>控制</a:t>
+            </a:r>
+            <a:r>
+              <a:rPr lang="zh-CN" altLang="en-US" dirty="0" smtClean="0"/>
+              <a:t>面和转发面分离</a:t>
             </a:r>
             <a:endParaRPr lang="en-US" altLang="zh-CN" dirty="0" smtClean="0"/>
           </a:p>
           <a:p>
             <a:r>
+              <a:rPr lang="zh-CN" altLang="en-US" dirty="0" smtClean="0">
+                <a:latin typeface="Arial"/>
+                <a:cs typeface="Arial"/>
+              </a:rPr>
+              <a:t>■</a:t>
+            </a:r>
+            <a:r>
               <a:rPr lang="zh-CN" altLang="en-US" dirty="0" smtClean="0"/>
-              <a:t>网络可编程</a:t>
+              <a:t>网络</a:t>
+            </a:r>
+            <a:r>
+              <a:rPr lang="zh-CN" altLang="en-US" dirty="0" smtClean="0"/>
+              <a:t>可编程</a:t>
             </a:r>
             <a:endParaRPr lang="en-US" dirty="0"/>
           </a:p>
@@ -6845,7 +6875,7 @@
     </p:spTree>
     <p:extLst>
       <p:ext uri="{BB962C8B-B14F-4D97-AF65-F5344CB8AC3E}">
-        <p14:creationId xmlns="" xmlns:p14="http://schemas.microsoft.com/office/powerpoint/2010/main" val="3221807754"/>
+        <p14:creationId xmlns:p14="http://schemas.microsoft.com/office/powerpoint/2010/main" xmlns="" val="3221807754"/>
       </p:ext>
     </p:extLst>
   </p:cSld>
@@ -6853,7 +6883,7 @@
     <a:masterClrMapping/>
   </p:clrMapOvr>
   <mc:AlternateContent xmlns:mc="http://schemas.openxmlformats.org/markup-compatibility/2006">
-    <mc:Choice xmlns="" xmlns:p14="http://schemas.microsoft.com/office/powerpoint/2010/main" Requires="p14">
+    <mc:Choice xmlns:p14="http://schemas.microsoft.com/office/powerpoint/2010/main" xmlns="" Requires="p14">
       <p:transition p14:dur="0"/>
     </mc:Choice>
     <mc:Fallback>
@@ -7037,27 +7067,8 @@
                 <a:ea typeface="Arial Unicode MS" pitchFamily="34" charset="-122"/>
                 <a:cs typeface="Arial Unicode MS" pitchFamily="34" charset="-122"/>
               </a:rPr>
-              <a:t>的</a:t>
-            </a:r>
-            <a:r>
-              <a:rPr lang="zh-CN" altLang="en-US" sz="2667" b="1" dirty="0" smtClean="0">
-                <a:solidFill>
-                  <a:srgbClr val="FC611F"/>
-                </a:solidFill>
-                <a:latin typeface="Arial Unicode MS" pitchFamily="34" charset="-122"/>
-                <a:ea typeface="Arial Unicode MS" pitchFamily="34" charset="-122"/>
-                <a:cs typeface="Arial Unicode MS" pitchFamily="34" charset="-122"/>
-              </a:rPr>
-              <a:t>架构</a:t>
-            </a:r>
-            <a:endParaRPr lang="zh-CN" altLang="en-US" sz="2667" b="1" dirty="0" smtClean="0">
-              <a:solidFill>
-                <a:srgbClr val="FC611F"/>
-              </a:solidFill>
-              <a:latin typeface="Arial Unicode MS" pitchFamily="34" charset="-122"/>
-              <a:ea typeface="Arial Unicode MS" pitchFamily="34" charset="-122"/>
-              <a:cs typeface="Arial Unicode MS" pitchFamily="34" charset="-122"/>
-            </a:endParaRPr>
+              <a:t>的架构</a:t>
+            </a:r>
           </a:p>
         </p:txBody>
       </p:sp>
@@ -7182,7 +7193,19 @@
           <a:p>
             <a:r>
               <a:rPr lang="en-US" sz="1400" dirty="0" smtClean="0"/>
-              <a:t>Network intelligence is (logically) centralized in software-based SDN controllers that maintain a global view of the network, which appears to applications and policy engines as a single, logical switch.</a:t>
+              <a:t>Network intelligence is (logically) centralized in software-based SDN controllers that </a:t>
+            </a:r>
+            <a:r>
+              <a:rPr lang="en-US" sz="1400" b="1" dirty="0" smtClean="0">
+                <a:solidFill>
+                  <a:srgbClr val="FF0000"/>
+                </a:solidFill>
+              </a:rPr>
+              <a:t>maintain a global view of the network</a:t>
+            </a:r>
+            <a:r>
+              <a:rPr lang="en-US" sz="1400" dirty="0" smtClean="0"/>
+              <a:t>, which appears to applications and policy engines as a single, logical switch.</a:t>
             </a:r>
           </a:p>
           <a:p>
@@ -7221,7 +7244,7 @@
     </p:spTree>
     <p:extLst>
       <p:ext uri="{BB962C8B-B14F-4D97-AF65-F5344CB8AC3E}">
-        <p14:creationId xmlns="" xmlns:p14="http://schemas.microsoft.com/office/powerpoint/2010/main" val="3221807754"/>
+        <p14:creationId xmlns:p14="http://schemas.microsoft.com/office/powerpoint/2010/main" xmlns="" val="3221807754"/>
       </p:ext>
     </p:extLst>
   </p:cSld>
@@ -7229,7 +7252,7 @@
     <a:masterClrMapping/>
   </p:clrMapOvr>
   <mc:AlternateContent xmlns:mc="http://schemas.openxmlformats.org/markup-compatibility/2006">
-    <mc:Choice xmlns="" xmlns:p14="http://schemas.microsoft.com/office/powerpoint/2010/main" Requires="p14">
+    <mc:Choice xmlns:p14="http://schemas.microsoft.com/office/powerpoint/2010/main" xmlns="" Requires="p14">
       <p:transition p14:dur="0"/>
     </mc:Choice>
     <mc:Fallback>
@@ -7488,13 +7511,7 @@
               <a:rPr lang="en-US" altLang="zh-CN" dirty="0" smtClean="0">
                 <a:hlinkClick r:id="rId2"/>
               </a:rPr>
-              <a:t>https://www.opennetworking.org/software-defined-standards/specifications</a:t>
-            </a:r>
-            <a:r>
-              <a:rPr lang="en-US" altLang="zh-CN" dirty="0" smtClean="0">
-                <a:hlinkClick r:id="rId2"/>
-              </a:rPr>
-              <a:t>/</a:t>
+              <a:t>https://www.opennetworking.org/software-defined-standards/specifications/</a:t>
             </a:r>
             <a:endParaRPr lang="en-US" altLang="zh-CN" dirty="0" smtClean="0"/>
           </a:p>
@@ -7530,7 +7547,64 @@
             </a:r>
             <a:r>
               <a:rPr lang="zh-CN" altLang="en-US" sz="1000" dirty="0" smtClean="0"/>
-              <a:t>协议主要是通过对不同类型消息的处理来实现控制器与交换机之间的路由控制的</a:t>
+              <a:t>协议主要是通过对不同类型消息的处理来实现控制器与交换机之间的路由控制的。</a:t>
+            </a:r>
+            <a:endParaRPr lang="en-US" altLang="zh-CN" sz="1000" dirty="0" smtClean="0"/>
+          </a:p>
+          <a:p>
+            <a:r>
+              <a:rPr lang="zh-CN" altLang="en-US" sz="1000" dirty="0" smtClean="0"/>
+              <a:t>目前</a:t>
+            </a:r>
+            <a:r>
+              <a:rPr lang="en-US" sz="1000" dirty="0" err="1" smtClean="0"/>
+              <a:t>OpenFlow</a:t>
+            </a:r>
+            <a:r>
+              <a:rPr lang="zh-CN" altLang="en-US" sz="1000" dirty="0" smtClean="0"/>
+              <a:t>协议主要支持三种消息类型，分别是</a:t>
+            </a:r>
+            <a:r>
+              <a:rPr lang="en-US" altLang="zh-CN" sz="1000" dirty="0" smtClean="0"/>
+              <a:t>:</a:t>
+            </a:r>
+          </a:p>
+          <a:p>
+            <a:r>
+              <a:rPr lang="en-US" sz="1000" dirty="0" smtClean="0"/>
+              <a:t>controller-to-</a:t>
+            </a:r>
+            <a:r>
+              <a:rPr lang="en-US" sz="1000" dirty="0" err="1" smtClean="0"/>
+              <a:t>switch、symmetric</a:t>
+            </a:r>
+            <a:r>
+              <a:rPr lang="en-US" sz="1000" dirty="0" smtClean="0"/>
+              <a:t>(</a:t>
+            </a:r>
+            <a:r>
+              <a:rPr lang="zh-CN" altLang="en-US" sz="1000" dirty="0" smtClean="0"/>
+              <a:t>对称型消息</a:t>
+            </a:r>
+            <a:r>
+              <a:rPr lang="en-US" altLang="zh-CN" sz="1000" dirty="0" smtClean="0"/>
+              <a:t>)</a:t>
+            </a:r>
+            <a:r>
+              <a:rPr lang="zh-CN" altLang="en-US" sz="1000" dirty="0" smtClean="0"/>
+              <a:t>以及</a:t>
+            </a:r>
+            <a:r>
+              <a:rPr lang="en-US" sz="1000" dirty="0" smtClean="0"/>
+              <a:t>asynchronous(</a:t>
+            </a:r>
+            <a:r>
+              <a:rPr lang="zh-CN" altLang="en-US" sz="1000" dirty="0" smtClean="0"/>
+              <a:t>异步消息类型</a:t>
+            </a:r>
+            <a:r>
+              <a:rPr lang="en-US" altLang="zh-CN" sz="1000" dirty="0" smtClean="0"/>
+              <a:t>)</a:t>
             </a:r>
             <a:r>
               <a:rPr lang="zh-CN" altLang="en-US" sz="1000" dirty="0" smtClean="0"/>
@@ -7539,21 +7613,16 @@
             <a:endParaRPr lang="en-US" altLang="zh-CN" sz="1000" dirty="0" smtClean="0"/>
           </a:p>
           <a:p>
+            <a:endParaRPr lang="en-US" altLang="zh-CN" sz="1000" b="1" dirty="0" smtClean="0"/>
+          </a:p>
+          <a:p>
+            <a:r>
+              <a:rPr lang="zh-CN" altLang="en-US" sz="1000" b="1" dirty="0" smtClean="0"/>
+              <a:t>流表是核心，</a:t>
+            </a:r>
             <a:r>
               <a:rPr lang="zh-CN" altLang="en-US" sz="1000" dirty="0" smtClean="0"/>
-              <a:t>目前</a:t>
-            </a:r>
-            <a:r>
-              <a:rPr lang="en-US" sz="1000" dirty="0" err="1" smtClean="0"/>
-              <a:t>OpenFlow</a:t>
-            </a:r>
-            <a:r>
-              <a:rPr lang="zh-CN" altLang="en-US" sz="1000" dirty="0" smtClean="0"/>
-              <a:t>协议主要支持三种消息类型，分别</a:t>
-            </a:r>
-            <a:r>
-              <a:rPr lang="zh-CN" altLang="en-US" sz="1000" dirty="0" smtClean="0"/>
-              <a:t>是</a:t>
+              <a:t>流表由一系列连续的表项组成，每个表项包括</a:t>
             </a:r>
             <a:r>
               <a:rPr lang="en-US" altLang="zh-CN" sz="1000" dirty="0" smtClean="0"/>
@@ -7562,76 +7631,8 @@
           </a:p>
           <a:p>
             <a:r>
-              <a:rPr lang="en-US" sz="1000" dirty="0" smtClean="0"/>
-              <a:t>controller-to-</a:t>
-            </a:r>
-            <a:r>
-              <a:rPr lang="en-US" sz="1000" dirty="0" err="1" smtClean="0"/>
-              <a:t>switch、symmetric</a:t>
-            </a:r>
-            <a:r>
-              <a:rPr lang="en-US" sz="1000" dirty="0" smtClean="0"/>
-              <a:t>(</a:t>
-            </a:r>
-            <a:r>
               <a:rPr lang="zh-CN" altLang="en-US" sz="1000" dirty="0" smtClean="0"/>
-              <a:t>对称型消息</a:t>
-            </a:r>
-            <a:r>
-              <a:rPr lang="en-US" altLang="zh-CN" sz="1000" dirty="0" smtClean="0"/>
-              <a:t>)</a:t>
-            </a:r>
-            <a:r>
-              <a:rPr lang="zh-CN" altLang="en-US" sz="1000" dirty="0" smtClean="0"/>
-              <a:t>以及</a:t>
-            </a:r>
-            <a:r>
-              <a:rPr lang="en-US" sz="1000" dirty="0" smtClean="0"/>
-              <a:t>asynchronous(</a:t>
-            </a:r>
-            <a:r>
-              <a:rPr lang="zh-CN" altLang="en-US" sz="1000" dirty="0" smtClean="0"/>
-              <a:t>异步消息类型</a:t>
-            </a:r>
-            <a:r>
-              <a:rPr lang="en-US" altLang="zh-CN" sz="1000" dirty="0" smtClean="0"/>
-              <a:t>)</a:t>
-            </a:r>
-            <a:r>
-              <a:rPr lang="zh-CN" altLang="en-US" sz="1000" dirty="0" smtClean="0"/>
-              <a:t>。</a:t>
-            </a:r>
-            <a:endParaRPr lang="en-US" altLang="zh-CN" sz="1000" dirty="0" smtClean="0"/>
-          </a:p>
-          <a:p>
-            <a:endParaRPr lang="en-US" altLang="zh-CN" sz="1000" b="1" dirty="0" smtClean="0"/>
-          </a:p>
-          <a:p>
-            <a:r>
-              <a:rPr lang="zh-CN" altLang="en-US" sz="1000" b="1" dirty="0" smtClean="0"/>
-              <a:t>流表是核心，</a:t>
-            </a:r>
-            <a:r>
-              <a:rPr lang="zh-CN" altLang="en-US" sz="1000" dirty="0" smtClean="0"/>
-              <a:t>流表由一系列连续的表项</a:t>
-            </a:r>
-            <a:r>
-              <a:rPr lang="zh-CN" altLang="en-US" sz="1000" dirty="0" smtClean="0"/>
-              <a:t>组成，每个表项包括</a:t>
-            </a:r>
-            <a:r>
-              <a:rPr lang="en-US" altLang="zh-CN" sz="1000" dirty="0" smtClean="0"/>
-              <a:t>:</a:t>
-            </a:r>
-          </a:p>
-          <a:p>
-            <a:r>
-              <a:rPr lang="zh-CN" altLang="en-US" sz="1000" dirty="0" smtClean="0"/>
-              <a:t>包头</a:t>
-            </a:r>
-            <a:r>
-              <a:rPr lang="zh-CN" altLang="en-US" sz="1000" dirty="0" smtClean="0"/>
-              <a:t>域（</a:t>
+              <a:t>包头域（</a:t>
             </a:r>
             <a:r>
               <a:rPr lang="en-US" altLang="zh-CN" sz="1000" dirty="0" smtClean="0"/>
@@ -7643,11 +7644,7 @@
             </a:r>
             <a:r>
               <a:rPr lang="zh-CN" altLang="en-US" sz="1000" dirty="0" smtClean="0"/>
-              <a:t>，匹配包头多个域）、活动</a:t>
-            </a:r>
-            <a:r>
-              <a:rPr lang="zh-CN" altLang="en-US" sz="1000" dirty="0" smtClean="0"/>
-              <a:t>计数器（</a:t>
+              <a:t>，匹配包头多个域）、活动计数器（</a:t>
             </a:r>
             <a:r>
               <a:rPr lang="en-US" altLang="zh-CN" sz="1000" dirty="0" smtClean="0"/>
@@ -7655,11 +7652,7 @@
             </a:r>
             <a:r>
               <a:rPr lang="zh-CN" altLang="en-US" sz="1000" dirty="0" smtClean="0"/>
-              <a:t>）</a:t>
-            </a:r>
-            <a:r>
-              <a:rPr lang="zh-CN" altLang="en-US" sz="1000" dirty="0" smtClean="0"/>
-              <a:t>、</a:t>
+              <a:t>）、</a:t>
             </a:r>
             <a:r>
               <a:rPr lang="en-US" altLang="zh-CN" sz="1000" dirty="0" smtClean="0"/>
@@ -7667,15 +7660,7 @@
             </a:r>
             <a:r>
               <a:rPr lang="zh-CN" altLang="en-US" sz="1000" dirty="0" smtClean="0"/>
-              <a:t>个</a:t>
-            </a:r>
-            <a:r>
-              <a:rPr lang="zh-CN" altLang="en-US" sz="1000" dirty="0" smtClean="0"/>
-              <a:t>或多</a:t>
-            </a:r>
-            <a:r>
-              <a:rPr lang="zh-CN" altLang="en-US" sz="1000" dirty="0" smtClean="0"/>
-              <a:t>个执行行动（</a:t>
+              <a:t>个或多个执行行动（</a:t>
             </a:r>
             <a:r>
               <a:rPr lang="en-US" altLang="zh-CN" sz="1000" dirty="0" smtClean="0"/>
@@ -7683,78 +7668,34 @@
             </a:r>
             <a:r>
               <a:rPr lang="zh-CN" altLang="en-US" sz="1000" dirty="0" smtClean="0"/>
-              <a:t>）</a:t>
-            </a:r>
+              <a:t>）。</a:t>
+            </a:r>
+            <a:endParaRPr lang="en-US" altLang="zh-CN" sz="1000" dirty="0" smtClean="0"/>
+          </a:p>
+          <a:p>
+            <a:endParaRPr lang="en-US" altLang="zh-CN" sz="1000" dirty="0" smtClean="0"/>
+          </a:p>
+          <a:p>
             <a:r>
               <a:rPr lang="zh-CN" altLang="en-US" sz="1000" dirty="0" smtClean="0"/>
-              <a:t>。</a:t>
+              <a:t>每个包按照优先级依次去匹配流表中表项，如果匹配则执行相关策略，否则通过安全通道将包转发到</a:t>
             </a:r>
             <a:endParaRPr lang="en-US" altLang="zh-CN" sz="1000" dirty="0" smtClean="0"/>
           </a:p>
           <a:p>
+            <a:r>
+              <a:rPr lang="zh-CN" altLang="en-US" sz="1000" dirty="0" smtClean="0"/>
+              <a:t>控制器，控制器来决策相关行为。</a:t>
+            </a:r>
             <a:endParaRPr lang="en-US" altLang="zh-CN" sz="1000" dirty="0" smtClean="0"/>
           </a:p>
           <a:p>
+            <a:endParaRPr lang="en-US" altLang="zh-CN" sz="1000" dirty="0" smtClean="0"/>
+          </a:p>
+          <a:p>
             <a:r>
               <a:rPr lang="zh-CN" altLang="en-US" sz="1000" dirty="0" smtClean="0"/>
-              <a:t>每个</a:t>
-            </a:r>
-            <a:r>
-              <a:rPr lang="zh-CN" altLang="en-US" sz="1000" dirty="0" smtClean="0"/>
-              <a:t>包按照优先级依次去匹配流表中表项，如果匹配则执行相关策略</a:t>
-            </a:r>
-            <a:r>
-              <a:rPr lang="zh-CN" altLang="en-US" sz="1000" dirty="0" smtClean="0"/>
-              <a:t>，否则</a:t>
-            </a:r>
-            <a:r>
-              <a:rPr lang="zh-CN" altLang="en-US" sz="1000" dirty="0" smtClean="0"/>
-              <a:t>通过</a:t>
-            </a:r>
-            <a:r>
-              <a:rPr lang="zh-CN" altLang="en-US" sz="1000" dirty="0" smtClean="0"/>
-              <a:t>安全</a:t>
-            </a:r>
-            <a:r>
-              <a:rPr lang="zh-CN" altLang="en-US" sz="1000" dirty="0" smtClean="0"/>
-              <a:t>通道将包转发</a:t>
-            </a:r>
-            <a:r>
-              <a:rPr lang="zh-CN" altLang="en-US" sz="1000" dirty="0" smtClean="0"/>
-              <a:t>到</a:t>
-            </a:r>
-            <a:endParaRPr lang="en-US" altLang="zh-CN" sz="1000" dirty="0" smtClean="0"/>
-          </a:p>
-          <a:p>
-            <a:r>
-              <a:rPr lang="zh-CN" altLang="en-US" sz="1000" dirty="0" smtClean="0"/>
-              <a:t>控制器，控制器</a:t>
-            </a:r>
-            <a:r>
-              <a:rPr lang="zh-CN" altLang="en-US" sz="1000" dirty="0" smtClean="0"/>
-              <a:t>来决策相关行为</a:t>
-            </a:r>
-            <a:r>
-              <a:rPr lang="zh-CN" altLang="en-US" sz="1000" dirty="0" smtClean="0"/>
-              <a:t>。</a:t>
-            </a:r>
-            <a:endParaRPr lang="en-US" altLang="zh-CN" sz="1000" dirty="0" smtClean="0"/>
-          </a:p>
-          <a:p>
-            <a:endParaRPr lang="en-US" altLang="zh-CN" sz="1000" dirty="0" smtClean="0"/>
-          </a:p>
-          <a:p>
-            <a:r>
-              <a:rPr lang="zh-CN" altLang="en-US" sz="1000" dirty="0" smtClean="0"/>
-              <a:t>如果拿传统网络中的技术来类比流表，那么流表就</a:t>
-            </a:r>
-            <a:r>
-              <a:rPr lang="zh-CN" altLang="en-US" sz="1000" dirty="0" smtClean="0"/>
-              <a:t>相当于路由</a:t>
-            </a:r>
-            <a:r>
-              <a:rPr lang="zh-CN" altLang="en-US" sz="1000" dirty="0" smtClean="0"/>
-              <a:t>选路中的路由表，交换机中的</a:t>
+              <a:t>如果拿传统网络中的技术来类比流表，那么流表就相当于路由选路中的路由表，交换机中的</a:t>
             </a:r>
             <a:r>
               <a:rPr lang="en-US" altLang="zh-CN" sz="1000" dirty="0" smtClean="0"/>
@@ -7762,83 +7703,35 @@
             </a:r>
             <a:r>
               <a:rPr lang="zh-CN" altLang="en-US" sz="1000" dirty="0" smtClean="0"/>
-              <a:t>地址表</a:t>
-            </a:r>
+              <a:t>地址表；</a:t>
+            </a:r>
+            <a:endParaRPr lang="en-US" altLang="zh-CN" sz="1000" dirty="0" smtClean="0"/>
+          </a:p>
+          <a:p>
             <a:r>
               <a:rPr lang="zh-CN" altLang="en-US" sz="1000" dirty="0" smtClean="0"/>
-              <a:t>；</a:t>
+              <a:t>有了流表，交换机才能进行转发工作，。</a:t>
             </a:r>
             <a:endParaRPr lang="en-US" altLang="zh-CN" sz="1000" dirty="0" smtClean="0"/>
           </a:p>
           <a:p>
             <a:r>
               <a:rPr lang="zh-CN" altLang="en-US" sz="1000" dirty="0" smtClean="0"/>
-              <a:t>有了</a:t>
-            </a:r>
-            <a:r>
-              <a:rPr lang="zh-CN" altLang="en-US" sz="1000" dirty="0" smtClean="0"/>
-              <a:t>流表，交换机才能进行转发工作</a:t>
-            </a:r>
-            <a:r>
-              <a:rPr lang="zh-CN" altLang="en-US" sz="1000" dirty="0" smtClean="0"/>
-              <a:t>，。</a:t>
-            </a:r>
-            <a:endParaRPr lang="en-US" altLang="zh-CN" sz="1000" dirty="0" smtClean="0"/>
-          </a:p>
-          <a:p>
-            <a:r>
-              <a:rPr lang="zh-CN" altLang="en-US" sz="1000" dirty="0" smtClean="0"/>
-              <a:t>流经</a:t>
-            </a:r>
-            <a:r>
-              <a:rPr lang="zh-CN" altLang="en-US" sz="1000" dirty="0" smtClean="0"/>
-              <a:t>过一个交换机之后，最后结果和传统的路由器相类似：</a:t>
-            </a:r>
-            <a:r>
-              <a:rPr lang="zh-CN" altLang="en-US" sz="1000" dirty="0" smtClean="0"/>
-              <a:t>转发，或者丢弃。</a:t>
-            </a:r>
-            <a:r>
-              <a:rPr lang="zh-CN" altLang="en-US" sz="1000" dirty="0" smtClean="0"/>
-              <a:t/>
+              <a:t>流经过一个交换机之后，最后结果和传统的路由器相类似：转发，或者丢弃。</a:t>
             </a:r>
             <a:br>
               <a:rPr lang="zh-CN" altLang="en-US" sz="1000" dirty="0" smtClean="0"/>
             </a:br>
             <a:r>
               <a:rPr lang="zh-CN" altLang="en-US" sz="1000" dirty="0" smtClean="0"/>
-              <a:t>如果</a:t>
-            </a:r>
+              <a:t>如果一个交换机同时拥有多张流表，那么比起传统路由器查完唯一的一张路由表以外，</a:t>
+            </a:r>
+            <a:endParaRPr lang="en-US" altLang="zh-CN" sz="1000" dirty="0" smtClean="0"/>
+          </a:p>
+          <a:p>
             <a:r>
               <a:rPr lang="zh-CN" altLang="en-US" sz="1000" dirty="0" smtClean="0"/>
-              <a:t>一个交换机同时拥有多张流表，那么比起传统</a:t>
-            </a:r>
-            <a:r>
-              <a:rPr lang="zh-CN" altLang="en-US" sz="1000" dirty="0" smtClean="0"/>
-              <a:t>路由器查</a:t>
-            </a:r>
-            <a:r>
-              <a:rPr lang="zh-CN" altLang="en-US" sz="1000" dirty="0" smtClean="0"/>
-              <a:t>完唯一的一张路由</a:t>
-            </a:r>
-            <a:r>
-              <a:rPr lang="zh-CN" altLang="en-US" sz="1000" dirty="0" smtClean="0"/>
-              <a:t>表以外，</a:t>
-            </a:r>
-            <a:endParaRPr lang="en-US" altLang="zh-CN" sz="1000" dirty="0" smtClean="0"/>
-          </a:p>
-          <a:p>
-            <a:r>
-              <a:rPr lang="zh-CN" altLang="en-US" sz="1000" dirty="0" smtClean="0"/>
-              <a:t>还有</a:t>
-            </a:r>
-            <a:r>
-              <a:rPr lang="zh-CN" altLang="en-US" sz="1000" dirty="0" smtClean="0"/>
-              <a:t>第三种选择：</a:t>
-            </a:r>
-            <a:r>
-              <a:rPr lang="zh-CN" altLang="en-US" sz="1000" dirty="0" smtClean="0"/>
-              <a:t>继续查下一张表。</a:t>
+              <a:t>还有第三种选择：继续查下一张表。</a:t>
             </a:r>
             <a:endParaRPr lang="en-US" altLang="zh-CN" sz="1000" dirty="0" smtClean="0"/>
           </a:p>
@@ -7862,7 +7755,6 @@
               <a:rPr lang="zh-CN" altLang="en-US" sz="1000" dirty="0" smtClean="0"/>
               <a:t>版本之后支持多流表，多控制器，计量表等等</a:t>
             </a:r>
-            <a:endParaRPr lang="zh-CN" altLang="en-US" sz="1000" dirty="0" smtClean="0"/>
           </a:p>
         </p:txBody>
       </p:sp>
@@ -7935,7 +7827,7 @@
     </p:spTree>
     <p:extLst>
       <p:ext uri="{BB962C8B-B14F-4D97-AF65-F5344CB8AC3E}">
-        <p14:creationId xmlns="" xmlns:p14="http://schemas.microsoft.com/office/powerpoint/2010/main" val="3620799539"/>
+        <p14:creationId xmlns:p14="http://schemas.microsoft.com/office/powerpoint/2010/main" xmlns="" val="3620799539"/>
       </p:ext>
     </p:extLst>
   </p:cSld>
@@ -7943,7 +7835,7 @@
     <a:masterClrMapping/>
   </p:clrMapOvr>
   <mc:AlternateContent xmlns:mc="http://schemas.openxmlformats.org/markup-compatibility/2006">
-    <mc:Choice xmlns="" xmlns:p14="http://schemas.microsoft.com/office/powerpoint/2010/main" Requires="p14">
+    <mc:Choice xmlns:p14="http://schemas.microsoft.com/office/powerpoint/2010/main" xmlns="" Requires="p14">
       <p:transition p14:dur="0"/>
     </mc:Choice>
     <mc:Fallback>
@@ -8492,15 +8384,7 @@
           <a:p>
             <a:r>
               <a:rPr lang="zh-CN" altLang="en-US" sz="1000" dirty="0" smtClean="0"/>
-              <a:t>使用命令行来启动</a:t>
-            </a:r>
-            <a:r>
-              <a:rPr lang="zh-CN" altLang="en-US" sz="1000" dirty="0" smtClean="0"/>
-              <a:t>一个最小</a:t>
-            </a:r>
-            <a:r>
-              <a:rPr lang="zh-CN" altLang="en-US" sz="1000" dirty="0" smtClean="0"/>
-              <a:t>拓扑</a:t>
+              <a:t>使用命令行来启动一个最小拓扑</a:t>
             </a:r>
             <a:endParaRPr lang="en-US" altLang="zh-CN" sz="1000" dirty="0" smtClean="0"/>
           </a:p>
@@ -8582,11 +8466,7 @@
             </a:r>
             <a:r>
               <a:rPr lang="zh-CN" altLang="en-US" sz="1000" dirty="0" smtClean="0"/>
-              <a:t>控制器和交换机就</a:t>
-            </a:r>
-            <a:r>
-              <a:rPr lang="zh-CN" altLang="en-US" sz="1000" dirty="0" smtClean="0"/>
-              <a:t>启动</a:t>
+              <a:t>控制器和交换机就启动</a:t>
             </a:r>
             <a:endParaRPr lang="en-US" altLang="zh-CN" sz="1000" dirty="0" smtClean="0"/>
           </a:p>
@@ -8597,15 +8477,7 @@
             </a:r>
             <a:r>
               <a:rPr lang="zh-CN" altLang="en-US" sz="1000" dirty="0" smtClean="0"/>
-              <a:t>协议的通信</a:t>
-            </a:r>
-            <a:r>
-              <a:rPr lang="zh-CN" altLang="en-US" sz="1000" dirty="0" smtClean="0"/>
-              <a:t>，这时</a:t>
-            </a:r>
-            <a:r>
-              <a:rPr lang="zh-CN" altLang="en-US" sz="1000" dirty="0" smtClean="0"/>
-              <a:t>便可以在</a:t>
+              <a:t>协议的通信，这时便可以在</a:t>
             </a:r>
             <a:r>
               <a:rPr lang="en-US" altLang="zh-CN" sz="1000" dirty="0" err="1" smtClean="0"/>
@@ -8613,19 +8485,7 @@
             </a:r>
             <a:r>
               <a:rPr lang="zh-CN" altLang="en-US" sz="1000" dirty="0" smtClean="0"/>
-              <a:t>的</a:t>
-            </a:r>
-            <a:r>
-              <a:rPr lang="zh-CN" altLang="en-US" sz="1000" dirty="0" smtClean="0"/>
-              <a:t>捕获窗口</a:t>
-            </a:r>
-            <a:r>
-              <a:rPr lang="zh-CN" altLang="en-US" sz="1000" dirty="0" smtClean="0"/>
-              <a:t>查看捕获的数据包了</a:t>
-            </a:r>
-            <a:r>
-              <a:rPr lang="zh-CN" altLang="en-US" sz="1000" dirty="0" smtClean="0"/>
-              <a:t>。</a:t>
+              <a:t>的捕获窗口查看捕获的数据包了。</a:t>
             </a:r>
             <a:endParaRPr lang="en-US" altLang="zh-CN" sz="1000" dirty="0" smtClean="0"/>
           </a:p>
@@ -8638,24 +8498,11 @@
               <a:rPr lang="en-US" altLang="zh-CN" sz="1000" dirty="0" smtClean="0"/>
               <a:t>6633</a:t>
             </a:r>
-            <a:endParaRPr lang="en-US" altLang="zh-CN" sz="1000" dirty="0" smtClean="0"/>
           </a:p>
           <a:p>
             <a:r>
               <a:rPr lang="zh-CN" altLang="en-US" sz="1000" dirty="0" smtClean="0"/>
-              <a:t>从中</a:t>
-            </a:r>
-            <a:r>
-              <a:rPr lang="zh-CN" altLang="en-US" sz="1000" dirty="0" smtClean="0"/>
-              <a:t>可以观察</a:t>
-            </a:r>
-            <a:r>
-              <a:rPr lang="zh-CN" altLang="en-US" sz="1000" dirty="0" smtClean="0"/>
-              <a:t>到握手</a:t>
-            </a:r>
-            <a:r>
-              <a:rPr lang="zh-CN" altLang="en-US" sz="1000" dirty="0" smtClean="0"/>
-              <a:t>（</a:t>
+              <a:t>从中可以观察到握手（</a:t>
             </a:r>
             <a:r>
               <a:rPr lang="en-US" altLang="zh-CN" sz="1000" dirty="0" smtClean="0"/>
@@ -8663,15 +8510,7 @@
             </a:r>
             <a:r>
               <a:rPr lang="zh-CN" altLang="en-US" sz="1000" dirty="0" smtClean="0"/>
-              <a:t>）消息</a:t>
-            </a:r>
-            <a:r>
-              <a:rPr lang="zh-CN" altLang="en-US" sz="1000" dirty="0" smtClean="0"/>
-              <a:t>，特性</a:t>
-            </a:r>
-            <a:r>
-              <a:rPr lang="zh-CN" altLang="en-US" sz="1000" dirty="0" smtClean="0"/>
-              <a:t>（</a:t>
+              <a:t>）消息，特性（</a:t>
             </a:r>
             <a:r>
               <a:rPr lang="en-US" altLang="zh-CN" sz="1000" dirty="0" smtClean="0"/>
@@ -8679,19 +8518,7 @@
             </a:r>
             <a:r>
               <a:rPr lang="zh-CN" altLang="en-US" sz="1000" dirty="0" smtClean="0"/>
-              <a:t>）</a:t>
-            </a:r>
-            <a:r>
-              <a:rPr lang="zh-CN" altLang="en-US" sz="1000" dirty="0" smtClean="0"/>
-              <a:t>请求和</a:t>
-            </a:r>
-            <a:r>
-              <a:rPr lang="zh-CN" altLang="en-US" sz="1000" dirty="0" smtClean="0"/>
-              <a:t>响应消息，以及若干</a:t>
-            </a:r>
-            <a:r>
-              <a:rPr lang="zh-CN" altLang="en-US" sz="1000" dirty="0" smtClean="0"/>
-              <a:t>数据包消息，</a:t>
+              <a:t>）请求和响应消息，以及若干数据包消息，</a:t>
             </a:r>
             <a:endParaRPr lang="en-US" altLang="zh-CN" sz="1000" dirty="0" smtClean="0"/>
           </a:p>
@@ -8760,7 +8587,7 @@
     </p:spTree>
     <p:extLst>
       <p:ext uri="{BB962C8B-B14F-4D97-AF65-F5344CB8AC3E}">
-        <p14:creationId xmlns="" xmlns:p14="http://schemas.microsoft.com/office/powerpoint/2010/main" val="3620799539"/>
+        <p14:creationId xmlns:p14="http://schemas.microsoft.com/office/powerpoint/2010/main" xmlns="" val="3620799539"/>
       </p:ext>
     </p:extLst>
   </p:cSld>
@@ -8768,7 +8595,7 @@
     <a:masterClrMapping/>
   </p:clrMapOvr>
   <mc:AlternateContent xmlns:mc="http://schemas.openxmlformats.org/markup-compatibility/2006">
-    <mc:Choice xmlns="" xmlns:p14="http://schemas.microsoft.com/office/powerpoint/2010/main" Requires="p14">
+    <mc:Choice xmlns:p14="http://schemas.microsoft.com/office/powerpoint/2010/main" xmlns="" Requires="p14">
       <p:transition p14:dur="0"/>
     </mc:Choice>
     <mc:Fallback>
@@ -9029,7 +8856,7 @@
         <p:spPr bwMode="auto">
           <a:xfrm>
             <a:off x="309522" y="1071546"/>
-            <a:ext cx="7643866" cy="3214710"/>
+            <a:ext cx="7215238" cy="3214710"/>
           </a:xfrm>
           <a:prstGeom prst="rect">
             <a:avLst/>
@@ -9061,8 +8888,8 @@
         </p:blipFill>
         <p:spPr bwMode="auto">
           <a:xfrm>
-            <a:off x="309522" y="4357694"/>
-            <a:ext cx="3667125" cy="2143122"/>
+            <a:off x="309523" y="4357694"/>
+            <a:ext cx="3500462" cy="2143122"/>
           </a:xfrm>
           <a:prstGeom prst="rect">
             <a:avLst/>
@@ -9095,7 +8922,7 @@
         <p:spPr bwMode="auto">
           <a:xfrm>
             <a:off x="3952861" y="4357694"/>
-            <a:ext cx="4000528" cy="2143140"/>
+            <a:ext cx="3571899" cy="2143140"/>
           </a:xfrm>
           <a:prstGeom prst="rect">
             <a:avLst/>
@@ -9110,10 +8937,104 @@
           <a:effectLst/>
         </p:spPr>
       </p:pic>
+      <p:sp>
+        <p:nvSpPr>
+          <p:cNvPr id="10" name="矩形 9"/>
+          <p:cNvSpPr/>
+          <p:nvPr/>
+        </p:nvSpPr>
+        <p:spPr>
+          <a:xfrm>
+            <a:off x="3809984" y="6488668"/>
+            <a:ext cx="4210063" cy="307777"/>
+          </a:xfrm>
+          <a:prstGeom prst="rect">
+            <a:avLst/>
+          </a:prstGeom>
+        </p:spPr>
+        <p:txBody>
+          <a:bodyPr wrap="none">
+            <a:spAutoFit/>
+          </a:bodyPr>
+          <a:lstStyle/>
+          <a:p>
+            <a:r>
+              <a:rPr lang="zh-CN" altLang="en-US" sz="1400" dirty="0" smtClean="0">
+                <a:solidFill>
+                  <a:srgbClr val="FF0000"/>
+                </a:solidFill>
+              </a:rPr>
+              <a:t>已经有一些开源控制器，比如</a:t>
+            </a:r>
+            <a:r>
+              <a:rPr lang="en-US" sz="1400" dirty="0" err="1" smtClean="0">
+                <a:solidFill>
+                  <a:srgbClr val="FF0000"/>
+                </a:solidFill>
+              </a:rPr>
+              <a:t>ODL、</a:t>
+            </a:r>
+            <a:r>
+              <a:rPr lang="en-US" altLang="zh-CN" sz="1400" dirty="0" err="1" smtClean="0">
+                <a:solidFill>
+                  <a:srgbClr val="FF0000"/>
+                </a:solidFill>
+              </a:rPr>
+              <a:t>R</a:t>
+            </a:r>
+            <a:r>
+              <a:rPr lang="en-US" sz="1400" dirty="0" err="1" smtClean="0">
+                <a:solidFill>
+                  <a:srgbClr val="FF0000"/>
+                </a:solidFill>
+              </a:rPr>
+              <a:t>yu、floodlight</a:t>
+            </a:r>
+            <a:endParaRPr lang="zh-CN" altLang="en-US" sz="1400" dirty="0" smtClean="0">
+              <a:solidFill>
+                <a:srgbClr val="FF0000"/>
+              </a:solidFill>
+            </a:endParaRPr>
+          </a:p>
+        </p:txBody>
+      </p:sp>
+      <p:cxnSp>
+        <p:nvCxnSpPr>
+          <p:cNvPr id="12" name="直接箭头连接符 11"/>
+          <p:cNvCxnSpPr/>
+          <p:nvPr/>
+        </p:nvCxnSpPr>
+        <p:spPr>
+          <a:xfrm rot="5400000">
+            <a:off x="3738546" y="6000768"/>
+            <a:ext cx="857256" cy="285752"/>
+          </a:xfrm>
+          <a:prstGeom prst="straightConnector1">
+            <a:avLst/>
+          </a:prstGeom>
+          <a:ln>
+            <a:tailEnd type="arrow"/>
+          </a:ln>
+        </p:spPr>
+        <p:style>
+          <a:lnRef idx="1">
+            <a:schemeClr val="accent1"/>
+          </a:lnRef>
+          <a:fillRef idx="0">
+            <a:schemeClr val="accent1"/>
+          </a:fillRef>
+          <a:effectRef idx="0">
+            <a:schemeClr val="accent1"/>
+          </a:effectRef>
+          <a:fontRef idx="minor">
+            <a:schemeClr val="tx1"/>
+          </a:fontRef>
+        </p:style>
+      </p:cxnSp>
     </p:spTree>
     <p:extLst>
       <p:ext uri="{BB962C8B-B14F-4D97-AF65-F5344CB8AC3E}">
-        <p14:creationId xmlns="" xmlns:p14="http://schemas.microsoft.com/office/powerpoint/2010/main" val="3221807754"/>
+        <p14:creationId xmlns:p14="http://schemas.microsoft.com/office/powerpoint/2010/main" xmlns="" val="3221807754"/>
       </p:ext>
     </p:extLst>
   </p:cSld>
@@ -9121,7 +9042,7 @@
     <a:masterClrMapping/>
   </p:clrMapOvr>
   <mc:AlternateContent xmlns:mc="http://schemas.openxmlformats.org/markup-compatibility/2006">
-    <mc:Choice xmlns="" xmlns:p14="http://schemas.microsoft.com/office/powerpoint/2010/main" Requires="p14">
+    <mc:Choice xmlns:p14="http://schemas.microsoft.com/office/powerpoint/2010/main" xmlns="" Requires="p14">
       <p:transition p14:dur="0"/>
     </mc:Choice>
     <mc:Fallback>
@@ -9710,7 +9631,7 @@
   <a:extraClrSchemeLst/>
   <a:extLst>
     <a:ext uri="{05A4C25C-085E-4340-85A3-A5531E510DB2}">
-      <thm15:themeFamily xmlns="" xmlns:thm15="http://schemas.microsoft.com/office/thememl/2012/main" name="Office Theme" id="{62F939B6-93AF-4DB8-9C6B-D6C7DFDC589F}" vid="{4A3C46E8-61CC-4603-A589-7422A47A8E4A}"/>
+      <thm15:themeFamily xmlns:thm15="http://schemas.microsoft.com/office/thememl/2012/main" xmlns="" name="Office Theme" id="{62F939B6-93AF-4DB8-9C6B-D6C7DFDC589F}" vid="{4A3C46E8-61CC-4603-A589-7422A47A8E4A}"/>
     </a:ext>
   </a:extLst>
 </a:theme>
